--- a/Week4/Slides/Week 4.pptx
+++ b/Week4/Slides/Week 4.pptx
@@ -17,20 +17,20 @@
     <p:sldId id="417" r:id="rId8"/>
     <p:sldId id="418" r:id="rId9"/>
     <p:sldId id="401" r:id="rId10"/>
-    <p:sldId id="402" r:id="rId11"/>
-    <p:sldId id="403" r:id="rId12"/>
-    <p:sldId id="404" r:id="rId13"/>
-    <p:sldId id="406" r:id="rId14"/>
-    <p:sldId id="412" r:id="rId15"/>
-    <p:sldId id="413" r:id="rId16"/>
-    <p:sldId id="414" r:id="rId17"/>
-    <p:sldId id="416" r:id="rId18"/>
-    <p:sldId id="415" r:id="rId19"/>
-    <p:sldId id="405" r:id="rId20"/>
-    <p:sldId id="407" r:id="rId21"/>
-    <p:sldId id="408" r:id="rId22"/>
-    <p:sldId id="409" r:id="rId23"/>
-    <p:sldId id="411" r:id="rId24"/>
+    <p:sldId id="419" r:id="rId11"/>
+    <p:sldId id="402" r:id="rId12"/>
+    <p:sldId id="403" r:id="rId13"/>
+    <p:sldId id="404" r:id="rId14"/>
+    <p:sldId id="406" r:id="rId15"/>
+    <p:sldId id="412" r:id="rId16"/>
+    <p:sldId id="413" r:id="rId17"/>
+    <p:sldId id="414" r:id="rId18"/>
+    <p:sldId id="416" r:id="rId19"/>
+    <p:sldId id="415" r:id="rId20"/>
+    <p:sldId id="405" r:id="rId21"/>
+    <p:sldId id="407" r:id="rId22"/>
+    <p:sldId id="408" r:id="rId23"/>
+    <p:sldId id="409" r:id="rId24"/>
     <p:sldId id="410" r:id="rId25"/>
   </p:sldIdLst>
   <p:sldSz cx="9144000" cy="6858000" type="screen4x3"/>
@@ -132,7 +132,7 @@
   </p:defaultTextStyle>
   <p:extLst>
     <p:ext uri="{EFAFB233-063F-42B5-8137-9DF3F51BA10A}">
-      <p15:sldGuideLst xmlns:p15="http://schemas.microsoft.com/office/powerpoint/2012/main" xmlns="">
+      <p15:sldGuideLst xmlns="" xmlns:p15="http://schemas.microsoft.com/office/powerpoint/2012/main">
         <p15:guide id="1" orient="horz" pos="2160">
           <p15:clr>
             <a:srgbClr val="A4A3A4"/>
@@ -231,7 +231,7 @@
           <a:p>
             <a:fld id="{90AF4669-11A5-AA4B-ACB6-1CD3E71EA0D2}" type="datetimeFigureOut">
               <a:rPr lang="en-US" smtClean="0"/>
-              <a:t>4/20/14</a:t>
+              <a:t>4/21/14</a:t>
             </a:fld>
             <a:endParaRPr lang="en-US"/>
           </a:p>
@@ -789,7 +789,7 @@
           <a:p>
             <a:fld id="{C95D1B94-35C6-4950-B226-D68A01DA1DCF}" type="datetimeFigureOut">
               <a:rPr lang="en-US" smtClean="0"/>
-              <a:t>4/20/14</a:t>
+              <a:t>4/21/14</a:t>
             </a:fld>
             <a:endParaRPr lang="en-US"/>
           </a:p>
@@ -954,7 +954,7 @@
           <a:p>
             <a:fld id="{C95D1B94-35C6-4950-B226-D68A01DA1DCF}" type="datetimeFigureOut">
               <a:rPr lang="en-US" smtClean="0"/>
-              <a:t>4/20/14</a:t>
+              <a:t>4/21/14</a:t>
             </a:fld>
             <a:endParaRPr lang="en-US"/>
           </a:p>
@@ -1129,7 +1129,7 @@
           <a:p>
             <a:fld id="{C95D1B94-35C6-4950-B226-D68A01DA1DCF}" type="datetimeFigureOut">
               <a:rPr lang="en-US" smtClean="0"/>
-              <a:t>4/20/14</a:t>
+              <a:t>4/21/14</a:t>
             </a:fld>
             <a:endParaRPr lang="en-US"/>
           </a:p>
@@ -1312,7 +1312,7 @@
           <a:p>
             <a:fld id="{C95D1B94-35C6-4950-B226-D68A01DA1DCF}" type="datetimeFigureOut">
               <a:rPr lang="en-US" smtClean="0"/>
-              <a:t>4/20/14</a:t>
+              <a:t>4/21/14</a:t>
             </a:fld>
             <a:endParaRPr lang="en-US"/>
           </a:p>
@@ -1574,7 +1574,7 @@
           <a:p>
             <a:fld id="{C95D1B94-35C6-4950-B226-D68A01DA1DCF}" type="datetimeFigureOut">
               <a:rPr lang="en-US" smtClean="0"/>
-              <a:t>4/20/14</a:t>
+              <a:t>4/21/14</a:t>
             </a:fld>
             <a:endParaRPr lang="en-US"/>
           </a:p>
@@ -1922,7 +1922,7 @@
           <a:p>
             <a:fld id="{C95D1B94-35C6-4950-B226-D68A01DA1DCF}" type="datetimeFigureOut">
               <a:rPr lang="en-US" smtClean="0"/>
-              <a:t>4/20/14</a:t>
+              <a:t>4/21/14</a:t>
             </a:fld>
             <a:endParaRPr lang="en-US"/>
           </a:p>
@@ -2230,7 +2230,7 @@
           <a:p>
             <a:fld id="{C95D1B94-35C6-4950-B226-D68A01DA1DCF}" type="datetimeFigureOut">
               <a:rPr lang="en-US" smtClean="0"/>
-              <a:t>4/20/14</a:t>
+              <a:t>4/21/14</a:t>
             </a:fld>
             <a:endParaRPr lang="en-US"/>
           </a:p>
@@ -2457,7 +2457,7 @@
           <a:p>
             <a:fld id="{C95D1B94-35C6-4950-B226-D68A01DA1DCF}" type="datetimeFigureOut">
               <a:rPr lang="en-US" smtClean="0"/>
-              <a:t>4/20/14</a:t>
+              <a:t>4/21/14</a:t>
             </a:fld>
             <a:endParaRPr lang="en-US"/>
           </a:p>
@@ -2547,7 +2547,7 @@
           <a:p>
             <a:fld id="{C95D1B94-35C6-4950-B226-D68A01DA1DCF}" type="datetimeFigureOut">
               <a:rPr lang="en-US" smtClean="0"/>
-              <a:t>4/20/14</a:t>
+              <a:t>4/21/14</a:t>
             </a:fld>
             <a:endParaRPr lang="en-US"/>
           </a:p>
@@ -2835,7 +2835,7 @@
           <a:p>
             <a:fld id="{C95D1B94-35C6-4950-B226-D68A01DA1DCF}" type="datetimeFigureOut">
               <a:rPr lang="en-US" smtClean="0"/>
-              <a:t>4/20/14</a:t>
+              <a:t>4/21/14</a:t>
             </a:fld>
             <a:endParaRPr lang="en-US"/>
           </a:p>
@@ -3104,7 +3104,7 @@
           <a:p>
             <a:fld id="{C95D1B94-35C6-4950-B226-D68A01DA1DCF}" type="datetimeFigureOut">
               <a:rPr lang="en-US" smtClean="0"/>
-              <a:t>4/20/14</a:t>
+              <a:t>4/21/14</a:t>
             </a:fld>
             <a:endParaRPr lang="en-US"/>
           </a:p>
@@ -3314,7 +3314,7 @@
           <a:p>
             <a:fld id="{C95D1B94-35C6-4950-B226-D68A01DA1DCF}" type="datetimeFigureOut">
               <a:rPr lang="en-US" smtClean="0"/>
-              <a:t>4/20/14</a:t>
+              <a:t>4/21/14</a:t>
             </a:fld>
             <a:endParaRPr lang="en-US"/>
           </a:p>
@@ -3973,6 +3973,206 @@
           <a:p>
             <a:r>
               <a:rPr lang="en-US" dirty="0" smtClean="0"/>
+              <a:t>So let’s pull apart the mathematics a bit:</a:t>
+            </a:r>
+          </a:p>
+          <a:p>
+            <a:endParaRPr lang="en-US" dirty="0"/>
+          </a:p>
+          <a:p>
+            <a:endParaRPr lang="en-US" dirty="0" smtClean="0"/>
+          </a:p>
+          <a:p>
+            <a:endParaRPr lang="en-US" dirty="0"/>
+          </a:p>
+          <a:p>
+            <a:endParaRPr lang="en-US" dirty="0" smtClean="0"/>
+          </a:p>
+          <a:p>
+            <a:r>
+              <a:rPr lang="en-US" dirty="0" smtClean="0"/>
+              <a:t>This is a dot product between N-dimensional vectors</a:t>
+            </a:r>
+          </a:p>
+          <a:p>
+            <a:pPr lvl="1"/>
+            <a:r>
+              <a:rPr lang="en-US" dirty="0" smtClean="0"/>
+              <a:t>This calculates a single output sample</a:t>
+            </a:r>
+          </a:p>
+          <a:p>
+            <a:pPr lvl="1"/>
+            <a:r>
+              <a:rPr lang="en-US" dirty="0" smtClean="0"/>
+              <a:t>To calculate other values, just insert different values of </a:t>
+            </a:r>
+            <a:r>
+              <a:rPr lang="en-US" b="1" dirty="0" smtClean="0"/>
+              <a:t>n</a:t>
+            </a:r>
+          </a:p>
+          <a:p>
+            <a:pPr lvl="1"/>
+            <a:r>
+              <a:rPr lang="en-US" dirty="0" smtClean="0"/>
+              <a:t>Although </a:t>
+            </a:r>
+            <a:r>
+              <a:rPr lang="en-US" b="1" dirty="0" smtClean="0"/>
+              <a:t>[n]</a:t>
+            </a:r>
+            <a:r>
+              <a:rPr lang="en-US" dirty="0" smtClean="0"/>
+              <a:t> has been reversed inside the dot product, you can reverse either </a:t>
+            </a:r>
+            <a:r>
+              <a:rPr lang="en-US" b="1" dirty="0" smtClean="0"/>
+              <a:t>x[n]</a:t>
+            </a:r>
+            <a:r>
+              <a:rPr lang="en-US" dirty="0" smtClean="0"/>
+              <a:t> or </a:t>
+            </a:r>
+            <a:r>
+              <a:rPr lang="en-US" b="1" dirty="0" smtClean="0"/>
+              <a:t>h[n]</a:t>
+            </a:r>
+            <a:r>
+              <a:rPr lang="en-US" dirty="0" smtClean="0"/>
+              <a:t>, it doesn’t affect the output</a:t>
+            </a:r>
+            <a:endParaRPr lang="en-US" dirty="0"/>
+          </a:p>
+        </p:txBody>
+      </p:sp>
+      <p:graphicFrame>
+        <p:nvGraphicFramePr>
+          <p:cNvPr id="6" name="Object 5"/>
+          <p:cNvGraphicFramePr>
+            <a:graphicFrameLocks noChangeAspect="1"/>
+          </p:cNvGraphicFramePr>
+          <p:nvPr>
+            <p:extLst>
+              <p:ext uri="{D42A27DB-BD31-4B8C-83A1-F6EECF244321}">
+                <p14:modId xmlns:p14="http://schemas.microsoft.com/office/powerpoint/2010/main" val="2754569884"/>
+              </p:ext>
+            </p:extLst>
+          </p:nvPr>
+        </p:nvGraphicFramePr>
+        <p:xfrm>
+          <a:off x="3048000" y="2286000"/>
+          <a:ext cx="3352800" cy="1219200"/>
+        </p:xfrm>
+        <a:graphic>
+          <a:graphicData uri="http://schemas.openxmlformats.org/presentationml/2006/ole">
+            <mc:AlternateContent xmlns:mc="http://schemas.openxmlformats.org/markup-compatibility/2006">
+              <mc:Choice xmlns:v="urn:schemas-microsoft-com:vml" Requires="v">
+                <p:oleObj spid="_x0000_s3074" name="Equation" r:id="rId3" imgW="1257300" imgH="457200" progId="Equation.3">
+                  <p:embed/>
+                </p:oleObj>
+              </mc:Choice>
+              <mc:Fallback>
+                <p:oleObj name="Equation" r:id="rId3" imgW="1257300" imgH="457200" progId="Equation.3">
+                  <p:embed/>
+                  <p:pic>
+                    <p:nvPicPr>
+                      <p:cNvPr id="0" name=""/>
+                      <p:cNvPicPr/>
+                      <p:nvPr/>
+                    </p:nvPicPr>
+                    <p:blipFill>
+                      <a:blip r:embed="rId4"/>
+                      <a:stretch>
+                        <a:fillRect/>
+                      </a:stretch>
+                    </p:blipFill>
+                    <p:spPr>
+                      <a:xfrm>
+                        <a:off x="3048000" y="2286000"/>
+                        <a:ext cx="3352800" cy="1219200"/>
+                      </a:xfrm>
+                      <a:prstGeom prst="rect">
+                        <a:avLst/>
+                      </a:prstGeom>
+                    </p:spPr>
+                  </p:pic>
+                </p:oleObj>
+              </mc:Fallback>
+            </mc:AlternateContent>
+          </a:graphicData>
+        </a:graphic>
+      </p:graphicFrame>
+    </p:spTree>
+    <p:extLst>
+      <p:ext uri="{BB962C8B-B14F-4D97-AF65-F5344CB8AC3E}">
+        <p14:creationId xmlns:p14="http://schemas.microsoft.com/office/powerpoint/2010/main" val="2440869754"/>
+      </p:ext>
+    </p:extLst>
+  </p:cSld>
+  <p:clrMapOvr>
+    <a:masterClrMapping/>
+  </p:clrMapOvr>
+</p:sld>
+</file>
+
+<file path=ppt/slides/slide11.xml><?xml version="1.0" encoding="utf-8"?>
+<p:sld xmlns:a="http://schemas.openxmlformats.org/drawingml/2006/main" xmlns:r="http://schemas.openxmlformats.org/officeDocument/2006/relationships" xmlns:p="http://schemas.openxmlformats.org/presentationml/2006/main">
+  <p:cSld>
+    <p:spTree>
+      <p:nvGrpSpPr>
+        <p:cNvPr id="1" name=""/>
+        <p:cNvGrpSpPr/>
+        <p:nvPr/>
+      </p:nvGrpSpPr>
+      <p:grpSpPr>
+        <a:xfrm>
+          <a:off x="0" y="0"/>
+          <a:ext cx="0" cy="0"/>
+          <a:chOff x="0" y="0"/>
+          <a:chExt cx="0" cy="0"/>
+        </a:xfrm>
+      </p:grpSpPr>
+      <p:sp>
+        <p:nvSpPr>
+          <p:cNvPr id="2" name="Title 1"/>
+          <p:cNvSpPr>
+            <a:spLocks noGrp="1"/>
+          </p:cNvSpPr>
+          <p:nvPr>
+            <p:ph type="title"/>
+          </p:nvPr>
+        </p:nvSpPr>
+        <p:spPr/>
+        <p:txBody>
+          <a:bodyPr/>
+          <a:lstStyle/>
+          <a:p>
+            <a:r>
+              <a:rPr lang="en-US" dirty="0" smtClean="0"/>
+              <a:t>Convolution</a:t>
+            </a:r>
+            <a:endParaRPr lang="en-US" dirty="0"/>
+          </a:p>
+        </p:txBody>
+      </p:sp>
+      <p:sp>
+        <p:nvSpPr>
+          <p:cNvPr id="3" name="Content Placeholder 2"/>
+          <p:cNvSpPr>
+            <a:spLocks noGrp="1"/>
+          </p:cNvSpPr>
+          <p:nvPr>
+            <p:ph idx="1"/>
+          </p:nvPr>
+        </p:nvSpPr>
+        <p:spPr/>
+        <p:txBody>
+          <a:bodyPr/>
+          <a:lstStyle/>
+          <a:p>
+            <a:r>
+              <a:rPr lang="en-US" dirty="0" smtClean="0"/>
               <a:t>For those of you familiar with algorithmic complexity</a:t>
             </a:r>
           </a:p>
@@ -4160,7 +4360,7 @@
               <a:lstStyle/>
               <a:p>
                 <a14:m>
-                  <m:oMathPara xmlns:m="http://schemas.openxmlformats.org/officeDocument/2006/math" xmlns="">
+                  <m:oMathPara xmlns="" xmlns:m="http://schemas.openxmlformats.org/officeDocument/2006/math">
                     <m:oMathParaPr>
                       <m:jc m:val="centerGroup"/>
                     </m:oMathParaPr>
@@ -4262,7 +4462,7 @@
               <a:lstStyle/>
               <a:p>
                 <a14:m>
-                  <m:oMathPara xmlns:m="http://schemas.openxmlformats.org/officeDocument/2006/math" xmlns="">
+                  <m:oMathPara xmlns="" xmlns:m="http://schemas.openxmlformats.org/officeDocument/2006/math">
                     <m:oMathParaPr>
                       <m:jc m:val="centerGroup"/>
                     </m:oMathParaPr>
@@ -4492,7 +4692,7 @@
               <a:lstStyle/>
               <a:p>
                 <a14:m>
-                  <m:oMathPara xmlns:m="http://schemas.openxmlformats.org/officeDocument/2006/math" xmlns="">
+                  <m:oMathPara xmlns="" xmlns:m="http://schemas.openxmlformats.org/officeDocument/2006/math">
                     <m:oMathParaPr>
                       <m:jc m:val="centerGroup"/>
                     </m:oMathParaPr>
@@ -4594,7 +4794,7 @@
               <a:lstStyle/>
               <a:p>
                 <a14:m>
-                  <m:oMathPara xmlns:m="http://schemas.openxmlformats.org/officeDocument/2006/math" xmlns="">
+                  <m:oMathPara xmlns="" xmlns:m="http://schemas.openxmlformats.org/officeDocument/2006/math">
                     <m:oMathParaPr>
                       <m:jc m:val="centerGroup"/>
                     </m:oMathParaPr>
@@ -4864,7 +5064,7 @@
               <a:lstStyle/>
               <a:p>
                 <a14:m>
-                  <m:oMathPara xmlns:m="http://schemas.openxmlformats.org/officeDocument/2006/math" xmlns="">
+                  <m:oMathPara xmlns="" xmlns:m="http://schemas.openxmlformats.org/officeDocument/2006/math">
                     <m:oMathParaPr>
                       <m:jc m:val="centerGroup"/>
                     </m:oMathParaPr>
@@ -4954,180 +5154,6 @@
 </p:sld>
 </file>
 
-<file path=ppt/slides/slide11.xml><?xml version="1.0" encoding="utf-8"?>
-<p:sld xmlns:a="http://schemas.openxmlformats.org/drawingml/2006/main" xmlns:r="http://schemas.openxmlformats.org/officeDocument/2006/relationships" xmlns:p="http://schemas.openxmlformats.org/presentationml/2006/main">
-  <p:cSld>
-    <p:spTree>
-      <p:nvGrpSpPr>
-        <p:cNvPr id="1" name=""/>
-        <p:cNvGrpSpPr/>
-        <p:nvPr/>
-      </p:nvGrpSpPr>
-      <p:grpSpPr>
-        <a:xfrm>
-          <a:off x="0" y="0"/>
-          <a:ext cx="0" cy="0"/>
-          <a:chOff x="0" y="0"/>
-          <a:chExt cx="0" cy="0"/>
-        </a:xfrm>
-      </p:grpSpPr>
-      <p:sp>
-        <p:nvSpPr>
-          <p:cNvPr id="2" name="Title 1"/>
-          <p:cNvSpPr>
-            <a:spLocks noGrp="1"/>
-          </p:cNvSpPr>
-          <p:nvPr>
-            <p:ph type="title"/>
-          </p:nvPr>
-        </p:nvSpPr>
-        <p:spPr/>
-        <p:txBody>
-          <a:bodyPr/>
-          <a:lstStyle/>
-          <a:p>
-            <a:r>
-              <a:rPr lang="en-US" dirty="0" smtClean="0"/>
-              <a:t>Circular Convolution</a:t>
-            </a:r>
-            <a:endParaRPr lang="en-US" dirty="0"/>
-          </a:p>
-        </p:txBody>
-      </p:sp>
-      <p:sp>
-        <p:nvSpPr>
-          <p:cNvPr id="3" name="Content Placeholder 2"/>
-          <p:cNvSpPr>
-            <a:spLocks noGrp="1"/>
-          </p:cNvSpPr>
-          <p:nvPr>
-            <p:ph idx="1"/>
-          </p:nvPr>
-        </p:nvSpPr>
-        <p:spPr>
-          <a:xfrm>
-            <a:off x="457200" y="1600200"/>
-            <a:ext cx="8229600" cy="5029200"/>
-          </a:xfrm>
-        </p:spPr>
-        <p:txBody>
-          <a:bodyPr/>
-          <a:lstStyle/>
-          <a:p>
-            <a:r>
-              <a:rPr lang="en-US" dirty="0" smtClean="0"/>
-              <a:t>This performs “Circular Convolution”</a:t>
-            </a:r>
-          </a:p>
-          <a:p>
-            <a:pPr lvl="1"/>
-            <a:r>
-              <a:rPr lang="en-US" dirty="0" smtClean="0"/>
-              <a:t>Slightly different from Linear convolution</a:t>
-            </a:r>
-          </a:p>
-          <a:p>
-            <a:pPr lvl="1"/>
-            <a:endParaRPr lang="en-US" dirty="0"/>
-          </a:p>
-          <a:p>
-            <a:r>
-              <a:rPr lang="en-US" dirty="0" smtClean="0"/>
-              <a:t>Typically performed in windowed chunks of input</a:t>
-            </a:r>
-          </a:p>
-          <a:p>
-            <a:pPr lvl="1"/>
-            <a:r>
-              <a:rPr lang="en-US" dirty="0" smtClean="0"/>
-              <a:t>Causes the tail end of the convolution to “wrap around” to the beginning</a:t>
-            </a:r>
-          </a:p>
-          <a:p>
-            <a:pPr lvl="1"/>
-            <a:r>
-              <a:rPr lang="en-US" dirty="0" smtClean="0"/>
-              <a:t>Due to DFT’s periodic assumption</a:t>
-            </a:r>
-          </a:p>
-          <a:p>
-            <a:pPr lvl="1"/>
-            <a:endParaRPr lang="en-US" dirty="0"/>
-          </a:p>
-          <a:p>
-            <a:r>
-              <a:rPr lang="en-US" dirty="0" smtClean="0"/>
-              <a:t>Be aware of this when convolving with your signal</a:t>
-            </a:r>
-          </a:p>
-          <a:p>
-            <a:pPr lvl="1"/>
-            <a:r>
-              <a:rPr lang="en-US" dirty="0" smtClean="0"/>
-              <a:t>Windowing will take care of some of this, not all of it</a:t>
-            </a:r>
-          </a:p>
-          <a:p>
-            <a:pPr lvl="1"/>
-            <a:r>
-              <a:rPr lang="en-US" dirty="0" smtClean="0"/>
-              <a:t>By windowing, I mean multiplication with a window function:</a:t>
-            </a:r>
-          </a:p>
-          <a:p>
-            <a:pPr lvl="2"/>
-            <a:r>
-              <a:rPr lang="en-US" dirty="0" err="1" smtClean="0"/>
-              <a:t>Hann</a:t>
-            </a:r>
-            <a:r>
-              <a:rPr lang="en-US" dirty="0" smtClean="0"/>
-              <a:t>, Hamming, Blackman, Kaiser, etc…</a:t>
-            </a:r>
-          </a:p>
-          <a:p>
-            <a:pPr lvl="1"/>
-            <a:endParaRPr lang="en-US" dirty="0"/>
-          </a:p>
-          <a:p>
-            <a:r>
-              <a:rPr lang="en-US" dirty="0" smtClean="0"/>
-              <a:t>Zero-padding can solve this for you!</a:t>
-            </a:r>
-          </a:p>
-          <a:p>
-            <a:pPr lvl="1"/>
-            <a:r>
-              <a:rPr lang="en-US" dirty="0" smtClean="0"/>
-              <a:t>Zero-pad both signals to a length that will contain the entire convolution</a:t>
-            </a:r>
-          </a:p>
-          <a:p>
-            <a:pPr lvl="1"/>
-            <a:r>
-              <a:rPr lang="en-US" dirty="0" smtClean="0"/>
-              <a:t>If you want to do this, don’t forget Overlap-and-Add!</a:t>
-            </a:r>
-          </a:p>
-          <a:p>
-            <a:pPr lvl="1"/>
-            <a:endParaRPr lang="en-US" dirty="0" smtClean="0"/>
-          </a:p>
-        </p:txBody>
-      </p:sp>
-    </p:spTree>
-    <p:extLst>
-      <p:ext uri="{BB962C8B-B14F-4D97-AF65-F5344CB8AC3E}">
-        <p14:creationId xmlns:p14="http://schemas.microsoft.com/office/powerpoint/2010/main" val="78543959"/>
-      </p:ext>
-    </p:extLst>
-  </p:cSld>
-  <p:clrMapOvr>
-    <a:masterClrMapping/>
-  </p:clrMapOvr>
-</p:sld>
-</file>
-
 <file path=ppt/slides/slide12.xml><?xml version="1.0" encoding="utf-8"?>
 <p:sld xmlns:a="http://schemas.openxmlformats.org/drawingml/2006/main" xmlns:r="http://schemas.openxmlformats.org/officeDocument/2006/relationships" xmlns:p="http://schemas.openxmlformats.org/presentationml/2006/main">
   <p:cSld>
@@ -5178,19 +5204,121 @@
             <p:ph idx="1"/>
           </p:nvPr>
         </p:nvSpPr>
-        <p:spPr/>
+        <p:spPr>
+          <a:xfrm>
+            <a:off x="457200" y="1600200"/>
+            <a:ext cx="8229600" cy="5029200"/>
+          </a:xfrm>
+        </p:spPr>
         <p:txBody>
           <a:bodyPr/>
           <a:lstStyle/>
           <a:p>
-            <a:endParaRPr lang="en-US"/>
+            <a:r>
+              <a:rPr lang="en-US" dirty="0" smtClean="0"/>
+              <a:t>This performs “Circular Convolution”</a:t>
+            </a:r>
+          </a:p>
+          <a:p>
+            <a:pPr lvl="1"/>
+            <a:r>
+              <a:rPr lang="en-US" dirty="0" smtClean="0"/>
+              <a:t>Slightly different from Linear convolution</a:t>
+            </a:r>
+          </a:p>
+          <a:p>
+            <a:pPr lvl="1"/>
+            <a:endParaRPr lang="en-US" dirty="0"/>
+          </a:p>
+          <a:p>
+            <a:r>
+              <a:rPr lang="en-US" dirty="0" smtClean="0"/>
+              <a:t>Typically performed in windowed chunks of input</a:t>
+            </a:r>
+          </a:p>
+          <a:p>
+            <a:pPr lvl="1"/>
+            <a:r>
+              <a:rPr lang="en-US" dirty="0" smtClean="0"/>
+              <a:t>Causes the tail end of the convolution to “wrap around” to the beginning</a:t>
+            </a:r>
+          </a:p>
+          <a:p>
+            <a:pPr lvl="1"/>
+            <a:r>
+              <a:rPr lang="en-US" dirty="0" smtClean="0"/>
+              <a:t>Due to DFT’s periodic assumption</a:t>
+            </a:r>
+          </a:p>
+          <a:p>
+            <a:pPr lvl="1"/>
+            <a:endParaRPr lang="en-US" dirty="0"/>
+          </a:p>
+          <a:p>
+            <a:r>
+              <a:rPr lang="en-US" dirty="0" smtClean="0"/>
+              <a:t>Be aware of this when convolving with your signal</a:t>
+            </a:r>
+          </a:p>
+          <a:p>
+            <a:pPr lvl="1"/>
+            <a:r>
+              <a:rPr lang="en-US" dirty="0" smtClean="0"/>
+              <a:t>Windowing will take care of some of this, not all of it</a:t>
+            </a:r>
+          </a:p>
+          <a:p>
+            <a:pPr lvl="1"/>
+            <a:r>
+              <a:rPr lang="en-US" dirty="0" smtClean="0"/>
+              <a:t>By windowing, I mean multiplication with a window function:</a:t>
+            </a:r>
+          </a:p>
+          <a:p>
+            <a:pPr lvl="2"/>
+            <a:r>
+              <a:rPr lang="en-US" dirty="0" err="1" smtClean="0"/>
+              <a:t>Hann</a:t>
+            </a:r>
+            <a:r>
+              <a:rPr lang="en-US" dirty="0" smtClean="0"/>
+              <a:t>, Hamming, Blackman, Kaiser, etc…</a:t>
+            </a:r>
+          </a:p>
+          <a:p>
+            <a:pPr lvl="1"/>
+            <a:endParaRPr lang="en-US" dirty="0"/>
+          </a:p>
+          <a:p>
+            <a:r>
+              <a:rPr lang="en-US" dirty="0" smtClean="0"/>
+              <a:t>Zero-padding can solve this for you!</a:t>
+            </a:r>
+          </a:p>
+          <a:p>
+            <a:pPr lvl="1"/>
+            <a:r>
+              <a:rPr lang="en-US" dirty="0" smtClean="0"/>
+              <a:t>Zero-pad both signals to a length that will contain the entire convolution</a:t>
+            </a:r>
+          </a:p>
+          <a:p>
+            <a:pPr lvl="1"/>
+            <a:r>
+              <a:rPr lang="en-US" dirty="0" smtClean="0"/>
+              <a:t>If you want to do this, don’t forget Overlap-and-Add!</a:t>
+            </a:r>
+          </a:p>
+          <a:p>
+            <a:pPr lvl="1"/>
+            <a:endParaRPr lang="en-US" dirty="0" smtClean="0"/>
           </a:p>
         </p:txBody>
       </p:sp>
     </p:spTree>
     <p:extLst>
       <p:ext uri="{BB962C8B-B14F-4D97-AF65-F5344CB8AC3E}">
-        <p14:creationId xmlns:p14="http://schemas.microsoft.com/office/powerpoint/2010/main" val="754225493"/>
+        <p14:creationId xmlns:p14="http://schemas.microsoft.com/office/powerpoint/2010/main" val="78543959"/>
       </p:ext>
     </p:extLst>
   </p:cSld>
@@ -5234,7 +5362,7 @@
           <a:p>
             <a:r>
               <a:rPr lang="en-US" dirty="0" smtClean="0"/>
-              <a:t>Asynchronous Tasks</a:t>
+              <a:t>Circular Convolution</a:t>
             </a:r>
             <a:endParaRPr lang="en-US" dirty="0"/>
           </a:p>
@@ -5250,380 +5378,19 @@
             <p:ph idx="1"/>
           </p:nvPr>
         </p:nvSpPr>
-        <p:spPr>
-          <a:xfrm>
-            <a:off x="457200" y="1600200"/>
-            <a:ext cx="8229600" cy="5181600"/>
-          </a:xfrm>
-        </p:spPr>
-        <p:txBody>
-          <a:bodyPr>
-            <a:normAutofit/>
-          </a:bodyPr>
+        <p:spPr/>
+        <p:txBody>
+          <a:bodyPr/>
           <a:lstStyle/>
           <a:p>
-            <a:r>
-              <a:rPr lang="en-US" dirty="0" smtClean="0"/>
-              <a:t>Let’s wash the EE stuff down with some CS concepts</a:t>
-            </a:r>
-          </a:p>
-          <a:p>
-            <a:endParaRPr lang="en-US" dirty="0" smtClean="0"/>
-          </a:p>
-          <a:p>
-            <a:r>
-              <a:rPr lang="en-US" dirty="0" smtClean="0"/>
-              <a:t>C# has some more goodies for us</a:t>
-            </a:r>
-          </a:p>
-          <a:p>
-            <a:pPr lvl="1"/>
-            <a:r>
-              <a:rPr lang="en-US" dirty="0" smtClean="0"/>
-              <a:t>Sometimes, we want to execute things asynchronously</a:t>
-            </a:r>
-          </a:p>
-          <a:p>
-            <a:pPr lvl="2"/>
-            <a:r>
-              <a:rPr lang="en-US" dirty="0" smtClean="0"/>
-              <a:t>But we don’t want/need to do them </a:t>
-            </a:r>
-            <a:r>
-              <a:rPr lang="en-US" i="1" dirty="0" smtClean="0"/>
-              <a:t>simultaneously</a:t>
-            </a:r>
-            <a:endParaRPr lang="en-US" dirty="0"/>
-          </a:p>
-          <a:p>
-            <a:pPr lvl="1"/>
-            <a:endParaRPr lang="en-US" dirty="0" smtClean="0"/>
-          </a:p>
-          <a:p>
-            <a:r>
-              <a:rPr lang="en-US" dirty="0" smtClean="0"/>
-              <a:t>Enter the </a:t>
-            </a:r>
-            <a:r>
-              <a:rPr lang="en-US" dirty="0" err="1" smtClean="0">
-                <a:solidFill>
-                  <a:srgbClr val="0000FF"/>
-                </a:solidFill>
-                <a:highlight>
-                  <a:srgbClr val="FFFFFF"/>
-                </a:highlight>
-                <a:latin typeface="Consolas" panose="020B0609020204030204" pitchFamily="49" charset="0"/>
-              </a:rPr>
-              <a:t>async</a:t>
-            </a:r>
-            <a:r>
-              <a:rPr lang="en-US" dirty="0" smtClean="0"/>
-              <a:t> and </a:t>
-            </a:r>
-            <a:r>
-              <a:rPr lang="en-US" dirty="0" smtClean="0">
-                <a:solidFill>
-                  <a:srgbClr val="0000FF"/>
-                </a:solidFill>
-                <a:highlight>
-                  <a:srgbClr val="FFFFFF"/>
-                </a:highlight>
-                <a:latin typeface="Consolas" panose="020B0609020204030204" pitchFamily="49" charset="0"/>
-              </a:rPr>
-              <a:t>await</a:t>
-            </a:r>
-            <a:r>
-              <a:rPr lang="en-US" dirty="0" smtClean="0"/>
-              <a:t> keywords</a:t>
-            </a:r>
-          </a:p>
-          <a:p>
-            <a:pPr lvl="1"/>
-            <a:r>
-              <a:rPr lang="en-US" dirty="0" smtClean="0"/>
-              <a:t>The former modifies function declarations</a:t>
-            </a:r>
-          </a:p>
-          <a:p>
-            <a:pPr lvl="1"/>
-            <a:r>
-              <a:rPr lang="en-US" dirty="0" smtClean="0"/>
-              <a:t>The latter modifies function calls</a:t>
-            </a:r>
-          </a:p>
-          <a:p>
-            <a:pPr lvl="1"/>
-            <a:endParaRPr lang="en-US" dirty="0"/>
-          </a:p>
-          <a:p>
-            <a:pPr marL="0" indent="0">
-              <a:buNone/>
-            </a:pPr>
-            <a:r>
-              <a:rPr lang="en-US" sz="1600" dirty="0">
-                <a:solidFill>
-                  <a:srgbClr val="0000FF"/>
-                </a:solidFill>
-                <a:highlight>
-                  <a:srgbClr val="FFFFFF"/>
-                </a:highlight>
-                <a:latin typeface="Consolas" panose="020B0609020204030204" pitchFamily="49" charset="0"/>
-              </a:rPr>
-              <a:t>private</a:t>
-            </a:r>
-            <a:r>
-              <a:rPr lang="en-US" sz="1600" dirty="0">
-                <a:solidFill>
-                  <a:srgbClr val="000000"/>
-                </a:solidFill>
-                <a:highlight>
-                  <a:srgbClr val="FFFFFF"/>
-                </a:highlight>
-                <a:latin typeface="Consolas" panose="020B0609020204030204" pitchFamily="49" charset="0"/>
-              </a:rPr>
-              <a:t> </a:t>
-            </a:r>
-            <a:r>
-              <a:rPr lang="en-US" sz="1600" dirty="0" err="1">
-                <a:solidFill>
-                  <a:srgbClr val="0000FF"/>
-                </a:solidFill>
-                <a:highlight>
-                  <a:srgbClr val="FFFFFF"/>
-                </a:highlight>
-                <a:latin typeface="Consolas" panose="020B0609020204030204" pitchFamily="49" charset="0"/>
-              </a:rPr>
-              <a:t>async</a:t>
-            </a:r>
-            <a:r>
-              <a:rPr lang="en-US" sz="1600" dirty="0">
-                <a:solidFill>
-                  <a:srgbClr val="000000"/>
-                </a:solidFill>
-                <a:highlight>
-                  <a:srgbClr val="FFFFFF"/>
-                </a:highlight>
-                <a:latin typeface="Consolas" panose="020B0609020204030204" pitchFamily="49" charset="0"/>
-              </a:rPr>
-              <a:t> </a:t>
-            </a:r>
-            <a:r>
-              <a:rPr lang="en-US" sz="1600" dirty="0">
-                <a:solidFill>
-                  <a:srgbClr val="0000FF"/>
-                </a:solidFill>
-                <a:highlight>
-                  <a:srgbClr val="FFFFFF"/>
-                </a:highlight>
-                <a:latin typeface="Consolas" panose="020B0609020204030204" pitchFamily="49" charset="0"/>
-              </a:rPr>
-              <a:t>void</a:t>
-            </a:r>
-            <a:r>
-              <a:rPr lang="en-US" sz="1600" dirty="0">
-                <a:solidFill>
-                  <a:srgbClr val="000000"/>
-                </a:solidFill>
-                <a:highlight>
-                  <a:srgbClr val="FFFFFF"/>
-                </a:highlight>
-                <a:latin typeface="Consolas" panose="020B0609020204030204" pitchFamily="49" charset="0"/>
-              </a:rPr>
-              <a:t> </a:t>
-            </a:r>
-            <a:r>
-              <a:rPr lang="en-US" sz="1600" dirty="0" err="1">
-                <a:solidFill>
-                  <a:srgbClr val="000000"/>
-                </a:solidFill>
-                <a:highlight>
-                  <a:srgbClr val="FFFFFF"/>
-                </a:highlight>
-                <a:latin typeface="Consolas" panose="020B0609020204030204" pitchFamily="49" charset="0"/>
-              </a:rPr>
-              <a:t>myGreatFunction</a:t>
-            </a:r>
-            <a:r>
-              <a:rPr lang="en-US" sz="1600" dirty="0">
-                <a:solidFill>
-                  <a:srgbClr val="000000"/>
-                </a:solidFill>
-                <a:highlight>
-                  <a:srgbClr val="FFFFFF"/>
-                </a:highlight>
-                <a:latin typeface="Consolas" panose="020B0609020204030204" pitchFamily="49" charset="0"/>
-              </a:rPr>
-              <a:t>()</a:t>
-            </a:r>
-          </a:p>
-          <a:p>
-            <a:pPr marL="0" indent="0">
-              <a:buNone/>
-            </a:pPr>
-            <a:r>
-              <a:rPr lang="en-US" sz="1600" dirty="0" smtClean="0">
-                <a:solidFill>
-                  <a:srgbClr val="000000"/>
-                </a:solidFill>
-                <a:highlight>
-                  <a:srgbClr val="FFFFFF"/>
-                </a:highlight>
-                <a:latin typeface="Consolas" panose="020B0609020204030204" pitchFamily="49" charset="0"/>
-              </a:rPr>
-              <a:t>{</a:t>
-            </a:r>
-            <a:endParaRPr lang="en-US" sz="1600" dirty="0">
-              <a:solidFill>
-                <a:srgbClr val="000000"/>
-              </a:solidFill>
-              <a:highlight>
-                <a:srgbClr val="FFFFFF"/>
-              </a:highlight>
-              <a:latin typeface="Consolas" panose="020B0609020204030204" pitchFamily="49" charset="0"/>
-            </a:endParaRPr>
-          </a:p>
-          <a:p>
-            <a:pPr marL="0" indent="0">
-              <a:buNone/>
-            </a:pPr>
-            <a:r>
-              <a:rPr lang="en-US" sz="1600" dirty="0" smtClean="0">
-                <a:solidFill>
-                  <a:srgbClr val="000000"/>
-                </a:solidFill>
-                <a:highlight>
-                  <a:srgbClr val="FFFFFF"/>
-                </a:highlight>
-                <a:latin typeface="Consolas" panose="020B0609020204030204" pitchFamily="49" charset="0"/>
-              </a:rPr>
-              <a:t>    ...</a:t>
-            </a:r>
-          </a:p>
-          <a:p>
-            <a:pPr marL="0" indent="0">
-              <a:buNone/>
-            </a:pPr>
-            <a:r>
-              <a:rPr lang="en-US" sz="1600" dirty="0">
-                <a:solidFill>
-                  <a:srgbClr val="000000"/>
-                </a:solidFill>
-                <a:highlight>
-                  <a:srgbClr val="FFFFFF"/>
-                </a:highlight>
-                <a:latin typeface="Consolas" panose="020B0609020204030204" pitchFamily="49" charset="0"/>
-              </a:rPr>
-              <a:t> </a:t>
-            </a:r>
-            <a:r>
-              <a:rPr lang="en-US" sz="1600" dirty="0" smtClean="0">
-                <a:solidFill>
-                  <a:srgbClr val="000000"/>
-                </a:solidFill>
-                <a:highlight>
-                  <a:srgbClr val="FFFFFF"/>
-                </a:highlight>
-                <a:latin typeface="Consolas" panose="020B0609020204030204" pitchFamily="49" charset="0"/>
-              </a:rPr>
-              <a:t>   </a:t>
-            </a:r>
-            <a:r>
-              <a:rPr lang="en-US" sz="1600" dirty="0">
-                <a:solidFill>
-                  <a:srgbClr val="0000FF"/>
-                </a:solidFill>
-                <a:highlight>
-                  <a:srgbClr val="FFFFFF"/>
-                </a:highlight>
-                <a:latin typeface="Consolas" panose="020B0609020204030204" pitchFamily="49" charset="0"/>
-              </a:rPr>
-              <a:t>float</a:t>
-            </a:r>
-            <a:r>
-              <a:rPr lang="en-US" sz="1600" dirty="0">
-                <a:solidFill>
-                  <a:srgbClr val="000000"/>
-                </a:solidFill>
-                <a:highlight>
-                  <a:srgbClr val="FFFFFF"/>
-                </a:highlight>
-                <a:latin typeface="Consolas" panose="020B0609020204030204" pitchFamily="49" charset="0"/>
-              </a:rPr>
-              <a:t>[] result = </a:t>
-            </a:r>
-            <a:r>
-              <a:rPr lang="en-US" sz="1600" dirty="0" smtClean="0">
-                <a:solidFill>
-                  <a:srgbClr val="0000FF"/>
-                </a:solidFill>
-                <a:highlight>
-                  <a:srgbClr val="FFFFFF"/>
-                </a:highlight>
-                <a:latin typeface="Consolas" panose="020B0609020204030204" pitchFamily="49" charset="0"/>
-              </a:rPr>
-              <a:t>await</a:t>
-            </a:r>
-            <a:r>
-              <a:rPr lang="en-US" sz="1600" dirty="0" smtClean="0">
-                <a:solidFill>
-                  <a:srgbClr val="000000"/>
-                </a:solidFill>
-                <a:highlight>
-                  <a:srgbClr val="FFFFFF"/>
-                </a:highlight>
-                <a:latin typeface="Consolas" panose="020B0609020204030204" pitchFamily="49" charset="0"/>
-              </a:rPr>
-              <a:t> </a:t>
-            </a:r>
-            <a:r>
-              <a:rPr lang="en-US" sz="1600" dirty="0" err="1">
-                <a:solidFill>
-                  <a:srgbClr val="000000"/>
-                </a:solidFill>
-                <a:highlight>
-                  <a:srgbClr val="FFFFFF"/>
-                </a:highlight>
-                <a:latin typeface="Consolas" panose="020B0609020204030204" pitchFamily="49" charset="0"/>
-              </a:rPr>
-              <a:t>myOtherGreatFunction</a:t>
-            </a:r>
-            <a:r>
-              <a:rPr lang="en-US" sz="1600" dirty="0">
-                <a:solidFill>
-                  <a:srgbClr val="000000"/>
-                </a:solidFill>
-                <a:highlight>
-                  <a:srgbClr val="FFFFFF"/>
-                </a:highlight>
-                <a:latin typeface="Consolas" panose="020B0609020204030204" pitchFamily="49" charset="0"/>
-              </a:rPr>
-              <a:t>();</a:t>
-            </a:r>
-          </a:p>
-          <a:p>
-            <a:pPr marL="0" indent="0">
-              <a:buNone/>
-            </a:pPr>
-            <a:r>
-              <a:rPr lang="en-US" sz="1600" dirty="0" smtClean="0">
-                <a:solidFill>
-                  <a:srgbClr val="000000"/>
-                </a:solidFill>
-                <a:highlight>
-                  <a:srgbClr val="FFFFFF"/>
-                </a:highlight>
-                <a:latin typeface="Consolas" panose="020B0609020204030204" pitchFamily="49" charset="0"/>
-              </a:rPr>
-              <a:t>}</a:t>
-            </a:r>
-            <a:endParaRPr lang="en-US" sz="1600" dirty="0" smtClean="0"/>
+            <a:endParaRPr lang="en-US"/>
           </a:p>
         </p:txBody>
       </p:sp>
     </p:spTree>
     <p:extLst>
       <p:ext uri="{BB962C8B-B14F-4D97-AF65-F5344CB8AC3E}">
-        <p14:creationId xmlns:p14="http://schemas.microsoft.com/office/powerpoint/2010/main" val="3604928140"/>
+        <p14:creationId xmlns:p14="http://schemas.microsoft.com/office/powerpoint/2010/main" val="754225493"/>
       </p:ext>
     </p:extLst>
   </p:cSld>
@@ -5683,7 +5450,12 @@
             <p:ph idx="1"/>
           </p:nvPr>
         </p:nvSpPr>
-        <p:spPr/>
+        <p:spPr>
+          <a:xfrm>
+            <a:off x="457200" y="1600200"/>
+            <a:ext cx="8229600" cy="5181600"/>
+          </a:xfrm>
+        </p:spPr>
         <p:txBody>
           <a:bodyPr>
             <a:normAutofit/>
@@ -5692,7 +5464,45 @@
           <a:p>
             <a:r>
               <a:rPr lang="en-US" dirty="0" smtClean="0"/>
-              <a:t>You must use </a:t>
+              <a:t>Let’s wash the EE stuff down with some CS concepts</a:t>
+            </a:r>
+          </a:p>
+          <a:p>
+            <a:endParaRPr lang="en-US" dirty="0" smtClean="0"/>
+          </a:p>
+          <a:p>
+            <a:r>
+              <a:rPr lang="en-US" dirty="0" smtClean="0"/>
+              <a:t>C# has some more goodies for us</a:t>
+            </a:r>
+          </a:p>
+          <a:p>
+            <a:pPr lvl="1"/>
+            <a:r>
+              <a:rPr lang="en-US" dirty="0" smtClean="0"/>
+              <a:t>Sometimes, we want to execute things asynchronously</a:t>
+            </a:r>
+          </a:p>
+          <a:p>
+            <a:pPr lvl="2"/>
+            <a:r>
+              <a:rPr lang="en-US" dirty="0" smtClean="0"/>
+              <a:t>But we don’t want/need to do them </a:t>
+            </a:r>
+            <a:r>
+              <a:rPr lang="en-US" i="1" dirty="0" smtClean="0"/>
+              <a:t>simultaneously</a:t>
+            </a:r>
+            <a:endParaRPr lang="en-US" dirty="0"/>
+          </a:p>
+          <a:p>
+            <a:pPr lvl="1"/>
+            <a:endParaRPr lang="en-US" dirty="0" smtClean="0"/>
+          </a:p>
+          <a:p>
+            <a:r>
+              <a:rPr lang="en-US" dirty="0" smtClean="0"/>
+              <a:t>Enter the </a:t>
             </a:r>
             <a:r>
               <a:rPr lang="en-US" dirty="0" err="1" smtClean="0">
@@ -5708,7 +5518,7 @@
             </a:r>
             <a:r>
               <a:rPr lang="en-US" dirty="0" smtClean="0"/>
-              <a:t> on any function with </a:t>
+              <a:t> and </a:t>
             </a:r>
             <a:r>
               <a:rPr lang="en-US" dirty="0" smtClean="0">
@@ -5724,7 +5534,21 @@
             </a:r>
             <a:r>
               <a:rPr lang="en-US" dirty="0" smtClean="0"/>
-              <a:t> in it</a:t>
+              <a:t> keywords</a:t>
+            </a:r>
+          </a:p>
+          <a:p>
+            <a:pPr lvl="1"/>
+            <a:r>
+              <a:rPr lang="en-US" dirty="0" smtClean="0"/>
+              <a:t>The former modifies function declarations</a:t>
+            </a:r>
+          </a:p>
+          <a:p>
+            <a:pPr lvl="1"/>
+            <a:r>
+              <a:rPr lang="en-US" dirty="0" smtClean="0"/>
+              <a:t>The latter modifies function calls</a:t>
             </a:r>
           </a:p>
           <a:p>
@@ -5732,12 +5556,11 @@
             <a:endParaRPr lang="en-US" dirty="0"/>
           </a:p>
           <a:p>
-            <a:r>
-              <a:rPr lang="en-US" dirty="0" smtClean="0"/>
-              <a:t>The </a:t>
-            </a:r>
-            <a:r>
-              <a:rPr lang="en-US" dirty="0">
+            <a:pPr marL="0" indent="0">
+              <a:buNone/>
+            </a:pPr>
+            <a:r>
+              <a:rPr lang="en-US" sz="1600" dirty="0">
                 <a:solidFill>
                   <a:srgbClr val="0000FF"/>
                 </a:solidFill>
@@ -5746,42 +5569,34 @@
                 </a:highlight>
                 <a:latin typeface="Consolas" panose="020B0609020204030204" pitchFamily="49" charset="0"/>
               </a:rPr>
-              <a:t>await</a:t>
-            </a:r>
-            <a:r>
-              <a:rPr lang="en-US" dirty="0"/>
+              <a:t>private</a:t>
+            </a:r>
+            <a:r>
+              <a:rPr lang="en-US" sz="1600" dirty="0">
+                <a:solidFill>
+                  <a:srgbClr val="000000"/>
+                </a:solidFill>
+                <a:highlight>
+                  <a:srgbClr val="FFFFFF"/>
+                </a:highlight>
+                <a:latin typeface="Consolas" panose="020B0609020204030204" pitchFamily="49" charset="0"/>
+              </a:rPr>
               <a:t> </a:t>
             </a:r>
             <a:r>
-              <a:rPr lang="en-US" dirty="0" smtClean="0"/>
-              <a:t>keyword tells the compiler “wait for this”</a:t>
-            </a:r>
-          </a:p>
-          <a:p>
-            <a:pPr lvl="1"/>
-            <a:r>
-              <a:rPr lang="en-US" dirty="0" smtClean="0"/>
-              <a:t>Execution of the current function stops until done waiting</a:t>
-            </a:r>
-          </a:p>
-          <a:p>
-            <a:pPr lvl="1"/>
-            <a:r>
-              <a:rPr lang="en-US" dirty="0" smtClean="0"/>
-              <a:t>Execution then resumes</a:t>
-            </a:r>
-          </a:p>
-          <a:p>
-            <a:pPr lvl="1"/>
-            <a:endParaRPr lang="en-US" dirty="0"/>
-          </a:p>
-          <a:p>
-            <a:r>
-              <a:rPr lang="en-US" dirty="0" smtClean="0"/>
-              <a:t>Internally, this is making extensive use of </a:t>
-            </a:r>
-            <a:r>
-              <a:rPr lang="en-US" dirty="0" smtClean="0">
+              <a:rPr lang="en-US" sz="1600" dirty="0" err="1">
+                <a:solidFill>
+                  <a:srgbClr val="0000FF"/>
+                </a:solidFill>
+                <a:highlight>
+                  <a:srgbClr val="FFFFFF"/>
+                </a:highlight>
+                <a:latin typeface="Consolas" panose="020B0609020204030204" pitchFamily="49" charset="0"/>
+              </a:rPr>
+              <a:t>async</a:t>
+            </a:r>
+            <a:r>
+              <a:rPr lang="en-US" sz="1600" dirty="0">
                 <a:solidFill>
                   <a:srgbClr val="000000"/>
                 </a:solidFill>
@@ -5790,17 +5605,10 @@
                 </a:highlight>
                 <a:latin typeface="Consolas" panose="020B0609020204030204" pitchFamily="49" charset="0"/>
               </a:rPr>
-              <a:t>Dispatcher</a:t>
-            </a:r>
-          </a:p>
-          <a:p>
-            <a:pPr lvl="1"/>
-            <a:r>
-              <a:rPr lang="en-US" dirty="0" smtClean="0"/>
-              <a:t>The compiler reaches a condition inside of an </a:t>
-            </a:r>
-            <a:r>
-              <a:rPr lang="en-US" dirty="0" smtClean="0">
+              <a:t> </a:t>
+            </a:r>
+            <a:r>
+              <a:rPr lang="en-US" sz="1600" dirty="0">
                 <a:solidFill>
                   <a:srgbClr val="0000FF"/>
                 </a:solidFill>
@@ -5809,22 +5617,77 @@
                 </a:highlight>
                 <a:latin typeface="Consolas" panose="020B0609020204030204" pitchFamily="49" charset="0"/>
               </a:rPr>
-              <a:t>await</a:t>
-            </a:r>
-            <a:endParaRPr lang="en-US" dirty="0">
+              <a:t>void</a:t>
+            </a:r>
+            <a:r>
+              <a:rPr lang="en-US" sz="1600" dirty="0">
+                <a:solidFill>
+                  <a:srgbClr val="000000"/>
+                </a:solidFill>
+                <a:highlight>
+                  <a:srgbClr val="FFFFFF"/>
+                </a:highlight>
+                <a:latin typeface="Consolas" panose="020B0609020204030204" pitchFamily="49" charset="0"/>
+              </a:rPr>
+              <a:t> </a:t>
+            </a:r>
+            <a:r>
+              <a:rPr lang="en-US" sz="1600" dirty="0" err="1">
+                <a:solidFill>
+                  <a:srgbClr val="000000"/>
+                </a:solidFill>
+                <a:highlight>
+                  <a:srgbClr val="FFFFFF"/>
+                </a:highlight>
+                <a:latin typeface="Consolas" panose="020B0609020204030204" pitchFamily="49" charset="0"/>
+              </a:rPr>
+              <a:t>myGreatFunction</a:t>
+            </a:r>
+            <a:r>
+              <a:rPr lang="en-US" sz="1600" dirty="0">
+                <a:solidFill>
+                  <a:srgbClr val="000000"/>
+                </a:solidFill>
+                <a:highlight>
+                  <a:srgbClr val="FFFFFF"/>
+                </a:highlight>
+                <a:latin typeface="Consolas" panose="020B0609020204030204" pitchFamily="49" charset="0"/>
+              </a:rPr>
+              <a:t>()</a:t>
+            </a:r>
+          </a:p>
+          <a:p>
+            <a:pPr marL="0" indent="0">
+              <a:buNone/>
+            </a:pPr>
+            <a:r>
+              <a:rPr lang="en-US" sz="1600" dirty="0" smtClean="0">
+                <a:solidFill>
+                  <a:srgbClr val="000000"/>
+                </a:solidFill>
+                <a:highlight>
+                  <a:srgbClr val="FFFFFF"/>
+                </a:highlight>
+                <a:latin typeface="Consolas" panose="020B0609020204030204" pitchFamily="49" charset="0"/>
+              </a:rPr>
+              <a:t>{</a:t>
+            </a:r>
+            <a:endParaRPr lang="en-US" sz="1600" dirty="0">
+              <a:solidFill>
+                <a:srgbClr val="000000"/>
+              </a:solidFill>
               <a:highlight>
                 <a:srgbClr val="FFFFFF"/>
               </a:highlight>
+              <a:latin typeface="Consolas" panose="020B0609020204030204" pitchFamily="49" charset="0"/>
             </a:endParaRPr>
           </a:p>
           <a:p>
-            <a:pPr lvl="1"/>
-            <a:r>
-              <a:rPr lang="en-US" dirty="0" smtClean="0"/>
-              <a:t>Execution stops, all code after the condition is given to the </a:t>
-            </a:r>
-            <a:r>
-              <a:rPr lang="en-US" dirty="0" smtClean="0">
+            <a:pPr marL="0" indent="0">
+              <a:buNone/>
+            </a:pPr>
+            <a:r>
+              <a:rPr lang="en-US" sz="1600" dirty="0" smtClean="0">
                 <a:solidFill>
                   <a:srgbClr val="000000"/>
                 </a:solidFill>
@@ -5833,17 +5696,15 @@
                 </a:highlight>
                 <a:latin typeface="Consolas" panose="020B0609020204030204" pitchFamily="49" charset="0"/>
               </a:rPr>
-              <a:t>Dispatcher</a:t>
-            </a:r>
-          </a:p>
-          <a:p>
-            <a:pPr lvl="1"/>
-            <a:r>
-              <a:rPr lang="en-US" dirty="0" smtClean="0"/>
-              <a:t>Eventually, the condition is cleared, and the </a:t>
-            </a:r>
-            <a:r>
-              <a:rPr lang="en-US" dirty="0" smtClean="0">
+              <a:t>    ...</a:t>
+            </a:r>
+          </a:p>
+          <a:p>
+            <a:pPr marL="0" indent="0">
+              <a:buNone/>
+            </a:pPr>
+            <a:r>
+              <a:rPr lang="en-US" sz="1600" dirty="0">
                 <a:solidFill>
                   <a:srgbClr val="000000"/>
                 </a:solidFill>
@@ -5852,45 +5713,117 @@
                 </a:highlight>
                 <a:latin typeface="Consolas" panose="020B0609020204030204" pitchFamily="49" charset="0"/>
               </a:rPr>
-              <a:t>Dispatcher</a:t>
-            </a:r>
-            <a:r>
-              <a:rPr lang="en-US" dirty="0" smtClean="0"/>
-              <a:t> continues</a:t>
-            </a:r>
-          </a:p>
-          <a:p>
-            <a:pPr lvl="1"/>
-            <a:endParaRPr lang="en-US" dirty="0"/>
-          </a:p>
-          <a:p>
-            <a:r>
-              <a:rPr lang="en-US" dirty="0" smtClean="0"/>
-              <a:t>This is really useful for waiting for external events</a:t>
-            </a:r>
-          </a:p>
-          <a:p>
-            <a:pPr lvl="1"/>
-            <a:r>
-              <a:rPr lang="en-US" dirty="0" smtClean="0"/>
-              <a:t>Files loading, </a:t>
-            </a:r>
-            <a:r>
-              <a:rPr lang="en-US" dirty="0" err="1" smtClean="0"/>
-              <a:t>shaders</a:t>
-            </a:r>
-            <a:r>
-              <a:rPr lang="en-US" dirty="0" smtClean="0"/>
-              <a:t> compiling, network resources arriving, etc…</a:t>
-            </a:r>
-            <a:endParaRPr lang="en-US" dirty="0"/>
+              <a:t> </a:t>
+            </a:r>
+            <a:r>
+              <a:rPr lang="en-US" sz="1600" dirty="0" smtClean="0">
+                <a:solidFill>
+                  <a:srgbClr val="000000"/>
+                </a:solidFill>
+                <a:highlight>
+                  <a:srgbClr val="FFFFFF"/>
+                </a:highlight>
+                <a:latin typeface="Consolas" panose="020B0609020204030204" pitchFamily="49" charset="0"/>
+              </a:rPr>
+              <a:t>   </a:t>
+            </a:r>
+            <a:r>
+              <a:rPr lang="en-US" sz="1600" dirty="0">
+                <a:solidFill>
+                  <a:srgbClr val="0000FF"/>
+                </a:solidFill>
+                <a:highlight>
+                  <a:srgbClr val="FFFFFF"/>
+                </a:highlight>
+                <a:latin typeface="Consolas" panose="020B0609020204030204" pitchFamily="49" charset="0"/>
+              </a:rPr>
+              <a:t>float</a:t>
+            </a:r>
+            <a:r>
+              <a:rPr lang="en-US" sz="1600" dirty="0">
+                <a:solidFill>
+                  <a:srgbClr val="000000"/>
+                </a:solidFill>
+                <a:highlight>
+                  <a:srgbClr val="FFFFFF"/>
+                </a:highlight>
+                <a:latin typeface="Consolas" panose="020B0609020204030204" pitchFamily="49" charset="0"/>
+              </a:rPr>
+              <a:t>[] result = </a:t>
+            </a:r>
+            <a:r>
+              <a:rPr lang="en-US" sz="1600" dirty="0" smtClean="0">
+                <a:solidFill>
+                  <a:srgbClr val="0000FF"/>
+                </a:solidFill>
+                <a:highlight>
+                  <a:srgbClr val="FFFFFF"/>
+                </a:highlight>
+                <a:latin typeface="Consolas" panose="020B0609020204030204" pitchFamily="49" charset="0"/>
+              </a:rPr>
+              <a:t>await</a:t>
+            </a:r>
+            <a:r>
+              <a:rPr lang="en-US" sz="1600" dirty="0" smtClean="0">
+                <a:solidFill>
+                  <a:srgbClr val="000000"/>
+                </a:solidFill>
+                <a:highlight>
+                  <a:srgbClr val="FFFFFF"/>
+                </a:highlight>
+                <a:latin typeface="Consolas" panose="020B0609020204030204" pitchFamily="49" charset="0"/>
+              </a:rPr>
+              <a:t> </a:t>
+            </a:r>
+            <a:r>
+              <a:rPr lang="en-US" sz="1600" dirty="0" err="1">
+                <a:solidFill>
+                  <a:srgbClr val="000000"/>
+                </a:solidFill>
+                <a:highlight>
+                  <a:srgbClr val="FFFFFF"/>
+                </a:highlight>
+                <a:latin typeface="Consolas" panose="020B0609020204030204" pitchFamily="49" charset="0"/>
+              </a:rPr>
+              <a:t>myOtherGreatFunction</a:t>
+            </a:r>
+            <a:r>
+              <a:rPr lang="en-US" sz="1600" dirty="0">
+                <a:solidFill>
+                  <a:srgbClr val="000000"/>
+                </a:solidFill>
+                <a:highlight>
+                  <a:srgbClr val="FFFFFF"/>
+                </a:highlight>
+                <a:latin typeface="Consolas" panose="020B0609020204030204" pitchFamily="49" charset="0"/>
+              </a:rPr>
+              <a:t>();</a:t>
+            </a:r>
+          </a:p>
+          <a:p>
+            <a:pPr marL="0" indent="0">
+              <a:buNone/>
+            </a:pPr>
+            <a:r>
+              <a:rPr lang="en-US" sz="1600" dirty="0" smtClean="0">
+                <a:solidFill>
+                  <a:srgbClr val="000000"/>
+                </a:solidFill>
+                <a:highlight>
+                  <a:srgbClr val="FFFFFF"/>
+                </a:highlight>
+                <a:latin typeface="Consolas" panose="020B0609020204030204" pitchFamily="49" charset="0"/>
+              </a:rPr>
+              <a:t>}</a:t>
+            </a:r>
+            <a:endParaRPr lang="en-US" sz="1600" dirty="0" smtClean="0"/>
           </a:p>
         </p:txBody>
       </p:sp>
     </p:spTree>
     <p:extLst>
       <p:ext uri="{BB962C8B-B14F-4D97-AF65-F5344CB8AC3E}">
-        <p14:creationId xmlns:p14="http://schemas.microsoft.com/office/powerpoint/2010/main" val="3664548198"/>
+        <p14:creationId xmlns:p14="http://schemas.microsoft.com/office/powerpoint/2010/main" val="3604928140"/>
       </p:ext>
     </p:extLst>
   </p:cSld>
@@ -5953,47 +5886,145 @@
         <p:spPr/>
         <p:txBody>
           <a:bodyPr>
-            <a:noAutofit/>
+            <a:normAutofit/>
           </a:bodyPr>
           <a:lstStyle/>
           <a:p>
-            <a:pPr marL="0" indent="0">
-              <a:spcBef>
-                <a:spcPts val="0"/>
-              </a:spcBef>
-              <a:buNone/>
-            </a:pPr>
-            <a:endParaRPr lang="en-US" sz="1400" dirty="0" smtClean="0">
-              <a:solidFill>
-                <a:srgbClr val="0000FF"/>
-              </a:solidFill>
+            <a:r>
+              <a:rPr lang="en-US" dirty="0" smtClean="0"/>
+              <a:t>You must use </a:t>
+            </a:r>
+            <a:r>
+              <a:rPr lang="en-US" dirty="0" err="1" smtClean="0">
+                <a:solidFill>
+                  <a:srgbClr val="0000FF"/>
+                </a:solidFill>
+                <a:highlight>
+                  <a:srgbClr val="FFFFFF"/>
+                </a:highlight>
+                <a:latin typeface="Consolas" panose="020B0609020204030204" pitchFamily="49" charset="0"/>
+              </a:rPr>
+              <a:t>async</a:t>
+            </a:r>
+            <a:r>
+              <a:rPr lang="en-US" dirty="0" smtClean="0"/>
+              <a:t> on any function with </a:t>
+            </a:r>
+            <a:r>
+              <a:rPr lang="en-US" dirty="0" smtClean="0">
+                <a:solidFill>
+                  <a:srgbClr val="0000FF"/>
+                </a:solidFill>
+                <a:highlight>
+                  <a:srgbClr val="FFFFFF"/>
+                </a:highlight>
+                <a:latin typeface="Consolas" panose="020B0609020204030204" pitchFamily="49" charset="0"/>
+              </a:rPr>
+              <a:t>await</a:t>
+            </a:r>
+            <a:r>
+              <a:rPr lang="en-US" dirty="0" smtClean="0"/>
+              <a:t> in it</a:t>
+            </a:r>
+          </a:p>
+          <a:p>
+            <a:pPr lvl="1"/>
+            <a:endParaRPr lang="en-US" dirty="0"/>
+          </a:p>
+          <a:p>
+            <a:r>
+              <a:rPr lang="en-US" dirty="0" smtClean="0"/>
+              <a:t>The </a:t>
+            </a:r>
+            <a:r>
+              <a:rPr lang="en-US" dirty="0">
+                <a:solidFill>
+                  <a:srgbClr val="0000FF"/>
+                </a:solidFill>
+                <a:highlight>
+                  <a:srgbClr val="FFFFFF"/>
+                </a:highlight>
+                <a:latin typeface="Consolas" panose="020B0609020204030204" pitchFamily="49" charset="0"/>
+              </a:rPr>
+              <a:t>await</a:t>
+            </a:r>
+            <a:r>
+              <a:rPr lang="en-US" dirty="0"/>
+              <a:t> </a:t>
+            </a:r>
+            <a:r>
+              <a:rPr lang="en-US" dirty="0" smtClean="0"/>
+              <a:t>keyword tells the compiler “wait for this”</a:t>
+            </a:r>
+          </a:p>
+          <a:p>
+            <a:pPr lvl="1"/>
+            <a:r>
+              <a:rPr lang="en-US" dirty="0" smtClean="0"/>
+              <a:t>Execution of the current function stops until done waiting</a:t>
+            </a:r>
+          </a:p>
+          <a:p>
+            <a:pPr lvl="1"/>
+            <a:r>
+              <a:rPr lang="en-US" dirty="0" smtClean="0"/>
+              <a:t>Execution then resumes</a:t>
+            </a:r>
+          </a:p>
+          <a:p>
+            <a:pPr lvl="1"/>
+            <a:endParaRPr lang="en-US" dirty="0"/>
+          </a:p>
+          <a:p>
+            <a:r>
+              <a:rPr lang="en-US" dirty="0" smtClean="0"/>
+              <a:t>Internally, this is making extensive use of </a:t>
+            </a:r>
+            <a:r>
+              <a:rPr lang="en-US" dirty="0" smtClean="0">
+                <a:solidFill>
+                  <a:srgbClr val="000000"/>
+                </a:solidFill>
+                <a:highlight>
+                  <a:srgbClr val="FFFFFF"/>
+                </a:highlight>
+                <a:latin typeface="Consolas" panose="020B0609020204030204" pitchFamily="49" charset="0"/>
+              </a:rPr>
+              <a:t>Dispatcher</a:t>
+            </a:r>
+          </a:p>
+          <a:p>
+            <a:pPr lvl="1"/>
+            <a:r>
+              <a:rPr lang="en-US" dirty="0" smtClean="0"/>
+              <a:t>The compiler reaches a condition inside of an </a:t>
+            </a:r>
+            <a:r>
+              <a:rPr lang="en-US" dirty="0" smtClean="0">
+                <a:solidFill>
+                  <a:srgbClr val="0000FF"/>
+                </a:solidFill>
+                <a:highlight>
+                  <a:srgbClr val="FFFFFF"/>
+                </a:highlight>
+                <a:latin typeface="Consolas" panose="020B0609020204030204" pitchFamily="49" charset="0"/>
+              </a:rPr>
+              <a:t>await</a:t>
+            </a:r>
+            <a:endParaRPr lang="en-US" dirty="0">
               <a:highlight>
                 <a:srgbClr val="FFFFFF"/>
               </a:highlight>
-              <a:latin typeface="Consolas" panose="020B0609020204030204" pitchFamily="49" charset="0"/>
             </a:endParaRPr>
           </a:p>
           <a:p>
-            <a:pPr marL="0" indent="0">
-              <a:spcBef>
-                <a:spcPts val="0"/>
-              </a:spcBef>
-              <a:buNone/>
-            </a:pPr>
-            <a:r>
-              <a:rPr lang="en-US" sz="1400" dirty="0" err="1" smtClean="0">
-                <a:solidFill>
-                  <a:srgbClr val="0000FF"/>
-                </a:solidFill>
-                <a:highlight>
-                  <a:srgbClr val="FFFFFF"/>
-                </a:highlight>
-                <a:latin typeface="Consolas" panose="020B0609020204030204" pitchFamily="49" charset="0"/>
-              </a:rPr>
-              <a:t>async</a:t>
-            </a:r>
-            <a:r>
-              <a:rPr lang="en-US" sz="1400" dirty="0" smtClean="0">
+            <a:pPr lvl="1"/>
+            <a:r>
+              <a:rPr lang="en-US" dirty="0" smtClean="0"/>
+              <a:t>Execution stops, all code after the condition is given to the </a:t>
+            </a:r>
+            <a:r>
+              <a:rPr lang="en-US" dirty="0" smtClean="0">
                 <a:solidFill>
                   <a:srgbClr val="000000"/>
                 </a:solidFill>
@@ -6002,22 +6033,17 @@
                 </a:highlight>
                 <a:latin typeface="Consolas" panose="020B0609020204030204" pitchFamily="49" charset="0"/>
               </a:rPr>
-              <a:t> </a:t>
-            </a:r>
-            <a:r>
-              <a:rPr lang="en-US" sz="1400" dirty="0">
-                <a:solidFill>
-                  <a:srgbClr val="2B91AF"/>
-                </a:solidFill>
-                <a:highlight>
-                  <a:srgbClr val="FFFFFF"/>
-                </a:highlight>
-                <a:latin typeface="Consolas" panose="020B0609020204030204" pitchFamily="49" charset="0"/>
-              </a:rPr>
-              <a:t>Task</a:t>
-            </a:r>
-            <a:r>
-              <a:rPr lang="en-US" sz="1400" dirty="0">
+              <a:t>Dispatcher</a:t>
+            </a:r>
+          </a:p>
+          <a:p>
+            <a:pPr lvl="1"/>
+            <a:r>
+              <a:rPr lang="en-US" dirty="0" smtClean="0"/>
+              <a:t>Eventually, the condition is cleared, and the </a:t>
+            </a:r>
+            <a:r>
+              <a:rPr lang="en-US" dirty="0" smtClean="0">
                 <a:solidFill>
                   <a:srgbClr val="000000"/>
                 </a:solidFill>
@@ -6026,728 +6052,45 @@
                 </a:highlight>
                 <a:latin typeface="Consolas" panose="020B0609020204030204" pitchFamily="49" charset="0"/>
               </a:rPr>
-              <a:t>&lt;</a:t>
-            </a:r>
-            <a:r>
-              <a:rPr lang="en-US" sz="1400" dirty="0" err="1">
-                <a:solidFill>
-                  <a:srgbClr val="0000FF"/>
-                </a:solidFill>
-                <a:highlight>
-                  <a:srgbClr val="FFFFFF"/>
-                </a:highlight>
-                <a:latin typeface="Consolas" panose="020B0609020204030204" pitchFamily="49" charset="0"/>
-              </a:rPr>
-              <a:t>int</a:t>
-            </a:r>
-            <a:r>
-              <a:rPr lang="en-US" sz="1400" dirty="0">
-                <a:solidFill>
-                  <a:srgbClr val="000000"/>
-                </a:solidFill>
-                <a:highlight>
-                  <a:srgbClr val="FFFFFF"/>
-                </a:highlight>
-                <a:latin typeface="Consolas" panose="020B0609020204030204" pitchFamily="49" charset="0"/>
-              </a:rPr>
-              <a:t>&gt; </a:t>
-            </a:r>
-            <a:r>
-              <a:rPr lang="en-US" sz="1400" dirty="0" err="1">
-                <a:solidFill>
-                  <a:srgbClr val="000000"/>
-                </a:solidFill>
-                <a:highlight>
-                  <a:srgbClr val="FFFFFF"/>
-                </a:highlight>
-                <a:latin typeface="Consolas" panose="020B0609020204030204" pitchFamily="49" charset="0"/>
-              </a:rPr>
-              <a:t>AccessTheWebAsync</a:t>
-            </a:r>
-            <a:r>
-              <a:rPr lang="en-US" sz="1400" dirty="0">
-                <a:solidFill>
-                  <a:srgbClr val="000000"/>
-                </a:solidFill>
-                <a:highlight>
-                  <a:srgbClr val="FFFFFF"/>
-                </a:highlight>
-                <a:latin typeface="Consolas" panose="020B0609020204030204" pitchFamily="49" charset="0"/>
-              </a:rPr>
-              <a:t>()</a:t>
-            </a:r>
-          </a:p>
-          <a:p>
-            <a:pPr marL="0" indent="0">
-              <a:spcBef>
-                <a:spcPts val="0"/>
-              </a:spcBef>
-              <a:buNone/>
-            </a:pPr>
-            <a:r>
-              <a:rPr lang="en-US" sz="1400" dirty="0">
-                <a:solidFill>
-                  <a:srgbClr val="000000"/>
-                </a:solidFill>
-                <a:highlight>
-                  <a:srgbClr val="FFFFFF"/>
-                </a:highlight>
-                <a:latin typeface="Consolas" panose="020B0609020204030204" pitchFamily="49" charset="0"/>
-              </a:rPr>
-              <a:t>{</a:t>
-            </a:r>
-          </a:p>
-          <a:p>
-            <a:pPr marL="0" indent="0">
-              <a:spcBef>
-                <a:spcPts val="0"/>
-              </a:spcBef>
-              <a:buNone/>
-            </a:pPr>
-            <a:r>
-              <a:rPr lang="en-US" sz="1400" dirty="0">
-                <a:solidFill>
-                  <a:srgbClr val="2B91AF"/>
-                </a:solidFill>
-                <a:highlight>
-                  <a:srgbClr val="FFFFFF"/>
-                </a:highlight>
-                <a:latin typeface="Consolas" panose="020B0609020204030204" pitchFamily="49" charset="0"/>
-              </a:rPr>
-              <a:t>    </a:t>
-            </a:r>
-            <a:r>
-              <a:rPr lang="en-US" sz="1400" dirty="0" err="1">
-                <a:solidFill>
-                  <a:srgbClr val="2B91AF"/>
-                </a:solidFill>
-                <a:highlight>
-                  <a:srgbClr val="FFFFFF"/>
-                </a:highlight>
-                <a:latin typeface="Consolas" panose="020B0609020204030204" pitchFamily="49" charset="0"/>
-              </a:rPr>
-              <a:t>HttpClient</a:t>
-            </a:r>
-            <a:r>
-              <a:rPr lang="en-US" sz="1400" dirty="0">
-                <a:solidFill>
-                  <a:srgbClr val="000000"/>
-                </a:solidFill>
-                <a:highlight>
-                  <a:srgbClr val="FFFFFF"/>
-                </a:highlight>
-                <a:latin typeface="Consolas" panose="020B0609020204030204" pitchFamily="49" charset="0"/>
-              </a:rPr>
-              <a:t> client = </a:t>
-            </a:r>
-            <a:r>
-              <a:rPr lang="en-US" sz="1400" dirty="0">
-                <a:solidFill>
-                  <a:srgbClr val="0000FF"/>
-                </a:solidFill>
-                <a:highlight>
-                  <a:srgbClr val="FFFFFF"/>
-                </a:highlight>
-                <a:latin typeface="Consolas" panose="020B0609020204030204" pitchFamily="49" charset="0"/>
-              </a:rPr>
-              <a:t>new</a:t>
-            </a:r>
-            <a:r>
-              <a:rPr lang="en-US" sz="1400" dirty="0">
-                <a:solidFill>
-                  <a:srgbClr val="000000"/>
-                </a:solidFill>
-                <a:highlight>
-                  <a:srgbClr val="FFFFFF"/>
-                </a:highlight>
-                <a:latin typeface="Consolas" panose="020B0609020204030204" pitchFamily="49" charset="0"/>
-              </a:rPr>
-              <a:t> </a:t>
-            </a:r>
-            <a:r>
-              <a:rPr lang="en-US" sz="1400" dirty="0" err="1">
-                <a:solidFill>
-                  <a:srgbClr val="2B91AF"/>
-                </a:solidFill>
-                <a:highlight>
-                  <a:srgbClr val="FFFFFF"/>
-                </a:highlight>
-                <a:latin typeface="Consolas" panose="020B0609020204030204" pitchFamily="49" charset="0"/>
-              </a:rPr>
-              <a:t>HttpClient</a:t>
-            </a:r>
-            <a:r>
-              <a:rPr lang="en-US" sz="1400" dirty="0">
-                <a:solidFill>
-                  <a:srgbClr val="000000"/>
-                </a:solidFill>
-                <a:highlight>
-                  <a:srgbClr val="FFFFFF"/>
-                </a:highlight>
-                <a:latin typeface="Consolas" panose="020B0609020204030204" pitchFamily="49" charset="0"/>
-              </a:rPr>
-              <a:t>();</a:t>
-            </a:r>
-          </a:p>
-          <a:p>
-            <a:pPr marL="0" indent="0">
-              <a:spcBef>
-                <a:spcPts val="0"/>
-              </a:spcBef>
-              <a:buNone/>
-            </a:pPr>
-            <a:endParaRPr lang="en-US" sz="1400" dirty="0">
-              <a:solidFill>
-                <a:srgbClr val="000000"/>
-              </a:solidFill>
-              <a:highlight>
-                <a:srgbClr val="FFFFFF"/>
-              </a:highlight>
-              <a:latin typeface="Consolas" panose="020B0609020204030204" pitchFamily="49" charset="0"/>
-            </a:endParaRPr>
-          </a:p>
-          <a:p>
-            <a:pPr marL="0" indent="0">
-              <a:spcBef>
-                <a:spcPts val="0"/>
-              </a:spcBef>
-              <a:buNone/>
-            </a:pPr>
-            <a:r>
-              <a:rPr lang="en-US" sz="1400" dirty="0">
-                <a:solidFill>
-                  <a:srgbClr val="2B91AF"/>
-                </a:solidFill>
-                <a:highlight>
-                  <a:srgbClr val="FFFFFF"/>
-                </a:highlight>
-                <a:latin typeface="Consolas" panose="020B0609020204030204" pitchFamily="49" charset="0"/>
-              </a:rPr>
-              <a:t>    Task</a:t>
-            </a:r>
-            <a:r>
-              <a:rPr lang="en-US" sz="1400" dirty="0">
-                <a:solidFill>
-                  <a:srgbClr val="000000"/>
-                </a:solidFill>
-                <a:highlight>
-                  <a:srgbClr val="FFFFFF"/>
-                </a:highlight>
-                <a:latin typeface="Consolas" panose="020B0609020204030204" pitchFamily="49" charset="0"/>
-              </a:rPr>
-              <a:t>&lt;</a:t>
-            </a:r>
-            <a:r>
-              <a:rPr lang="en-US" sz="1400" dirty="0">
-                <a:solidFill>
-                  <a:srgbClr val="0000FF"/>
-                </a:solidFill>
-                <a:highlight>
-                  <a:srgbClr val="FFFFFF"/>
-                </a:highlight>
-                <a:latin typeface="Consolas" panose="020B0609020204030204" pitchFamily="49" charset="0"/>
-              </a:rPr>
-              <a:t>string</a:t>
-            </a:r>
-            <a:r>
-              <a:rPr lang="en-US" sz="1400" dirty="0">
-                <a:solidFill>
-                  <a:srgbClr val="000000"/>
-                </a:solidFill>
-                <a:highlight>
-                  <a:srgbClr val="FFFFFF"/>
-                </a:highlight>
-                <a:latin typeface="Consolas" panose="020B0609020204030204" pitchFamily="49" charset="0"/>
-              </a:rPr>
-              <a:t>&gt; data = </a:t>
-            </a:r>
-            <a:r>
-              <a:rPr lang="en-US" sz="1400" dirty="0" err="1">
-                <a:solidFill>
-                  <a:srgbClr val="000000"/>
-                </a:solidFill>
-                <a:highlight>
-                  <a:srgbClr val="FFFFFF"/>
-                </a:highlight>
-                <a:latin typeface="Consolas" panose="020B0609020204030204" pitchFamily="49" charset="0"/>
-              </a:rPr>
-              <a:t>client.GetStringAsync</a:t>
-            </a:r>
-            <a:r>
-              <a:rPr lang="en-US" sz="1400" dirty="0">
-                <a:solidFill>
-                  <a:srgbClr val="000000"/>
-                </a:solidFill>
-                <a:highlight>
-                  <a:srgbClr val="FFFFFF"/>
-                </a:highlight>
-                <a:latin typeface="Consolas" panose="020B0609020204030204" pitchFamily="49" charset="0"/>
-              </a:rPr>
-              <a:t>(</a:t>
-            </a:r>
-            <a:r>
-              <a:rPr lang="en-US" sz="1400" dirty="0">
-                <a:solidFill>
-                  <a:srgbClr val="A31515"/>
-                </a:solidFill>
-                <a:highlight>
-                  <a:srgbClr val="FFFFFF"/>
-                </a:highlight>
-                <a:latin typeface="Consolas" panose="020B0609020204030204" pitchFamily="49" charset="0"/>
-              </a:rPr>
-              <a:t>"http://msdn.microsoft.com"</a:t>
-            </a:r>
-            <a:r>
-              <a:rPr lang="en-US" sz="1400" dirty="0">
-                <a:solidFill>
-                  <a:srgbClr val="000000"/>
-                </a:solidFill>
-                <a:highlight>
-                  <a:srgbClr val="FFFFFF"/>
-                </a:highlight>
-                <a:latin typeface="Consolas" panose="020B0609020204030204" pitchFamily="49" charset="0"/>
-              </a:rPr>
-              <a:t>);</a:t>
-            </a:r>
-          </a:p>
-          <a:p>
-            <a:pPr marL="0" indent="0">
-              <a:spcBef>
-                <a:spcPts val="0"/>
-              </a:spcBef>
-              <a:buNone/>
-            </a:pPr>
-            <a:endParaRPr lang="en-US" sz="1400" dirty="0">
-              <a:solidFill>
-                <a:srgbClr val="000000"/>
-              </a:solidFill>
-              <a:highlight>
-                <a:srgbClr val="FFFFFF"/>
-              </a:highlight>
-              <a:latin typeface="Consolas" panose="020B0609020204030204" pitchFamily="49" charset="0"/>
-            </a:endParaRPr>
-          </a:p>
-          <a:p>
-            <a:pPr marL="0" indent="0">
-              <a:spcBef>
-                <a:spcPts val="0"/>
-              </a:spcBef>
-              <a:buNone/>
-            </a:pPr>
-            <a:r>
-              <a:rPr lang="en-US" sz="1400" dirty="0">
-                <a:solidFill>
-                  <a:srgbClr val="000000"/>
-                </a:solidFill>
-                <a:highlight>
-                  <a:srgbClr val="FFFFFF"/>
-                </a:highlight>
-                <a:latin typeface="Consolas" panose="020B0609020204030204" pitchFamily="49" charset="0"/>
-              </a:rPr>
-              <a:t>    </a:t>
-            </a:r>
-            <a:r>
-              <a:rPr lang="en-US" sz="1400" dirty="0">
-                <a:solidFill>
-                  <a:srgbClr val="008000"/>
-                </a:solidFill>
-                <a:highlight>
-                  <a:srgbClr val="FFFFFF"/>
-                </a:highlight>
-                <a:latin typeface="Consolas" panose="020B0609020204030204" pitchFamily="49" charset="0"/>
-              </a:rPr>
-              <a:t>// You can do work here that doesn't rely on </a:t>
-            </a:r>
-            <a:r>
-              <a:rPr lang="en-US" sz="1400" dirty="0" smtClean="0">
-                <a:solidFill>
-                  <a:srgbClr val="008000"/>
-                </a:solidFill>
-                <a:highlight>
-                  <a:srgbClr val="FFFFFF"/>
-                </a:highlight>
-                <a:latin typeface="Consolas" panose="020B0609020204030204" pitchFamily="49" charset="0"/>
-              </a:rPr>
-              <a:t>[data]</a:t>
-            </a:r>
-            <a:endParaRPr lang="en-US" sz="1400" dirty="0">
-              <a:solidFill>
-                <a:srgbClr val="000000"/>
-              </a:solidFill>
-              <a:highlight>
-                <a:srgbClr val="FFFFFF"/>
-              </a:highlight>
-              <a:latin typeface="Consolas" panose="020B0609020204030204" pitchFamily="49" charset="0"/>
-            </a:endParaRPr>
-          </a:p>
-          <a:p>
-            <a:pPr marL="0" indent="0">
-              <a:spcBef>
-                <a:spcPts val="0"/>
-              </a:spcBef>
-              <a:buNone/>
-            </a:pPr>
-            <a:r>
-              <a:rPr lang="en-US" sz="1400" dirty="0">
-                <a:solidFill>
-                  <a:srgbClr val="000000"/>
-                </a:solidFill>
-                <a:highlight>
-                  <a:srgbClr val="FFFFFF"/>
-                </a:highlight>
-                <a:latin typeface="Consolas" panose="020B0609020204030204" pitchFamily="49" charset="0"/>
-              </a:rPr>
-              <a:t>    </a:t>
-            </a:r>
-            <a:r>
-              <a:rPr lang="en-US" sz="1400" dirty="0" err="1">
-                <a:solidFill>
-                  <a:srgbClr val="000000"/>
-                </a:solidFill>
-                <a:highlight>
-                  <a:srgbClr val="FFFFFF"/>
-                </a:highlight>
-                <a:latin typeface="Consolas" panose="020B0609020204030204" pitchFamily="49" charset="0"/>
-              </a:rPr>
-              <a:t>DoIndependentWork</a:t>
-            </a:r>
-            <a:r>
-              <a:rPr lang="en-US" sz="1400" dirty="0">
-                <a:solidFill>
-                  <a:srgbClr val="000000"/>
-                </a:solidFill>
-                <a:highlight>
-                  <a:srgbClr val="FFFFFF"/>
-                </a:highlight>
-                <a:latin typeface="Consolas" panose="020B0609020204030204" pitchFamily="49" charset="0"/>
-              </a:rPr>
-              <a:t>();</a:t>
-            </a:r>
-          </a:p>
-          <a:p>
-            <a:pPr marL="0" indent="0">
-              <a:spcBef>
-                <a:spcPts val="0"/>
-              </a:spcBef>
-              <a:buNone/>
-            </a:pPr>
-            <a:endParaRPr lang="en-US" sz="1400" dirty="0">
-              <a:solidFill>
-                <a:srgbClr val="000000"/>
-              </a:solidFill>
-              <a:highlight>
-                <a:srgbClr val="FFFFFF"/>
-              </a:highlight>
-              <a:latin typeface="Consolas" panose="020B0609020204030204" pitchFamily="49" charset="0"/>
-            </a:endParaRPr>
-          </a:p>
-          <a:p>
-            <a:pPr marL="0" indent="0">
-              <a:spcBef>
-                <a:spcPts val="0"/>
-              </a:spcBef>
-              <a:buNone/>
-            </a:pPr>
-            <a:r>
-              <a:rPr lang="en-US" sz="1400" dirty="0">
-                <a:solidFill>
-                  <a:srgbClr val="0000FF"/>
-                </a:solidFill>
-                <a:highlight>
-                  <a:srgbClr val="FFFFFF"/>
-                </a:highlight>
-                <a:latin typeface="Consolas" panose="020B0609020204030204" pitchFamily="49" charset="0"/>
-              </a:rPr>
-              <a:t>    string</a:t>
-            </a:r>
-            <a:r>
-              <a:rPr lang="en-US" sz="1400" dirty="0">
-                <a:solidFill>
-                  <a:srgbClr val="000000"/>
-                </a:solidFill>
-                <a:highlight>
-                  <a:srgbClr val="FFFFFF"/>
-                </a:highlight>
-                <a:latin typeface="Consolas" panose="020B0609020204030204" pitchFamily="49" charset="0"/>
-              </a:rPr>
-              <a:t> </a:t>
-            </a:r>
-            <a:r>
-              <a:rPr lang="en-US" sz="1400" dirty="0" err="1">
-                <a:solidFill>
-                  <a:srgbClr val="000000"/>
-                </a:solidFill>
-                <a:highlight>
-                  <a:srgbClr val="FFFFFF"/>
-                </a:highlight>
-                <a:latin typeface="Consolas" panose="020B0609020204030204" pitchFamily="49" charset="0"/>
-              </a:rPr>
-              <a:t>urlContents</a:t>
-            </a:r>
-            <a:r>
-              <a:rPr lang="en-US" sz="1400" dirty="0">
-                <a:solidFill>
-                  <a:srgbClr val="000000"/>
-                </a:solidFill>
-                <a:highlight>
-                  <a:srgbClr val="FFFFFF"/>
-                </a:highlight>
-                <a:latin typeface="Consolas" panose="020B0609020204030204" pitchFamily="49" charset="0"/>
-              </a:rPr>
-              <a:t> = </a:t>
-            </a:r>
-            <a:r>
-              <a:rPr lang="en-US" sz="1400" dirty="0">
-                <a:solidFill>
-                  <a:srgbClr val="0000FF"/>
-                </a:solidFill>
-                <a:highlight>
-                  <a:srgbClr val="FFFFFF"/>
-                </a:highlight>
-                <a:latin typeface="Consolas" panose="020B0609020204030204" pitchFamily="49" charset="0"/>
-              </a:rPr>
-              <a:t>await</a:t>
-            </a:r>
-            <a:r>
-              <a:rPr lang="en-US" sz="1400" dirty="0">
-                <a:solidFill>
-                  <a:srgbClr val="000000"/>
-                </a:solidFill>
-                <a:highlight>
-                  <a:srgbClr val="FFFFFF"/>
-                </a:highlight>
-                <a:latin typeface="Consolas" panose="020B0609020204030204" pitchFamily="49" charset="0"/>
-              </a:rPr>
-              <a:t> data;</a:t>
-            </a:r>
-          </a:p>
-          <a:p>
-            <a:pPr marL="0" indent="0">
-              <a:spcBef>
-                <a:spcPts val="0"/>
-              </a:spcBef>
-              <a:buNone/>
-            </a:pPr>
-            <a:endParaRPr lang="en-US" sz="1400" dirty="0">
-              <a:solidFill>
-                <a:srgbClr val="000000"/>
-              </a:solidFill>
-              <a:highlight>
-                <a:srgbClr val="FFFFFF"/>
-              </a:highlight>
-              <a:latin typeface="Consolas" panose="020B0609020204030204" pitchFamily="49" charset="0"/>
-            </a:endParaRPr>
-          </a:p>
-          <a:p>
-            <a:pPr marL="0" indent="0">
-              <a:spcBef>
-                <a:spcPts val="0"/>
-              </a:spcBef>
-              <a:buNone/>
-            </a:pPr>
-            <a:r>
-              <a:rPr lang="en-US" sz="1400" dirty="0">
-                <a:solidFill>
-                  <a:srgbClr val="000000"/>
-                </a:solidFill>
-                <a:highlight>
-                  <a:srgbClr val="FFFFFF"/>
-                </a:highlight>
-                <a:latin typeface="Consolas" panose="020B0609020204030204" pitchFamily="49" charset="0"/>
-              </a:rPr>
-              <a:t>    </a:t>
-            </a:r>
-            <a:r>
-              <a:rPr lang="en-US" sz="1400" dirty="0">
-                <a:solidFill>
-                  <a:srgbClr val="008000"/>
-                </a:solidFill>
-                <a:highlight>
-                  <a:srgbClr val="FFFFFF"/>
-                </a:highlight>
-                <a:latin typeface="Consolas" panose="020B0609020204030204" pitchFamily="49" charset="0"/>
-              </a:rPr>
-              <a:t>// The return statement specifies an integer result. </a:t>
-            </a:r>
-            <a:endParaRPr lang="en-US" sz="1400" dirty="0">
-              <a:solidFill>
-                <a:srgbClr val="000000"/>
-              </a:solidFill>
-              <a:highlight>
-                <a:srgbClr val="FFFFFF"/>
-              </a:highlight>
-              <a:latin typeface="Consolas" panose="020B0609020204030204" pitchFamily="49" charset="0"/>
-            </a:endParaRPr>
-          </a:p>
-          <a:p>
-            <a:pPr marL="0" indent="0">
-              <a:spcBef>
-                <a:spcPts val="0"/>
-              </a:spcBef>
-              <a:buNone/>
-            </a:pPr>
-            <a:r>
-              <a:rPr lang="en-US" sz="1400" dirty="0">
-                <a:solidFill>
-                  <a:srgbClr val="000000"/>
-                </a:solidFill>
-                <a:highlight>
-                  <a:srgbClr val="FFFFFF"/>
-                </a:highlight>
-                <a:latin typeface="Consolas" panose="020B0609020204030204" pitchFamily="49" charset="0"/>
-              </a:rPr>
-              <a:t>    </a:t>
-            </a:r>
-            <a:r>
-              <a:rPr lang="en-US" sz="1400" dirty="0">
-                <a:solidFill>
-                  <a:srgbClr val="008000"/>
-                </a:solidFill>
-                <a:highlight>
-                  <a:srgbClr val="FFFFFF"/>
-                </a:highlight>
-                <a:latin typeface="Consolas" panose="020B0609020204030204" pitchFamily="49" charset="0"/>
-              </a:rPr>
-              <a:t>// Any methods that are awaiting </a:t>
-            </a:r>
-            <a:r>
-              <a:rPr lang="en-US" sz="1400" dirty="0" err="1">
-                <a:solidFill>
-                  <a:srgbClr val="008000"/>
-                </a:solidFill>
-                <a:highlight>
-                  <a:srgbClr val="FFFFFF"/>
-                </a:highlight>
-                <a:latin typeface="Consolas" panose="020B0609020204030204" pitchFamily="49" charset="0"/>
-              </a:rPr>
-              <a:t>AccessTheWebAsync</a:t>
-            </a:r>
-            <a:r>
-              <a:rPr lang="en-US" sz="1400" dirty="0">
-                <a:solidFill>
-                  <a:srgbClr val="008000"/>
-                </a:solidFill>
-                <a:highlight>
-                  <a:srgbClr val="FFFFFF"/>
-                </a:highlight>
-                <a:latin typeface="Consolas" panose="020B0609020204030204" pitchFamily="49" charset="0"/>
-              </a:rPr>
-              <a:t> retrieve the length value. </a:t>
-            </a:r>
-            <a:endParaRPr lang="en-US" sz="1400" dirty="0">
-              <a:solidFill>
-                <a:srgbClr val="000000"/>
-              </a:solidFill>
-              <a:highlight>
-                <a:srgbClr val="FFFFFF"/>
-              </a:highlight>
-              <a:latin typeface="Consolas" panose="020B0609020204030204" pitchFamily="49" charset="0"/>
-            </a:endParaRPr>
-          </a:p>
-          <a:p>
-            <a:pPr marL="0" indent="0">
-              <a:spcBef>
-                <a:spcPts val="0"/>
-              </a:spcBef>
-              <a:buNone/>
-            </a:pPr>
-            <a:r>
-              <a:rPr lang="en-US" sz="1400" dirty="0">
-                <a:solidFill>
-                  <a:srgbClr val="000000"/>
-                </a:solidFill>
-                <a:highlight>
-                  <a:srgbClr val="FFFFFF"/>
-                </a:highlight>
-                <a:latin typeface="Consolas" panose="020B0609020204030204" pitchFamily="49" charset="0"/>
-              </a:rPr>
-              <a:t>    </a:t>
-            </a:r>
-            <a:r>
-              <a:rPr lang="en-US" sz="1400" dirty="0">
-                <a:solidFill>
-                  <a:srgbClr val="0000FF"/>
-                </a:solidFill>
-                <a:highlight>
-                  <a:srgbClr val="FFFFFF"/>
-                </a:highlight>
-                <a:latin typeface="Consolas" panose="020B0609020204030204" pitchFamily="49" charset="0"/>
-              </a:rPr>
-              <a:t>return</a:t>
-            </a:r>
-            <a:r>
-              <a:rPr lang="en-US" sz="1400" dirty="0">
-                <a:solidFill>
-                  <a:srgbClr val="000000"/>
-                </a:solidFill>
-                <a:highlight>
-                  <a:srgbClr val="FFFFFF"/>
-                </a:highlight>
-                <a:latin typeface="Consolas" panose="020B0609020204030204" pitchFamily="49" charset="0"/>
-              </a:rPr>
-              <a:t> </a:t>
-            </a:r>
-            <a:r>
-              <a:rPr lang="en-US" sz="1400" dirty="0" err="1">
-                <a:solidFill>
-                  <a:srgbClr val="000000"/>
-                </a:solidFill>
-                <a:highlight>
-                  <a:srgbClr val="FFFFFF"/>
-                </a:highlight>
-                <a:latin typeface="Consolas" panose="020B0609020204030204" pitchFamily="49" charset="0"/>
-              </a:rPr>
-              <a:t>urlContents.Length</a:t>
-            </a:r>
-            <a:r>
-              <a:rPr lang="en-US" sz="1400" dirty="0">
-                <a:solidFill>
-                  <a:srgbClr val="000000"/>
-                </a:solidFill>
-                <a:highlight>
-                  <a:srgbClr val="FFFFFF"/>
-                </a:highlight>
-                <a:latin typeface="Consolas" panose="020B0609020204030204" pitchFamily="49" charset="0"/>
-              </a:rPr>
-              <a:t>;</a:t>
-            </a:r>
-          </a:p>
-          <a:p>
-            <a:pPr marL="0" indent="0">
-              <a:spcBef>
-                <a:spcPts val="0"/>
-              </a:spcBef>
-              <a:buNone/>
-            </a:pPr>
-            <a:r>
-              <a:rPr lang="en-US" sz="1400" dirty="0">
-                <a:solidFill>
-                  <a:srgbClr val="000000"/>
-                </a:solidFill>
-                <a:highlight>
-                  <a:srgbClr val="FFFFFF"/>
-                </a:highlight>
-                <a:latin typeface="Consolas" panose="020B0609020204030204" pitchFamily="49" charset="0"/>
-              </a:rPr>
-              <a:t>}</a:t>
-            </a:r>
-            <a:endParaRPr lang="en-US" sz="1400" dirty="0"/>
-          </a:p>
-          <a:p>
-            <a:pPr marL="0" indent="0">
-              <a:spcBef>
-                <a:spcPts val="0"/>
-              </a:spcBef>
-              <a:buNone/>
-            </a:pPr>
-            <a:endParaRPr lang="en-US" sz="1400" dirty="0"/>
+              <a:t>Dispatcher</a:t>
+            </a:r>
+            <a:r>
+              <a:rPr lang="en-US" dirty="0" smtClean="0"/>
+              <a:t> continues</a:t>
+            </a:r>
+          </a:p>
+          <a:p>
+            <a:pPr lvl="1"/>
+            <a:endParaRPr lang="en-US" dirty="0"/>
+          </a:p>
+          <a:p>
+            <a:r>
+              <a:rPr lang="en-US" dirty="0" smtClean="0"/>
+              <a:t>This is really useful for waiting for external events</a:t>
+            </a:r>
+          </a:p>
+          <a:p>
+            <a:pPr lvl="1"/>
+            <a:r>
+              <a:rPr lang="en-US" dirty="0" smtClean="0"/>
+              <a:t>Files loading, </a:t>
+            </a:r>
+            <a:r>
+              <a:rPr lang="en-US" dirty="0" err="1" smtClean="0"/>
+              <a:t>shaders</a:t>
+            </a:r>
+            <a:r>
+              <a:rPr lang="en-US" dirty="0" smtClean="0"/>
+              <a:t> compiling, network resources arriving, etc…</a:t>
+            </a:r>
+            <a:endParaRPr lang="en-US" dirty="0"/>
           </a:p>
         </p:txBody>
       </p:sp>
     </p:spTree>
     <p:extLst>
       <p:ext uri="{BB962C8B-B14F-4D97-AF65-F5344CB8AC3E}">
-        <p14:creationId xmlns:p14="http://schemas.microsoft.com/office/powerpoint/2010/main" val="1652491742"/>
+        <p14:creationId xmlns:p14="http://schemas.microsoft.com/office/powerpoint/2010/main" val="3664548198"/>
       </p:ext>
     </p:extLst>
   </p:cSld>
@@ -6809,6 +6152,863 @@
         </p:nvSpPr>
         <p:spPr/>
         <p:txBody>
+          <a:bodyPr>
+            <a:noAutofit/>
+          </a:bodyPr>
+          <a:lstStyle/>
+          <a:p>
+            <a:pPr marL="0" indent="0">
+              <a:spcBef>
+                <a:spcPts val="0"/>
+              </a:spcBef>
+              <a:buNone/>
+            </a:pPr>
+            <a:endParaRPr lang="en-US" sz="1400" dirty="0" smtClean="0">
+              <a:solidFill>
+                <a:srgbClr val="0000FF"/>
+              </a:solidFill>
+              <a:highlight>
+                <a:srgbClr val="FFFFFF"/>
+              </a:highlight>
+              <a:latin typeface="Consolas" panose="020B0609020204030204" pitchFamily="49" charset="0"/>
+            </a:endParaRPr>
+          </a:p>
+          <a:p>
+            <a:pPr marL="0" indent="0">
+              <a:spcBef>
+                <a:spcPts val="0"/>
+              </a:spcBef>
+              <a:buNone/>
+            </a:pPr>
+            <a:r>
+              <a:rPr lang="en-US" sz="1400" dirty="0" err="1" smtClean="0">
+                <a:solidFill>
+                  <a:srgbClr val="0000FF"/>
+                </a:solidFill>
+                <a:highlight>
+                  <a:srgbClr val="FFFFFF"/>
+                </a:highlight>
+                <a:latin typeface="Consolas" panose="020B0609020204030204" pitchFamily="49" charset="0"/>
+              </a:rPr>
+              <a:t>async</a:t>
+            </a:r>
+            <a:r>
+              <a:rPr lang="en-US" sz="1400" dirty="0" smtClean="0">
+                <a:solidFill>
+                  <a:srgbClr val="000000"/>
+                </a:solidFill>
+                <a:highlight>
+                  <a:srgbClr val="FFFFFF"/>
+                </a:highlight>
+                <a:latin typeface="Consolas" panose="020B0609020204030204" pitchFamily="49" charset="0"/>
+              </a:rPr>
+              <a:t> </a:t>
+            </a:r>
+            <a:r>
+              <a:rPr lang="en-US" sz="1400" dirty="0">
+                <a:solidFill>
+                  <a:srgbClr val="2B91AF"/>
+                </a:solidFill>
+                <a:highlight>
+                  <a:srgbClr val="FFFFFF"/>
+                </a:highlight>
+                <a:latin typeface="Consolas" panose="020B0609020204030204" pitchFamily="49" charset="0"/>
+              </a:rPr>
+              <a:t>Task</a:t>
+            </a:r>
+            <a:r>
+              <a:rPr lang="en-US" sz="1400" dirty="0">
+                <a:solidFill>
+                  <a:srgbClr val="000000"/>
+                </a:solidFill>
+                <a:highlight>
+                  <a:srgbClr val="FFFFFF"/>
+                </a:highlight>
+                <a:latin typeface="Consolas" panose="020B0609020204030204" pitchFamily="49" charset="0"/>
+              </a:rPr>
+              <a:t>&lt;</a:t>
+            </a:r>
+            <a:r>
+              <a:rPr lang="en-US" sz="1400" dirty="0" err="1">
+                <a:solidFill>
+                  <a:srgbClr val="0000FF"/>
+                </a:solidFill>
+                <a:highlight>
+                  <a:srgbClr val="FFFFFF"/>
+                </a:highlight>
+                <a:latin typeface="Consolas" panose="020B0609020204030204" pitchFamily="49" charset="0"/>
+              </a:rPr>
+              <a:t>int</a:t>
+            </a:r>
+            <a:r>
+              <a:rPr lang="en-US" sz="1400" dirty="0">
+                <a:solidFill>
+                  <a:srgbClr val="000000"/>
+                </a:solidFill>
+                <a:highlight>
+                  <a:srgbClr val="FFFFFF"/>
+                </a:highlight>
+                <a:latin typeface="Consolas" panose="020B0609020204030204" pitchFamily="49" charset="0"/>
+              </a:rPr>
+              <a:t>&gt; </a:t>
+            </a:r>
+            <a:r>
+              <a:rPr lang="en-US" sz="1400" dirty="0" err="1">
+                <a:solidFill>
+                  <a:srgbClr val="000000"/>
+                </a:solidFill>
+                <a:highlight>
+                  <a:srgbClr val="FFFFFF"/>
+                </a:highlight>
+                <a:latin typeface="Consolas" panose="020B0609020204030204" pitchFamily="49" charset="0"/>
+              </a:rPr>
+              <a:t>AccessTheWebAsync</a:t>
+            </a:r>
+            <a:r>
+              <a:rPr lang="en-US" sz="1400" dirty="0">
+                <a:solidFill>
+                  <a:srgbClr val="000000"/>
+                </a:solidFill>
+                <a:highlight>
+                  <a:srgbClr val="FFFFFF"/>
+                </a:highlight>
+                <a:latin typeface="Consolas" panose="020B0609020204030204" pitchFamily="49" charset="0"/>
+              </a:rPr>
+              <a:t>()</a:t>
+            </a:r>
+          </a:p>
+          <a:p>
+            <a:pPr marL="0" indent="0">
+              <a:spcBef>
+                <a:spcPts val="0"/>
+              </a:spcBef>
+              <a:buNone/>
+            </a:pPr>
+            <a:r>
+              <a:rPr lang="en-US" sz="1400" dirty="0">
+                <a:solidFill>
+                  <a:srgbClr val="000000"/>
+                </a:solidFill>
+                <a:highlight>
+                  <a:srgbClr val="FFFFFF"/>
+                </a:highlight>
+                <a:latin typeface="Consolas" panose="020B0609020204030204" pitchFamily="49" charset="0"/>
+              </a:rPr>
+              <a:t>{</a:t>
+            </a:r>
+          </a:p>
+          <a:p>
+            <a:pPr marL="0" indent="0">
+              <a:spcBef>
+                <a:spcPts val="0"/>
+              </a:spcBef>
+              <a:buNone/>
+            </a:pPr>
+            <a:r>
+              <a:rPr lang="en-US" sz="1400" dirty="0">
+                <a:solidFill>
+                  <a:srgbClr val="2B91AF"/>
+                </a:solidFill>
+                <a:highlight>
+                  <a:srgbClr val="FFFFFF"/>
+                </a:highlight>
+                <a:latin typeface="Consolas" panose="020B0609020204030204" pitchFamily="49" charset="0"/>
+              </a:rPr>
+              <a:t>    </a:t>
+            </a:r>
+            <a:r>
+              <a:rPr lang="en-US" sz="1400" dirty="0" err="1">
+                <a:solidFill>
+                  <a:srgbClr val="2B91AF"/>
+                </a:solidFill>
+                <a:highlight>
+                  <a:srgbClr val="FFFFFF"/>
+                </a:highlight>
+                <a:latin typeface="Consolas" panose="020B0609020204030204" pitchFamily="49" charset="0"/>
+              </a:rPr>
+              <a:t>HttpClient</a:t>
+            </a:r>
+            <a:r>
+              <a:rPr lang="en-US" sz="1400" dirty="0">
+                <a:solidFill>
+                  <a:srgbClr val="000000"/>
+                </a:solidFill>
+                <a:highlight>
+                  <a:srgbClr val="FFFFFF"/>
+                </a:highlight>
+                <a:latin typeface="Consolas" panose="020B0609020204030204" pitchFamily="49" charset="0"/>
+              </a:rPr>
+              <a:t> client = </a:t>
+            </a:r>
+            <a:r>
+              <a:rPr lang="en-US" sz="1400" dirty="0">
+                <a:solidFill>
+                  <a:srgbClr val="0000FF"/>
+                </a:solidFill>
+                <a:highlight>
+                  <a:srgbClr val="FFFFFF"/>
+                </a:highlight>
+                <a:latin typeface="Consolas" panose="020B0609020204030204" pitchFamily="49" charset="0"/>
+              </a:rPr>
+              <a:t>new</a:t>
+            </a:r>
+            <a:r>
+              <a:rPr lang="en-US" sz="1400" dirty="0">
+                <a:solidFill>
+                  <a:srgbClr val="000000"/>
+                </a:solidFill>
+                <a:highlight>
+                  <a:srgbClr val="FFFFFF"/>
+                </a:highlight>
+                <a:latin typeface="Consolas" panose="020B0609020204030204" pitchFamily="49" charset="0"/>
+              </a:rPr>
+              <a:t> </a:t>
+            </a:r>
+            <a:r>
+              <a:rPr lang="en-US" sz="1400" dirty="0" err="1">
+                <a:solidFill>
+                  <a:srgbClr val="2B91AF"/>
+                </a:solidFill>
+                <a:highlight>
+                  <a:srgbClr val="FFFFFF"/>
+                </a:highlight>
+                <a:latin typeface="Consolas" panose="020B0609020204030204" pitchFamily="49" charset="0"/>
+              </a:rPr>
+              <a:t>HttpClient</a:t>
+            </a:r>
+            <a:r>
+              <a:rPr lang="en-US" sz="1400" dirty="0">
+                <a:solidFill>
+                  <a:srgbClr val="000000"/>
+                </a:solidFill>
+                <a:highlight>
+                  <a:srgbClr val="FFFFFF"/>
+                </a:highlight>
+                <a:latin typeface="Consolas" panose="020B0609020204030204" pitchFamily="49" charset="0"/>
+              </a:rPr>
+              <a:t>();</a:t>
+            </a:r>
+          </a:p>
+          <a:p>
+            <a:pPr marL="0" indent="0">
+              <a:spcBef>
+                <a:spcPts val="0"/>
+              </a:spcBef>
+              <a:buNone/>
+            </a:pPr>
+            <a:endParaRPr lang="en-US" sz="1400" dirty="0">
+              <a:solidFill>
+                <a:srgbClr val="000000"/>
+              </a:solidFill>
+              <a:highlight>
+                <a:srgbClr val="FFFFFF"/>
+              </a:highlight>
+              <a:latin typeface="Consolas" panose="020B0609020204030204" pitchFamily="49" charset="0"/>
+            </a:endParaRPr>
+          </a:p>
+          <a:p>
+            <a:pPr marL="0" indent="0">
+              <a:spcBef>
+                <a:spcPts val="0"/>
+              </a:spcBef>
+              <a:buNone/>
+            </a:pPr>
+            <a:r>
+              <a:rPr lang="en-US" sz="1400" dirty="0">
+                <a:solidFill>
+                  <a:srgbClr val="2B91AF"/>
+                </a:solidFill>
+                <a:highlight>
+                  <a:srgbClr val="FFFFFF"/>
+                </a:highlight>
+                <a:latin typeface="Consolas" panose="020B0609020204030204" pitchFamily="49" charset="0"/>
+              </a:rPr>
+              <a:t>    Task</a:t>
+            </a:r>
+            <a:r>
+              <a:rPr lang="en-US" sz="1400" dirty="0">
+                <a:solidFill>
+                  <a:srgbClr val="000000"/>
+                </a:solidFill>
+                <a:highlight>
+                  <a:srgbClr val="FFFFFF"/>
+                </a:highlight>
+                <a:latin typeface="Consolas" panose="020B0609020204030204" pitchFamily="49" charset="0"/>
+              </a:rPr>
+              <a:t>&lt;</a:t>
+            </a:r>
+            <a:r>
+              <a:rPr lang="en-US" sz="1400" dirty="0">
+                <a:solidFill>
+                  <a:srgbClr val="0000FF"/>
+                </a:solidFill>
+                <a:highlight>
+                  <a:srgbClr val="FFFFFF"/>
+                </a:highlight>
+                <a:latin typeface="Consolas" panose="020B0609020204030204" pitchFamily="49" charset="0"/>
+              </a:rPr>
+              <a:t>string</a:t>
+            </a:r>
+            <a:r>
+              <a:rPr lang="en-US" sz="1400" dirty="0">
+                <a:solidFill>
+                  <a:srgbClr val="000000"/>
+                </a:solidFill>
+                <a:highlight>
+                  <a:srgbClr val="FFFFFF"/>
+                </a:highlight>
+                <a:latin typeface="Consolas" panose="020B0609020204030204" pitchFamily="49" charset="0"/>
+              </a:rPr>
+              <a:t>&gt; data = </a:t>
+            </a:r>
+            <a:r>
+              <a:rPr lang="en-US" sz="1400" dirty="0" err="1">
+                <a:solidFill>
+                  <a:srgbClr val="000000"/>
+                </a:solidFill>
+                <a:highlight>
+                  <a:srgbClr val="FFFFFF"/>
+                </a:highlight>
+                <a:latin typeface="Consolas" panose="020B0609020204030204" pitchFamily="49" charset="0"/>
+              </a:rPr>
+              <a:t>client.GetStringAsync</a:t>
+            </a:r>
+            <a:r>
+              <a:rPr lang="en-US" sz="1400" dirty="0">
+                <a:solidFill>
+                  <a:srgbClr val="000000"/>
+                </a:solidFill>
+                <a:highlight>
+                  <a:srgbClr val="FFFFFF"/>
+                </a:highlight>
+                <a:latin typeface="Consolas" panose="020B0609020204030204" pitchFamily="49" charset="0"/>
+              </a:rPr>
+              <a:t>(</a:t>
+            </a:r>
+            <a:r>
+              <a:rPr lang="en-US" sz="1400" dirty="0">
+                <a:solidFill>
+                  <a:srgbClr val="A31515"/>
+                </a:solidFill>
+                <a:highlight>
+                  <a:srgbClr val="FFFFFF"/>
+                </a:highlight>
+                <a:latin typeface="Consolas" panose="020B0609020204030204" pitchFamily="49" charset="0"/>
+              </a:rPr>
+              <a:t>"http://msdn.microsoft.com"</a:t>
+            </a:r>
+            <a:r>
+              <a:rPr lang="en-US" sz="1400" dirty="0">
+                <a:solidFill>
+                  <a:srgbClr val="000000"/>
+                </a:solidFill>
+                <a:highlight>
+                  <a:srgbClr val="FFFFFF"/>
+                </a:highlight>
+                <a:latin typeface="Consolas" panose="020B0609020204030204" pitchFamily="49" charset="0"/>
+              </a:rPr>
+              <a:t>);</a:t>
+            </a:r>
+          </a:p>
+          <a:p>
+            <a:pPr marL="0" indent="0">
+              <a:spcBef>
+                <a:spcPts val="0"/>
+              </a:spcBef>
+              <a:buNone/>
+            </a:pPr>
+            <a:endParaRPr lang="en-US" sz="1400" dirty="0">
+              <a:solidFill>
+                <a:srgbClr val="000000"/>
+              </a:solidFill>
+              <a:highlight>
+                <a:srgbClr val="FFFFFF"/>
+              </a:highlight>
+              <a:latin typeface="Consolas" panose="020B0609020204030204" pitchFamily="49" charset="0"/>
+            </a:endParaRPr>
+          </a:p>
+          <a:p>
+            <a:pPr marL="0" indent="0">
+              <a:spcBef>
+                <a:spcPts val="0"/>
+              </a:spcBef>
+              <a:buNone/>
+            </a:pPr>
+            <a:r>
+              <a:rPr lang="en-US" sz="1400" dirty="0">
+                <a:solidFill>
+                  <a:srgbClr val="000000"/>
+                </a:solidFill>
+                <a:highlight>
+                  <a:srgbClr val="FFFFFF"/>
+                </a:highlight>
+                <a:latin typeface="Consolas" panose="020B0609020204030204" pitchFamily="49" charset="0"/>
+              </a:rPr>
+              <a:t>    </a:t>
+            </a:r>
+            <a:r>
+              <a:rPr lang="en-US" sz="1400" dirty="0">
+                <a:solidFill>
+                  <a:srgbClr val="008000"/>
+                </a:solidFill>
+                <a:highlight>
+                  <a:srgbClr val="FFFFFF"/>
+                </a:highlight>
+                <a:latin typeface="Consolas" panose="020B0609020204030204" pitchFamily="49" charset="0"/>
+              </a:rPr>
+              <a:t>// You can do work here that doesn't rely on </a:t>
+            </a:r>
+            <a:r>
+              <a:rPr lang="en-US" sz="1400" dirty="0" smtClean="0">
+                <a:solidFill>
+                  <a:srgbClr val="008000"/>
+                </a:solidFill>
+                <a:highlight>
+                  <a:srgbClr val="FFFFFF"/>
+                </a:highlight>
+                <a:latin typeface="Consolas" panose="020B0609020204030204" pitchFamily="49" charset="0"/>
+              </a:rPr>
+              <a:t>[data]</a:t>
+            </a:r>
+            <a:endParaRPr lang="en-US" sz="1400" dirty="0">
+              <a:solidFill>
+                <a:srgbClr val="000000"/>
+              </a:solidFill>
+              <a:highlight>
+                <a:srgbClr val="FFFFFF"/>
+              </a:highlight>
+              <a:latin typeface="Consolas" panose="020B0609020204030204" pitchFamily="49" charset="0"/>
+            </a:endParaRPr>
+          </a:p>
+          <a:p>
+            <a:pPr marL="0" indent="0">
+              <a:spcBef>
+                <a:spcPts val="0"/>
+              </a:spcBef>
+              <a:buNone/>
+            </a:pPr>
+            <a:r>
+              <a:rPr lang="en-US" sz="1400" dirty="0">
+                <a:solidFill>
+                  <a:srgbClr val="000000"/>
+                </a:solidFill>
+                <a:highlight>
+                  <a:srgbClr val="FFFFFF"/>
+                </a:highlight>
+                <a:latin typeface="Consolas" panose="020B0609020204030204" pitchFamily="49" charset="0"/>
+              </a:rPr>
+              <a:t>    </a:t>
+            </a:r>
+            <a:r>
+              <a:rPr lang="en-US" sz="1400" dirty="0" err="1">
+                <a:solidFill>
+                  <a:srgbClr val="000000"/>
+                </a:solidFill>
+                <a:highlight>
+                  <a:srgbClr val="FFFFFF"/>
+                </a:highlight>
+                <a:latin typeface="Consolas" panose="020B0609020204030204" pitchFamily="49" charset="0"/>
+              </a:rPr>
+              <a:t>DoIndependentWork</a:t>
+            </a:r>
+            <a:r>
+              <a:rPr lang="en-US" sz="1400" dirty="0">
+                <a:solidFill>
+                  <a:srgbClr val="000000"/>
+                </a:solidFill>
+                <a:highlight>
+                  <a:srgbClr val="FFFFFF"/>
+                </a:highlight>
+                <a:latin typeface="Consolas" panose="020B0609020204030204" pitchFamily="49" charset="0"/>
+              </a:rPr>
+              <a:t>();</a:t>
+            </a:r>
+          </a:p>
+          <a:p>
+            <a:pPr marL="0" indent="0">
+              <a:spcBef>
+                <a:spcPts val="0"/>
+              </a:spcBef>
+              <a:buNone/>
+            </a:pPr>
+            <a:endParaRPr lang="en-US" sz="1400" dirty="0">
+              <a:solidFill>
+                <a:srgbClr val="000000"/>
+              </a:solidFill>
+              <a:highlight>
+                <a:srgbClr val="FFFFFF"/>
+              </a:highlight>
+              <a:latin typeface="Consolas" panose="020B0609020204030204" pitchFamily="49" charset="0"/>
+            </a:endParaRPr>
+          </a:p>
+          <a:p>
+            <a:pPr marL="0" indent="0">
+              <a:spcBef>
+                <a:spcPts val="0"/>
+              </a:spcBef>
+              <a:buNone/>
+            </a:pPr>
+            <a:r>
+              <a:rPr lang="en-US" sz="1400" dirty="0">
+                <a:solidFill>
+                  <a:srgbClr val="0000FF"/>
+                </a:solidFill>
+                <a:highlight>
+                  <a:srgbClr val="FFFFFF"/>
+                </a:highlight>
+                <a:latin typeface="Consolas" panose="020B0609020204030204" pitchFamily="49" charset="0"/>
+              </a:rPr>
+              <a:t>    string</a:t>
+            </a:r>
+            <a:r>
+              <a:rPr lang="en-US" sz="1400" dirty="0">
+                <a:solidFill>
+                  <a:srgbClr val="000000"/>
+                </a:solidFill>
+                <a:highlight>
+                  <a:srgbClr val="FFFFFF"/>
+                </a:highlight>
+                <a:latin typeface="Consolas" panose="020B0609020204030204" pitchFamily="49" charset="0"/>
+              </a:rPr>
+              <a:t> </a:t>
+            </a:r>
+            <a:r>
+              <a:rPr lang="en-US" sz="1400" dirty="0" err="1">
+                <a:solidFill>
+                  <a:srgbClr val="000000"/>
+                </a:solidFill>
+                <a:highlight>
+                  <a:srgbClr val="FFFFFF"/>
+                </a:highlight>
+                <a:latin typeface="Consolas" panose="020B0609020204030204" pitchFamily="49" charset="0"/>
+              </a:rPr>
+              <a:t>urlContents</a:t>
+            </a:r>
+            <a:r>
+              <a:rPr lang="en-US" sz="1400" dirty="0">
+                <a:solidFill>
+                  <a:srgbClr val="000000"/>
+                </a:solidFill>
+                <a:highlight>
+                  <a:srgbClr val="FFFFFF"/>
+                </a:highlight>
+                <a:latin typeface="Consolas" panose="020B0609020204030204" pitchFamily="49" charset="0"/>
+              </a:rPr>
+              <a:t> = </a:t>
+            </a:r>
+            <a:r>
+              <a:rPr lang="en-US" sz="1400" dirty="0">
+                <a:solidFill>
+                  <a:srgbClr val="0000FF"/>
+                </a:solidFill>
+                <a:highlight>
+                  <a:srgbClr val="FFFFFF"/>
+                </a:highlight>
+                <a:latin typeface="Consolas" panose="020B0609020204030204" pitchFamily="49" charset="0"/>
+              </a:rPr>
+              <a:t>await</a:t>
+            </a:r>
+            <a:r>
+              <a:rPr lang="en-US" sz="1400" dirty="0">
+                <a:solidFill>
+                  <a:srgbClr val="000000"/>
+                </a:solidFill>
+                <a:highlight>
+                  <a:srgbClr val="FFFFFF"/>
+                </a:highlight>
+                <a:latin typeface="Consolas" panose="020B0609020204030204" pitchFamily="49" charset="0"/>
+              </a:rPr>
+              <a:t> data;</a:t>
+            </a:r>
+          </a:p>
+          <a:p>
+            <a:pPr marL="0" indent="0">
+              <a:spcBef>
+                <a:spcPts val="0"/>
+              </a:spcBef>
+              <a:buNone/>
+            </a:pPr>
+            <a:endParaRPr lang="en-US" sz="1400" dirty="0">
+              <a:solidFill>
+                <a:srgbClr val="000000"/>
+              </a:solidFill>
+              <a:highlight>
+                <a:srgbClr val="FFFFFF"/>
+              </a:highlight>
+              <a:latin typeface="Consolas" panose="020B0609020204030204" pitchFamily="49" charset="0"/>
+            </a:endParaRPr>
+          </a:p>
+          <a:p>
+            <a:pPr marL="0" indent="0">
+              <a:spcBef>
+                <a:spcPts val="0"/>
+              </a:spcBef>
+              <a:buNone/>
+            </a:pPr>
+            <a:r>
+              <a:rPr lang="en-US" sz="1400" dirty="0">
+                <a:solidFill>
+                  <a:srgbClr val="000000"/>
+                </a:solidFill>
+                <a:highlight>
+                  <a:srgbClr val="FFFFFF"/>
+                </a:highlight>
+                <a:latin typeface="Consolas" panose="020B0609020204030204" pitchFamily="49" charset="0"/>
+              </a:rPr>
+              <a:t>    </a:t>
+            </a:r>
+            <a:r>
+              <a:rPr lang="en-US" sz="1400" dirty="0">
+                <a:solidFill>
+                  <a:srgbClr val="008000"/>
+                </a:solidFill>
+                <a:highlight>
+                  <a:srgbClr val="FFFFFF"/>
+                </a:highlight>
+                <a:latin typeface="Consolas" panose="020B0609020204030204" pitchFamily="49" charset="0"/>
+              </a:rPr>
+              <a:t>// The return statement specifies an integer result. </a:t>
+            </a:r>
+            <a:endParaRPr lang="en-US" sz="1400" dirty="0">
+              <a:solidFill>
+                <a:srgbClr val="000000"/>
+              </a:solidFill>
+              <a:highlight>
+                <a:srgbClr val="FFFFFF"/>
+              </a:highlight>
+              <a:latin typeface="Consolas" panose="020B0609020204030204" pitchFamily="49" charset="0"/>
+            </a:endParaRPr>
+          </a:p>
+          <a:p>
+            <a:pPr marL="0" indent="0">
+              <a:spcBef>
+                <a:spcPts val="0"/>
+              </a:spcBef>
+              <a:buNone/>
+            </a:pPr>
+            <a:r>
+              <a:rPr lang="en-US" sz="1400" dirty="0">
+                <a:solidFill>
+                  <a:srgbClr val="000000"/>
+                </a:solidFill>
+                <a:highlight>
+                  <a:srgbClr val="FFFFFF"/>
+                </a:highlight>
+                <a:latin typeface="Consolas" panose="020B0609020204030204" pitchFamily="49" charset="0"/>
+              </a:rPr>
+              <a:t>    </a:t>
+            </a:r>
+            <a:r>
+              <a:rPr lang="en-US" sz="1400" dirty="0">
+                <a:solidFill>
+                  <a:srgbClr val="008000"/>
+                </a:solidFill>
+                <a:highlight>
+                  <a:srgbClr val="FFFFFF"/>
+                </a:highlight>
+                <a:latin typeface="Consolas" panose="020B0609020204030204" pitchFamily="49" charset="0"/>
+              </a:rPr>
+              <a:t>// Any methods that are awaiting </a:t>
+            </a:r>
+            <a:r>
+              <a:rPr lang="en-US" sz="1400" dirty="0" err="1">
+                <a:solidFill>
+                  <a:srgbClr val="008000"/>
+                </a:solidFill>
+                <a:highlight>
+                  <a:srgbClr val="FFFFFF"/>
+                </a:highlight>
+                <a:latin typeface="Consolas" panose="020B0609020204030204" pitchFamily="49" charset="0"/>
+              </a:rPr>
+              <a:t>AccessTheWebAsync</a:t>
+            </a:r>
+            <a:r>
+              <a:rPr lang="en-US" sz="1400" dirty="0">
+                <a:solidFill>
+                  <a:srgbClr val="008000"/>
+                </a:solidFill>
+                <a:highlight>
+                  <a:srgbClr val="FFFFFF"/>
+                </a:highlight>
+                <a:latin typeface="Consolas" panose="020B0609020204030204" pitchFamily="49" charset="0"/>
+              </a:rPr>
+              <a:t> retrieve the length value. </a:t>
+            </a:r>
+            <a:endParaRPr lang="en-US" sz="1400" dirty="0">
+              <a:solidFill>
+                <a:srgbClr val="000000"/>
+              </a:solidFill>
+              <a:highlight>
+                <a:srgbClr val="FFFFFF"/>
+              </a:highlight>
+              <a:latin typeface="Consolas" panose="020B0609020204030204" pitchFamily="49" charset="0"/>
+            </a:endParaRPr>
+          </a:p>
+          <a:p>
+            <a:pPr marL="0" indent="0">
+              <a:spcBef>
+                <a:spcPts val="0"/>
+              </a:spcBef>
+              <a:buNone/>
+            </a:pPr>
+            <a:r>
+              <a:rPr lang="en-US" sz="1400" dirty="0">
+                <a:solidFill>
+                  <a:srgbClr val="000000"/>
+                </a:solidFill>
+                <a:highlight>
+                  <a:srgbClr val="FFFFFF"/>
+                </a:highlight>
+                <a:latin typeface="Consolas" panose="020B0609020204030204" pitchFamily="49" charset="0"/>
+              </a:rPr>
+              <a:t>    </a:t>
+            </a:r>
+            <a:r>
+              <a:rPr lang="en-US" sz="1400" dirty="0">
+                <a:solidFill>
+                  <a:srgbClr val="0000FF"/>
+                </a:solidFill>
+                <a:highlight>
+                  <a:srgbClr val="FFFFFF"/>
+                </a:highlight>
+                <a:latin typeface="Consolas" panose="020B0609020204030204" pitchFamily="49" charset="0"/>
+              </a:rPr>
+              <a:t>return</a:t>
+            </a:r>
+            <a:r>
+              <a:rPr lang="en-US" sz="1400" dirty="0">
+                <a:solidFill>
+                  <a:srgbClr val="000000"/>
+                </a:solidFill>
+                <a:highlight>
+                  <a:srgbClr val="FFFFFF"/>
+                </a:highlight>
+                <a:latin typeface="Consolas" panose="020B0609020204030204" pitchFamily="49" charset="0"/>
+              </a:rPr>
+              <a:t> </a:t>
+            </a:r>
+            <a:r>
+              <a:rPr lang="en-US" sz="1400" dirty="0" err="1">
+                <a:solidFill>
+                  <a:srgbClr val="000000"/>
+                </a:solidFill>
+                <a:highlight>
+                  <a:srgbClr val="FFFFFF"/>
+                </a:highlight>
+                <a:latin typeface="Consolas" panose="020B0609020204030204" pitchFamily="49" charset="0"/>
+              </a:rPr>
+              <a:t>urlContents.Length</a:t>
+            </a:r>
+            <a:r>
+              <a:rPr lang="en-US" sz="1400" dirty="0">
+                <a:solidFill>
+                  <a:srgbClr val="000000"/>
+                </a:solidFill>
+                <a:highlight>
+                  <a:srgbClr val="FFFFFF"/>
+                </a:highlight>
+                <a:latin typeface="Consolas" panose="020B0609020204030204" pitchFamily="49" charset="0"/>
+              </a:rPr>
+              <a:t>;</a:t>
+            </a:r>
+          </a:p>
+          <a:p>
+            <a:pPr marL="0" indent="0">
+              <a:spcBef>
+                <a:spcPts val="0"/>
+              </a:spcBef>
+              <a:buNone/>
+            </a:pPr>
+            <a:r>
+              <a:rPr lang="en-US" sz="1400" dirty="0">
+                <a:solidFill>
+                  <a:srgbClr val="000000"/>
+                </a:solidFill>
+                <a:highlight>
+                  <a:srgbClr val="FFFFFF"/>
+                </a:highlight>
+                <a:latin typeface="Consolas" panose="020B0609020204030204" pitchFamily="49" charset="0"/>
+              </a:rPr>
+              <a:t>}</a:t>
+            </a:r>
+            <a:endParaRPr lang="en-US" sz="1400" dirty="0"/>
+          </a:p>
+          <a:p>
+            <a:pPr marL="0" indent="0">
+              <a:spcBef>
+                <a:spcPts val="0"/>
+              </a:spcBef>
+              <a:buNone/>
+            </a:pPr>
+            <a:endParaRPr lang="en-US" sz="1400" dirty="0"/>
+          </a:p>
+        </p:txBody>
+      </p:sp>
+    </p:spTree>
+    <p:extLst>
+      <p:ext uri="{BB962C8B-B14F-4D97-AF65-F5344CB8AC3E}">
+        <p14:creationId xmlns:p14="http://schemas.microsoft.com/office/powerpoint/2010/main" val="1652491742"/>
+      </p:ext>
+    </p:extLst>
+  </p:cSld>
+  <p:clrMapOvr>
+    <a:masterClrMapping/>
+  </p:clrMapOvr>
+</p:sld>
+</file>
+
+<file path=ppt/slides/slide17.xml><?xml version="1.0" encoding="utf-8"?>
+<p:sld xmlns:a="http://schemas.openxmlformats.org/drawingml/2006/main" xmlns:r="http://schemas.openxmlformats.org/officeDocument/2006/relationships" xmlns:p="http://schemas.openxmlformats.org/presentationml/2006/main">
+  <p:cSld>
+    <p:spTree>
+      <p:nvGrpSpPr>
+        <p:cNvPr id="1" name=""/>
+        <p:cNvGrpSpPr/>
+        <p:nvPr/>
+      </p:nvGrpSpPr>
+      <p:grpSpPr>
+        <a:xfrm>
+          <a:off x="0" y="0"/>
+          <a:ext cx="0" cy="0"/>
+          <a:chOff x="0" y="0"/>
+          <a:chExt cx="0" cy="0"/>
+        </a:xfrm>
+      </p:grpSpPr>
+      <p:sp>
+        <p:nvSpPr>
+          <p:cNvPr id="2" name="Title 1"/>
+          <p:cNvSpPr>
+            <a:spLocks noGrp="1"/>
+          </p:cNvSpPr>
+          <p:nvPr>
+            <p:ph type="title"/>
+          </p:nvPr>
+        </p:nvSpPr>
+        <p:spPr/>
+        <p:txBody>
+          <a:bodyPr/>
+          <a:lstStyle/>
+          <a:p>
+            <a:r>
+              <a:rPr lang="en-US" dirty="0" smtClean="0"/>
+              <a:t>Asynchronous Tasks</a:t>
+            </a:r>
+            <a:endParaRPr lang="en-US" dirty="0"/>
+          </a:p>
+        </p:txBody>
+      </p:sp>
+      <p:sp>
+        <p:nvSpPr>
+          <p:cNvPr id="3" name="Content Placeholder 2"/>
+          <p:cNvSpPr>
+            <a:spLocks noGrp="1"/>
+          </p:cNvSpPr>
+          <p:nvPr>
+            <p:ph idx="1"/>
+          </p:nvPr>
+        </p:nvSpPr>
+        <p:spPr/>
+        <p:txBody>
           <a:bodyPr/>
           <a:lstStyle/>
           <a:p>
@@ -7273,10 +7473,17 @@
   <p:clrMapOvr>
     <a:masterClrMapping/>
   </p:clrMapOvr>
+  <p:timing>
+    <p:tnLst>
+      <p:par>
+        <p:cTn xmlns:p14="http://schemas.microsoft.com/office/powerpoint/2010/main" id="1" dur="indefinite" restart="never" nodeType="tmRoot"/>
+      </p:par>
+    </p:tnLst>
+  </p:timing>
 </p:sld>
 </file>
 
-<file path=ppt/slides/slide17.xml><?xml version="1.0" encoding="utf-8"?>
+<file path=ppt/slides/slide18.xml><?xml version="1.0" encoding="utf-8"?>
 <p:sld xmlns:a="http://schemas.openxmlformats.org/drawingml/2006/main" xmlns:r="http://schemas.openxmlformats.org/officeDocument/2006/relationships" xmlns:p="http://schemas.openxmlformats.org/presentationml/2006/main">
   <p:cSld>
     <p:spTree>
@@ -7369,136 +7576,13 @@
   <p:clrMapOvr>
     <a:masterClrMapping/>
   </p:clrMapOvr>
-</p:sld>
-</file>
-
-<file path=ppt/slides/slide18.xml><?xml version="1.0" encoding="utf-8"?>
-<p:sld xmlns:a="http://schemas.openxmlformats.org/drawingml/2006/main" xmlns:r="http://schemas.openxmlformats.org/officeDocument/2006/relationships" xmlns:p="http://schemas.openxmlformats.org/presentationml/2006/main">
-  <p:cSld>
-    <p:spTree>
-      <p:nvGrpSpPr>
-        <p:cNvPr id="1" name=""/>
-        <p:cNvGrpSpPr/>
-        <p:nvPr/>
-      </p:nvGrpSpPr>
-      <p:grpSpPr>
-        <a:xfrm>
-          <a:off x="0" y="0"/>
-          <a:ext cx="0" cy="0"/>
-          <a:chOff x="0" y="0"/>
-          <a:chExt cx="0" cy="0"/>
-        </a:xfrm>
-      </p:grpSpPr>
-      <p:sp>
-        <p:nvSpPr>
-          <p:cNvPr id="2" name="Title 1"/>
-          <p:cNvSpPr>
-            <a:spLocks noGrp="1"/>
-          </p:cNvSpPr>
-          <p:nvPr>
-            <p:ph type="title"/>
-          </p:nvPr>
-        </p:nvSpPr>
-        <p:spPr/>
-        <p:txBody>
-          <a:bodyPr/>
-          <a:lstStyle/>
-          <a:p>
-            <a:r>
-              <a:rPr lang="en-US" dirty="0" smtClean="0"/>
-              <a:t>Asynchronous Tasks</a:t>
-            </a:r>
-            <a:endParaRPr lang="en-US" dirty="0"/>
-          </a:p>
-        </p:txBody>
-      </p:sp>
-      <p:sp>
-        <p:nvSpPr>
-          <p:cNvPr id="3" name="Content Placeholder 2"/>
-          <p:cNvSpPr>
-            <a:spLocks noGrp="1"/>
-          </p:cNvSpPr>
-          <p:nvPr>
-            <p:ph idx="1"/>
-          </p:nvPr>
-        </p:nvSpPr>
-        <p:spPr/>
-        <p:txBody>
-          <a:bodyPr/>
-          <a:lstStyle/>
-          <a:p>
-            <a:r>
-              <a:rPr lang="en-US" dirty="0" smtClean="0"/>
-              <a:t>We won’t be using them this week</a:t>
-            </a:r>
-          </a:p>
-          <a:p>
-            <a:endParaRPr lang="en-US" dirty="0"/>
-          </a:p>
-          <a:p>
-            <a:r>
-              <a:rPr lang="en-US" dirty="0" smtClean="0"/>
-              <a:t>We </a:t>
-            </a:r>
-            <a:r>
-              <a:rPr lang="en-US" i="1" dirty="0" smtClean="0"/>
-              <a:t>will</a:t>
-            </a:r>
-            <a:r>
-              <a:rPr lang="en-US" dirty="0" smtClean="0"/>
-              <a:t> be using them next week</a:t>
-            </a:r>
-          </a:p>
-          <a:p>
-            <a:pPr lvl="1"/>
-            <a:r>
-              <a:rPr lang="en-US" dirty="0" smtClean="0"/>
-              <a:t>And the week after</a:t>
-            </a:r>
-          </a:p>
-          <a:p>
-            <a:pPr lvl="1"/>
-            <a:r>
-              <a:rPr lang="en-US" dirty="0" smtClean="0"/>
-              <a:t>And the week after…</a:t>
-            </a:r>
-          </a:p>
-          <a:p>
-            <a:pPr lvl="1"/>
-            <a:endParaRPr lang="en-US" dirty="0"/>
-          </a:p>
-          <a:p>
-            <a:r>
-              <a:rPr lang="en-US" dirty="0" smtClean="0"/>
-              <a:t>Useful when dealing with time-intensive operations</a:t>
-            </a:r>
-          </a:p>
-          <a:p>
-            <a:pPr lvl="1"/>
-            <a:r>
-              <a:rPr lang="en-US" dirty="0" smtClean="0"/>
-              <a:t>Time-intensive: more than a few milliseconds!</a:t>
-            </a:r>
-          </a:p>
-          <a:p>
-            <a:pPr lvl="1"/>
-            <a:endParaRPr lang="en-US" dirty="0"/>
-          </a:p>
-          <a:p>
-            <a:endParaRPr lang="en-US" dirty="0"/>
-          </a:p>
-        </p:txBody>
-      </p:sp>
-    </p:spTree>
-    <p:extLst>
-      <p:ext uri="{BB962C8B-B14F-4D97-AF65-F5344CB8AC3E}">
-        <p14:creationId xmlns:p14="http://schemas.microsoft.com/office/powerpoint/2010/main" val="979759062"/>
-      </p:ext>
-    </p:extLst>
-  </p:cSld>
-  <p:clrMapOvr>
-    <a:masterClrMapping/>
-  </p:clrMapOvr>
+  <p:timing>
+    <p:tnLst>
+      <p:par>
+        <p:cTn xmlns:p14="http://schemas.microsoft.com/office/powerpoint/2010/main" id="1" dur="indefinite" restart="never" nodeType="tmRoot"/>
+      </p:par>
+    </p:tnLst>
+  </p:timing>
 </p:sld>
 </file>
 
@@ -7536,7 +7620,7 @@
           <a:p>
             <a:r>
               <a:rPr lang="en-US" dirty="0" smtClean="0"/>
-              <a:t>Image Capture</a:t>
+              <a:t>Asynchronous Tasks</a:t>
             </a:r>
             <a:endParaRPr lang="en-US" dirty="0"/>
           </a:p>
@@ -7559,45 +7643,38 @@
           <a:p>
             <a:r>
               <a:rPr lang="en-US" dirty="0" smtClean="0"/>
-              <a:t>We’re going to study the absolute basics today</a:t>
-            </a:r>
-          </a:p>
-          <a:p>
-            <a:pPr lvl="1"/>
-            <a:r>
-              <a:rPr lang="en-US" dirty="0" smtClean="0"/>
-              <a:t>We’ll follow up with a much more thorough treatment next week</a:t>
-            </a:r>
-          </a:p>
-          <a:p>
-            <a:pPr lvl="1"/>
+              <a:t>We won’t be using them this week</a:t>
+            </a:r>
+          </a:p>
+          <a:p>
             <a:endParaRPr lang="en-US" dirty="0"/>
           </a:p>
           <a:p>
             <a:r>
               <a:rPr lang="en-US" dirty="0" smtClean="0"/>
-              <a:t>At the end of this section, you will be able to</a:t>
-            </a:r>
-          </a:p>
-          <a:p>
-            <a:pPr lvl="1"/>
-            <a:r>
-              <a:rPr lang="en-US" dirty="0" smtClean="0"/>
-              <a:t>Take a photo</a:t>
-            </a:r>
-          </a:p>
-          <a:p>
-            <a:pPr lvl="1"/>
-            <a:r>
-              <a:rPr lang="en-US" dirty="0" smtClean="0"/>
-              <a:t>Display it to the user</a:t>
-            </a:r>
-          </a:p>
-          <a:p>
-            <a:pPr lvl="1"/>
-            <a:r>
-              <a:rPr lang="en-US" dirty="0" smtClean="0"/>
-              <a:t>Save it to the photo library</a:t>
+              <a:t>We </a:t>
+            </a:r>
+            <a:r>
+              <a:rPr lang="en-US" i="1" dirty="0" smtClean="0"/>
+              <a:t>will</a:t>
+            </a:r>
+            <a:r>
+              <a:rPr lang="en-US" dirty="0" smtClean="0"/>
+              <a:t> be using them next week</a:t>
+            </a:r>
+          </a:p>
+          <a:p>
+            <a:pPr lvl="1"/>
+            <a:r>
+              <a:rPr lang="en-US" dirty="0" smtClean="0"/>
+              <a:t>And the week after</a:t>
+            </a:r>
+          </a:p>
+          <a:p>
+            <a:pPr lvl="1"/>
+            <a:r>
+              <a:rPr lang="en-US" dirty="0" smtClean="0"/>
+              <a:t>And the week after…</a:t>
             </a:r>
           </a:p>
           <a:p>
@@ -7607,44 +7684,21 @@
           <a:p>
             <a:r>
               <a:rPr lang="en-US" dirty="0" smtClean="0"/>
-              <a:t>Next week we’ll learn all the </a:t>
-            </a:r>
-            <a:r>
-              <a:rPr lang="en-US" dirty="0" err="1" smtClean="0"/>
-              <a:t>nitty</a:t>
-            </a:r>
-            <a:r>
-              <a:rPr lang="en-US" dirty="0" smtClean="0"/>
-              <a:t> gritty</a:t>
-            </a:r>
-          </a:p>
-          <a:p>
-            <a:pPr lvl="1"/>
-            <a:r>
-              <a:rPr lang="en-US" dirty="0" smtClean="0"/>
-              <a:t>Hooking up a viewfinder</a:t>
-            </a:r>
-          </a:p>
-          <a:p>
-            <a:pPr lvl="1"/>
-            <a:r>
-              <a:rPr lang="en-US" dirty="0" smtClean="0"/>
-              <a:t>Being able to process the preview buffer</a:t>
-            </a:r>
-          </a:p>
-          <a:p>
-            <a:pPr lvl="1"/>
-            <a:r>
-              <a:rPr lang="en-US" dirty="0" smtClean="0"/>
-              <a:t>Controlling Flash, Focus, etc…</a:t>
-            </a:r>
-          </a:p>
-          <a:p>
-            <a:pPr lvl="1"/>
-            <a:endParaRPr lang="en-US" dirty="0" smtClean="0"/>
-          </a:p>
-          <a:p>
-            <a:pPr lvl="1"/>
+              <a:t>Useful when dealing with time-intensive operations</a:t>
+            </a:r>
+          </a:p>
+          <a:p>
+            <a:pPr lvl="1"/>
+            <a:r>
+              <a:rPr lang="en-US" dirty="0" smtClean="0"/>
+              <a:t>Time-intensive: more than a few milliseconds!</a:t>
+            </a:r>
+          </a:p>
+          <a:p>
+            <a:pPr lvl="1"/>
+            <a:endParaRPr lang="en-US" dirty="0"/>
+          </a:p>
+          <a:p>
             <a:endParaRPr lang="en-US" dirty="0"/>
           </a:p>
         </p:txBody>
@@ -7652,13 +7706,20 @@
     </p:spTree>
     <p:extLst>
       <p:ext uri="{BB962C8B-B14F-4D97-AF65-F5344CB8AC3E}">
-        <p14:creationId xmlns:p14="http://schemas.microsoft.com/office/powerpoint/2010/main" val="3640123848"/>
+        <p14:creationId xmlns:p14="http://schemas.microsoft.com/office/powerpoint/2010/main" val="979759062"/>
       </p:ext>
     </p:extLst>
   </p:cSld>
   <p:clrMapOvr>
     <a:masterClrMapping/>
   </p:clrMapOvr>
+  <p:timing>
+    <p:tnLst>
+      <p:par>
+        <p:cTn xmlns:p14="http://schemas.microsoft.com/office/powerpoint/2010/main" id="1" dur="indefinite" restart="never" nodeType="tmRoot"/>
+      </p:par>
+    </p:tnLst>
+  </p:timing>
 </p:sld>
 </file>
 
@@ -7895,83 +7956,21 @@
             <p:ph idx="1"/>
           </p:nvPr>
         </p:nvSpPr>
-        <p:spPr>
-          <a:xfrm>
-            <a:off x="457200" y="1600200"/>
-            <a:ext cx="8229600" cy="4800600"/>
-          </a:xfrm>
-        </p:spPr>
-        <p:txBody>
-          <a:bodyPr>
-            <a:normAutofit/>
-          </a:bodyPr>
+        <p:spPr/>
+        <p:txBody>
+          <a:bodyPr/>
           <a:lstStyle/>
           <a:p>
             <a:r>
               <a:rPr lang="en-US" dirty="0" smtClean="0"/>
-              <a:t>We will make use of the </a:t>
-            </a:r>
-            <a:r>
-              <a:rPr lang="en-US" dirty="0" err="1" smtClean="0">
-                <a:solidFill>
-                  <a:srgbClr val="2B91AF"/>
-                </a:solidFill>
-                <a:highlight>
-                  <a:srgbClr val="FFFFFF"/>
-                </a:highlight>
-                <a:latin typeface="Consolas" panose="020B0609020204030204" pitchFamily="49" charset="0"/>
-              </a:rPr>
-              <a:t>PhotoCamera</a:t>
-            </a:r>
-            <a:r>
-              <a:rPr lang="en-US" dirty="0" smtClean="0"/>
-              <a:t> class</a:t>
-            </a:r>
-          </a:p>
-          <a:p>
-            <a:pPr lvl="1"/>
-            <a:r>
-              <a:rPr lang="en-US" dirty="0" smtClean="0"/>
-              <a:t>Gives us a </a:t>
-            </a:r>
-            <a:r>
-              <a:rPr lang="en-US" dirty="0" err="1" smtClean="0">
-                <a:solidFill>
-                  <a:srgbClr val="000000"/>
-                </a:solidFill>
-                <a:highlight>
-                  <a:srgbClr val="FFFFFF"/>
-                </a:highlight>
-                <a:latin typeface="Consolas" panose="020B0609020204030204" pitchFamily="49" charset="0"/>
-              </a:rPr>
-              <a:t>CaptureImageAvailable</a:t>
-            </a:r>
-            <a:r>
-              <a:rPr lang="en-US" dirty="0" smtClean="0"/>
-              <a:t> event we can subscribe to</a:t>
-            </a:r>
-          </a:p>
-          <a:p>
-            <a:pPr lvl="1"/>
-            <a:r>
-              <a:rPr lang="en-US" dirty="0" smtClean="0"/>
-              <a:t>Offers a </a:t>
-            </a:r>
-            <a:r>
-              <a:rPr lang="en-US" dirty="0" err="1">
-                <a:solidFill>
-                  <a:srgbClr val="000000"/>
-                </a:solidFill>
-                <a:highlight>
-                  <a:srgbClr val="FFFFFF"/>
-                </a:highlight>
-                <a:latin typeface="Consolas" panose="020B0609020204030204" pitchFamily="49" charset="0"/>
-              </a:rPr>
-              <a:t>CaptureImage</a:t>
-            </a:r>
-            <a:r>
-              <a:rPr lang="en-US" dirty="0" smtClean="0"/>
-              <a:t> method we can call to take the picture</a:t>
+              <a:t>We’re going to study the absolute basics today</a:t>
+            </a:r>
+          </a:p>
+          <a:p>
+            <a:pPr lvl="1"/>
+            <a:r>
+              <a:rPr lang="en-US" dirty="0" smtClean="0"/>
+              <a:t>We’ll follow up with a much more thorough treatment next week</a:t>
             </a:r>
           </a:p>
           <a:p>
@@ -7981,300 +7980,96 @@
           <a:p>
             <a:r>
               <a:rPr lang="en-US" dirty="0" smtClean="0"/>
-              <a:t>That event, triggered after calling </a:t>
-            </a:r>
-            <a:r>
-              <a:rPr lang="en-US" dirty="0" err="1" smtClean="0">
-                <a:solidFill>
-                  <a:srgbClr val="000000"/>
-                </a:solidFill>
-                <a:highlight>
-                  <a:srgbClr val="FFFFFF"/>
-                </a:highlight>
-                <a:latin typeface="Consolas" panose="020B0609020204030204" pitchFamily="49" charset="0"/>
-              </a:rPr>
-              <a:t>CaptureImage</a:t>
-            </a:r>
-            <a:r>
-              <a:rPr lang="en-US" dirty="0" smtClean="0">
-                <a:solidFill>
-                  <a:srgbClr val="7F7F7F"/>
-                </a:solidFill>
-                <a:highlight>
-                  <a:srgbClr val="FFFFFF"/>
-                </a:highlight>
-                <a:latin typeface="Century Gothic" panose="020B0502020202020204" pitchFamily="34" charset="0"/>
-              </a:rPr>
-              <a:t>, gives us a </a:t>
-            </a:r>
-            <a:r>
-              <a:rPr lang="en-US" dirty="0" smtClean="0">
-                <a:solidFill>
-                  <a:srgbClr val="2B91AF"/>
-                </a:solidFill>
-                <a:highlight>
-                  <a:srgbClr val="FFFFFF"/>
-                </a:highlight>
-                <a:latin typeface="Consolas" panose="020B0609020204030204" pitchFamily="49" charset="0"/>
-              </a:rPr>
-              <a:t>Stream</a:t>
-            </a:r>
-            <a:r>
-              <a:rPr lang="en-US" dirty="0">
-                <a:solidFill>
-                  <a:srgbClr val="7F7F7F"/>
-                </a:solidFill>
-                <a:highlight>
-                  <a:srgbClr val="FFFFFF"/>
-                </a:highlight>
-                <a:latin typeface="Century Gothic" panose="020B0502020202020204" pitchFamily="34" charset="0"/>
-              </a:rPr>
-              <a:t> </a:t>
-            </a:r>
-            <a:r>
-              <a:rPr lang="en-US" dirty="0" smtClean="0">
-                <a:solidFill>
-                  <a:srgbClr val="7F7F7F"/>
-                </a:solidFill>
-                <a:highlight>
-                  <a:srgbClr val="FFFFFF"/>
-                </a:highlight>
-                <a:latin typeface="Century Gothic" panose="020B0502020202020204" pitchFamily="34" charset="0"/>
-              </a:rPr>
-              <a:t>full of image data</a:t>
-            </a:r>
-          </a:p>
-          <a:p>
-            <a:pPr lvl="1"/>
-            <a:r>
-              <a:rPr lang="en-US" dirty="0" smtClean="0">
-                <a:solidFill>
-                  <a:srgbClr val="7F7F7F"/>
-                </a:solidFill>
-                <a:highlight>
-                  <a:srgbClr val="FFFFFF"/>
-                </a:highlight>
-                <a:latin typeface="Century Gothic" panose="020B0502020202020204" pitchFamily="34" charset="0"/>
-              </a:rPr>
-              <a:t>Streams are Microsoft’s memory I/O interfaces</a:t>
-            </a:r>
-          </a:p>
-          <a:p>
-            <a:pPr lvl="2"/>
-            <a:r>
-              <a:rPr lang="en-US" dirty="0" smtClean="0">
-                <a:solidFill>
-                  <a:srgbClr val="7F7F7F"/>
-                </a:solidFill>
-                <a:highlight>
-                  <a:srgbClr val="FFFFFF"/>
-                </a:highlight>
-                <a:latin typeface="Century Gothic" panose="020B0502020202020204" pitchFamily="34" charset="0"/>
-              </a:rPr>
-              <a:t>Examples include </a:t>
-            </a:r>
-            <a:r>
-              <a:rPr lang="en-US" dirty="0" err="1" smtClean="0">
-                <a:solidFill>
-                  <a:srgbClr val="2B91AF"/>
-                </a:solidFill>
-                <a:highlight>
-                  <a:srgbClr val="FFFFFF"/>
-                </a:highlight>
-                <a:latin typeface="Consolas" panose="020B0609020204030204" pitchFamily="49" charset="0"/>
-              </a:rPr>
-              <a:t>FileStream</a:t>
-            </a:r>
-            <a:r>
-              <a:rPr lang="en-US" dirty="0" smtClean="0">
-                <a:solidFill>
-                  <a:srgbClr val="7F7F7F"/>
-                </a:solidFill>
-                <a:highlight>
-                  <a:srgbClr val="FFFFFF"/>
-                </a:highlight>
-                <a:latin typeface="Century Gothic" panose="020B0502020202020204" pitchFamily="34" charset="0"/>
-              </a:rPr>
-              <a:t>, </a:t>
-            </a:r>
-            <a:r>
-              <a:rPr lang="en-US" dirty="0" err="1" smtClean="0">
-                <a:solidFill>
-                  <a:srgbClr val="2B91AF"/>
-                </a:solidFill>
-                <a:highlight>
-                  <a:srgbClr val="FFFFFF"/>
-                </a:highlight>
-                <a:latin typeface="Consolas" panose="020B0609020204030204" pitchFamily="49" charset="0"/>
-              </a:rPr>
-              <a:t>MemoryStream</a:t>
-            </a:r>
-            <a:r>
-              <a:rPr lang="en-US" dirty="0">
-                <a:solidFill>
-                  <a:srgbClr val="7F7F7F"/>
-                </a:solidFill>
-                <a:highlight>
-                  <a:srgbClr val="FFFFFF"/>
-                </a:highlight>
-                <a:latin typeface="Century Gothic" panose="020B0502020202020204" pitchFamily="34" charset="0"/>
-              </a:rPr>
-              <a:t>, </a:t>
-            </a:r>
-            <a:r>
-              <a:rPr lang="en-US" dirty="0" err="1" smtClean="0">
-                <a:solidFill>
-                  <a:srgbClr val="2B91AF"/>
-                </a:solidFill>
-                <a:highlight>
-                  <a:srgbClr val="FFFFFF"/>
-                </a:highlight>
-                <a:latin typeface="Consolas" panose="020B0609020204030204" pitchFamily="49" charset="0"/>
-              </a:rPr>
-              <a:t>NetworkStream</a:t>
-            </a:r>
-            <a:r>
-              <a:rPr lang="en-US" dirty="0" smtClean="0">
-                <a:solidFill>
-                  <a:srgbClr val="7F7F7F"/>
-                </a:solidFill>
-                <a:highlight>
-                  <a:srgbClr val="FFFFFF"/>
-                </a:highlight>
-                <a:latin typeface="Century Gothic" panose="020B0502020202020204" pitchFamily="34" charset="0"/>
-              </a:rPr>
-              <a:t>, etc.</a:t>
-            </a:r>
-          </a:p>
-          <a:p>
-            <a:pPr lvl="1"/>
-            <a:r>
-              <a:rPr lang="en-US" dirty="0" smtClean="0"/>
-              <a:t>We can pipe the </a:t>
-            </a:r>
-            <a:r>
-              <a:rPr lang="en-US" dirty="0" smtClean="0">
-                <a:solidFill>
-                  <a:srgbClr val="2B91AF"/>
-                </a:solidFill>
-                <a:highlight>
-                  <a:srgbClr val="FFFFFF"/>
-                </a:highlight>
-                <a:latin typeface="Consolas" panose="020B0609020204030204" pitchFamily="49" charset="0"/>
-              </a:rPr>
-              <a:t>Stream</a:t>
-            </a:r>
-            <a:r>
-              <a:rPr lang="en-US" dirty="0" smtClean="0"/>
-              <a:t> into a </a:t>
-            </a:r>
-            <a:r>
-              <a:rPr lang="en-US" dirty="0" err="1" smtClean="0">
-                <a:solidFill>
-                  <a:srgbClr val="2B91AF"/>
-                </a:solidFill>
-                <a:highlight>
-                  <a:srgbClr val="FFFFFF"/>
-                </a:highlight>
-                <a:latin typeface="Consolas" panose="020B0609020204030204" pitchFamily="49" charset="0"/>
-              </a:rPr>
-              <a:t>BitmapImage</a:t>
-            </a:r>
-            <a:r>
-              <a:rPr lang="en-US" dirty="0" smtClean="0"/>
-              <a:t>, which we can feed to XAML</a:t>
-            </a:r>
-          </a:p>
-          <a:p>
-            <a:pPr lvl="1"/>
-            <a:r>
-              <a:rPr lang="en-US" dirty="0" smtClean="0"/>
-              <a:t>The XAML element we’ll be using is called, (surprise surprise) </a:t>
-            </a:r>
-            <a:r>
-              <a:rPr lang="en-US" dirty="0" smtClean="0">
-                <a:solidFill>
-                  <a:srgbClr val="A31515"/>
-                </a:solidFill>
-                <a:highlight>
-                  <a:srgbClr val="FFFFFF"/>
-                </a:highlight>
-                <a:latin typeface="Consolas" panose="020B0609020204030204" pitchFamily="49" charset="0"/>
-              </a:rPr>
-              <a:t>Image</a:t>
-            </a:r>
-          </a:p>
-          <a:p>
-            <a:pPr lvl="2"/>
-            <a:endParaRPr lang="en-US" dirty="0" smtClean="0">
-              <a:solidFill>
-                <a:srgbClr val="A31515"/>
-              </a:solidFill>
-              <a:highlight>
-                <a:srgbClr val="FFFFFF"/>
-              </a:highlight>
-              <a:latin typeface="Consolas" panose="020B0609020204030204" pitchFamily="49" charset="0"/>
-            </a:endParaRPr>
-          </a:p>
-          <a:p>
-            <a:r>
-              <a:rPr lang="en-US" dirty="0" smtClean="0"/>
-              <a:t>This all must happen after Initialization, of course</a:t>
-            </a:r>
-            <a:endParaRPr lang="en-US" dirty="0" smtClean="0">
-              <a:solidFill>
-                <a:srgbClr val="A31515"/>
-              </a:solidFill>
-              <a:highlight>
-                <a:srgbClr val="FFFFFF"/>
-              </a:highlight>
-              <a:latin typeface="Consolas" panose="020B0609020204030204" pitchFamily="49" charset="0"/>
-            </a:endParaRPr>
-          </a:p>
-          <a:p>
-            <a:pPr lvl="1"/>
-            <a:r>
-              <a:rPr lang="en-US" dirty="0" smtClean="0">
-                <a:highlight>
-                  <a:srgbClr val="FFFFFF"/>
-                </a:highlight>
-              </a:rPr>
-              <a:t>To initialize properly, we must use a </a:t>
-            </a:r>
-            <a:r>
-              <a:rPr lang="en-US" dirty="0" err="1">
-                <a:solidFill>
-                  <a:srgbClr val="2B91AF"/>
-                </a:solidFill>
-                <a:highlight>
-                  <a:srgbClr val="FFFFFF"/>
-                </a:highlight>
-                <a:latin typeface="Consolas" panose="020B0609020204030204" pitchFamily="49" charset="0"/>
-              </a:rPr>
-              <a:t>VideoBrush</a:t>
-            </a:r>
-            <a:endParaRPr lang="en-US" dirty="0">
-              <a:solidFill>
-                <a:srgbClr val="A31515"/>
-              </a:solidFill>
-              <a:highlight>
-                <a:srgbClr val="FFFFFF"/>
-              </a:highlight>
-              <a:latin typeface="Consolas" panose="020B0609020204030204" pitchFamily="49" charset="0"/>
-            </a:endParaRPr>
+              <a:t>At the end of this section, you will be able to</a:t>
+            </a:r>
+          </a:p>
+          <a:p>
+            <a:pPr lvl="1"/>
+            <a:r>
+              <a:rPr lang="en-US" dirty="0" smtClean="0"/>
+              <a:t>Take a photo</a:t>
+            </a:r>
+          </a:p>
+          <a:p>
+            <a:pPr lvl="1"/>
+            <a:r>
+              <a:rPr lang="en-US" dirty="0" smtClean="0"/>
+              <a:t>Display it to the user</a:t>
+            </a:r>
+          </a:p>
+          <a:p>
+            <a:pPr lvl="1"/>
+            <a:r>
+              <a:rPr lang="en-US" dirty="0" smtClean="0"/>
+              <a:t>Save it to the photo library</a:t>
+            </a:r>
+          </a:p>
+          <a:p>
+            <a:pPr lvl="1"/>
+            <a:endParaRPr lang="en-US" dirty="0"/>
+          </a:p>
+          <a:p>
+            <a:r>
+              <a:rPr lang="en-US" dirty="0" smtClean="0"/>
+              <a:t>Next week we’ll learn all the </a:t>
+            </a:r>
+            <a:r>
+              <a:rPr lang="en-US" dirty="0" err="1" smtClean="0"/>
+              <a:t>nitty</a:t>
+            </a:r>
+            <a:r>
+              <a:rPr lang="en-US" dirty="0" smtClean="0"/>
+              <a:t> gritty</a:t>
+            </a:r>
+          </a:p>
+          <a:p>
+            <a:pPr lvl="1"/>
+            <a:r>
+              <a:rPr lang="en-US" dirty="0" smtClean="0"/>
+              <a:t>Hooking up a viewfinder</a:t>
+            </a:r>
+          </a:p>
+          <a:p>
+            <a:pPr lvl="1"/>
+            <a:r>
+              <a:rPr lang="en-US" dirty="0" smtClean="0"/>
+              <a:t>Being able to process the preview buffer</a:t>
+            </a:r>
+          </a:p>
+          <a:p>
+            <a:pPr lvl="1"/>
+            <a:r>
+              <a:rPr lang="en-US" dirty="0" smtClean="0"/>
+              <a:t>Controlling Flash, Focus, etc…</a:t>
+            </a:r>
+          </a:p>
+          <a:p>
+            <a:pPr lvl="1"/>
+            <a:endParaRPr lang="en-US" dirty="0" smtClean="0"/>
+          </a:p>
+          <a:p>
+            <a:pPr lvl="1"/>
+            <a:endParaRPr lang="en-US" dirty="0"/>
           </a:p>
         </p:txBody>
       </p:sp>
     </p:spTree>
     <p:extLst>
       <p:ext uri="{BB962C8B-B14F-4D97-AF65-F5344CB8AC3E}">
-        <p14:creationId xmlns:p14="http://schemas.microsoft.com/office/powerpoint/2010/main" val="2377646549"/>
+        <p14:creationId xmlns:p14="http://schemas.microsoft.com/office/powerpoint/2010/main" val="3640123848"/>
       </p:ext>
     </p:extLst>
   </p:cSld>
   <p:clrMapOvr>
     <a:masterClrMapping/>
   </p:clrMapOvr>
+  <p:timing>
+    <p:tnLst>
+      <p:par>
+        <p:cTn xmlns:p14="http://schemas.microsoft.com/office/powerpoint/2010/main" id="1" dur="indefinite" restart="never" nodeType="tmRoot"/>
+      </p:par>
+    </p:tnLst>
+  </p:timing>
 </p:sld>
 </file>
 
@@ -8312,7 +8107,7 @@
           <a:p>
             <a:r>
               <a:rPr lang="en-US" dirty="0" smtClean="0"/>
-              <a:t>Camera Initialization</a:t>
+              <a:t>Image Capture</a:t>
             </a:r>
             <a:endParaRPr lang="en-US" dirty="0"/>
           </a:p>
@@ -8328,20 +8123,121 @@
             <p:ph idx="1"/>
           </p:nvPr>
         </p:nvSpPr>
-        <p:spPr/>
+        <p:spPr>
+          <a:xfrm>
+            <a:off x="457200" y="1600200"/>
+            <a:ext cx="8229600" cy="4800600"/>
+          </a:xfrm>
+        </p:spPr>
         <p:txBody>
           <a:bodyPr>
-            <a:normAutofit lnSpcReduction="10000"/>
+            <a:normAutofit/>
           </a:bodyPr>
           <a:lstStyle/>
           <a:p>
             <a:r>
-              <a:rPr lang="en-US" dirty="0"/>
-              <a:t>Create a </a:t>
+              <a:rPr lang="en-US" dirty="0" smtClean="0"/>
+              <a:t>We will make use of the </a:t>
+            </a:r>
+            <a:r>
+              <a:rPr lang="en-US" dirty="0" err="1" smtClean="0">
+                <a:solidFill>
+                  <a:srgbClr val="2B91AF"/>
+                </a:solidFill>
+                <a:highlight>
+                  <a:srgbClr val="FFFFFF"/>
+                </a:highlight>
+                <a:latin typeface="Consolas" panose="020B0609020204030204" pitchFamily="49" charset="0"/>
+              </a:rPr>
+              <a:t>PhotoCamera</a:t>
+            </a:r>
+            <a:r>
+              <a:rPr lang="en-US" dirty="0" smtClean="0"/>
+              <a:t> class</a:t>
+            </a:r>
+          </a:p>
+          <a:p>
+            <a:pPr lvl="1"/>
+            <a:r>
+              <a:rPr lang="en-US" dirty="0" smtClean="0"/>
+              <a:t>Gives us a </a:t>
+            </a:r>
+            <a:r>
+              <a:rPr lang="en-US" dirty="0" err="1" smtClean="0">
+                <a:solidFill>
+                  <a:srgbClr val="000000"/>
+                </a:solidFill>
+                <a:highlight>
+                  <a:srgbClr val="FFFFFF"/>
+                </a:highlight>
+                <a:latin typeface="Consolas" panose="020B0609020204030204" pitchFamily="49" charset="0"/>
+              </a:rPr>
+              <a:t>CaptureImageAvailable</a:t>
+            </a:r>
+            <a:r>
+              <a:rPr lang="en-US" dirty="0" smtClean="0"/>
+              <a:t> event we can subscribe to</a:t>
+            </a:r>
+          </a:p>
+          <a:p>
+            <a:pPr lvl="1"/>
+            <a:r>
+              <a:rPr lang="en-US" dirty="0" smtClean="0"/>
+              <a:t>Offers a </a:t>
             </a:r>
             <a:r>
               <a:rPr lang="en-US" dirty="0" err="1">
                 <a:solidFill>
+                  <a:srgbClr val="000000"/>
+                </a:solidFill>
+                <a:highlight>
+                  <a:srgbClr val="FFFFFF"/>
+                </a:highlight>
+                <a:latin typeface="Consolas" panose="020B0609020204030204" pitchFamily="49" charset="0"/>
+              </a:rPr>
+              <a:t>CaptureImage</a:t>
+            </a:r>
+            <a:r>
+              <a:rPr lang="en-US" dirty="0" smtClean="0"/>
+              <a:t> method we can call to take the picture</a:t>
+            </a:r>
+          </a:p>
+          <a:p>
+            <a:pPr lvl="1"/>
+            <a:endParaRPr lang="en-US" dirty="0"/>
+          </a:p>
+          <a:p>
+            <a:r>
+              <a:rPr lang="en-US" dirty="0" smtClean="0"/>
+              <a:t>That event, triggered after calling </a:t>
+            </a:r>
+            <a:r>
+              <a:rPr lang="en-US" dirty="0" err="1" smtClean="0">
+                <a:solidFill>
+                  <a:srgbClr val="000000"/>
+                </a:solidFill>
+                <a:highlight>
+                  <a:srgbClr val="FFFFFF"/>
+                </a:highlight>
+                <a:latin typeface="Consolas" panose="020B0609020204030204" pitchFamily="49" charset="0"/>
+              </a:rPr>
+              <a:t>CaptureImage</a:t>
+            </a:r>
+            <a:r>
+              <a:rPr lang="en-US" dirty="0" smtClean="0">
+                <a:solidFill>
+                  <a:srgbClr val="7F7F7F"/>
+                </a:solidFill>
+                <a:highlight>
+                  <a:srgbClr val="FFFFFF"/>
+                </a:highlight>
+                <a:latin typeface="Century Gothic" panose="020B0502020202020204" pitchFamily="34" charset="0"/>
+              </a:rPr>
+              <a:t>, gives us a </a:t>
+            </a:r>
+            <a:r>
+              <a:rPr lang="en-US" dirty="0" smtClean="0">
+                <a:solidFill>
                   <a:srgbClr val="2B91AF"/>
                 </a:solidFill>
                 <a:highlight>
@@ -8349,72 +8245,64 @@
                 </a:highlight>
                 <a:latin typeface="Consolas" panose="020B0609020204030204" pitchFamily="49" charset="0"/>
               </a:rPr>
-              <a:t>PhotoCamera</a:t>
+              <a:t>Stream</a:t>
             </a:r>
             <a:r>
               <a:rPr lang="en-US" dirty="0">
-                <a:highlight>
-                  <a:srgbClr val="FFFFFF"/>
-                </a:highlight>
-              </a:rPr>
-              <a:t> that uses the back camera</a:t>
-            </a:r>
-            <a:endParaRPr lang="en-US" dirty="0"/>
-          </a:p>
-          <a:p>
-            <a:pPr marL="0" indent="0">
-              <a:buNone/>
-            </a:pPr>
-            <a:r>
-              <a:rPr lang="en-US" sz="1600" dirty="0" smtClean="0">
-                <a:solidFill>
-                  <a:srgbClr val="000000"/>
-                </a:solidFill>
-                <a:highlight>
-                  <a:srgbClr val="FFFFFF"/>
-                </a:highlight>
-                <a:latin typeface="Consolas" panose="020B0609020204030204" pitchFamily="49" charset="0"/>
-              </a:rPr>
-              <a:t>   cam </a:t>
-            </a:r>
-            <a:r>
-              <a:rPr lang="en-US" sz="1600" dirty="0">
-                <a:solidFill>
-                  <a:srgbClr val="000000"/>
-                </a:solidFill>
-                <a:highlight>
-                  <a:srgbClr val="FFFFFF"/>
-                </a:highlight>
-                <a:latin typeface="Consolas" panose="020B0609020204030204" pitchFamily="49" charset="0"/>
-              </a:rPr>
-              <a:t>= </a:t>
-            </a:r>
-            <a:r>
-              <a:rPr lang="en-US" sz="1600" dirty="0">
-                <a:solidFill>
-                  <a:srgbClr val="0000FF"/>
-                </a:solidFill>
-                <a:highlight>
-                  <a:srgbClr val="FFFFFF"/>
-                </a:highlight>
-                <a:latin typeface="Consolas" panose="020B0609020204030204" pitchFamily="49" charset="0"/>
-              </a:rPr>
-              <a:t>new</a:t>
-            </a:r>
-            <a:r>
-              <a:rPr lang="en-US" sz="1600" dirty="0">
-                <a:solidFill>
-                  <a:srgbClr val="000000"/>
-                </a:solidFill>
-                <a:highlight>
-                  <a:srgbClr val="FFFFFF"/>
-                </a:highlight>
-                <a:latin typeface="Consolas" panose="020B0609020204030204" pitchFamily="49" charset="0"/>
+                <a:solidFill>
+                  <a:srgbClr val="7F7F7F"/>
+                </a:solidFill>
+                <a:highlight>
+                  <a:srgbClr val="FFFFFF"/>
+                </a:highlight>
+                <a:latin typeface="Century Gothic" panose="020B0502020202020204" pitchFamily="34" charset="0"/>
               </a:rPr>
               <a:t> </a:t>
             </a:r>
             <a:r>
-              <a:rPr lang="en-US" sz="1600" dirty="0" err="1" smtClean="0">
+              <a:rPr lang="en-US" dirty="0" smtClean="0">
+                <a:solidFill>
+                  <a:srgbClr val="7F7F7F"/>
+                </a:solidFill>
+                <a:highlight>
+                  <a:srgbClr val="FFFFFF"/>
+                </a:highlight>
+                <a:latin typeface="Century Gothic" panose="020B0502020202020204" pitchFamily="34" charset="0"/>
+              </a:rPr>
+              <a:t>full of image data</a:t>
+            </a:r>
+          </a:p>
+          <a:p>
+            <a:pPr lvl="1"/>
+            <a:r>
+              <a:rPr lang="en-US" dirty="0" smtClean="0">
+                <a:solidFill>
+                  <a:srgbClr val="7F7F7F"/>
+                </a:solidFill>
+                <a:highlight>
+                  <a:srgbClr val="FFFFFF"/>
+                </a:highlight>
+                <a:latin typeface="Century Gothic" panose="020B0502020202020204" pitchFamily="34" charset="0"/>
+              </a:rPr>
+              <a:t>Streams are Microsoft’s memory I/O interfaces</a:t>
+            </a:r>
+          </a:p>
+          <a:p>
+            <a:pPr lvl="2"/>
+            <a:r>
+              <a:rPr lang="en-US" dirty="0" smtClean="0">
+                <a:solidFill>
+                  <a:srgbClr val="7F7F7F"/>
+                </a:solidFill>
+                <a:highlight>
+                  <a:srgbClr val="FFFFFF"/>
+                </a:highlight>
+                <a:latin typeface="Century Gothic" panose="020B0502020202020204" pitchFamily="34" charset="0"/>
+              </a:rPr>
+              <a:t>Examples include </a:t>
+            </a:r>
+            <a:r>
+              <a:rPr lang="en-US" dirty="0" err="1" smtClean="0">
                 <a:solidFill>
                   <a:srgbClr val="2B91AF"/>
                 </a:solidFill>
@@ -8423,22 +8311,22 @@
                 </a:highlight>
                 <a:latin typeface="Consolas" panose="020B0609020204030204" pitchFamily="49" charset="0"/>
               </a:rPr>
-              <a:t>PhotoCamera</a:t>
-            </a:r>
-            <a:r>
-              <a:rPr lang="en-US" sz="1600" dirty="0" smtClean="0">
-                <a:solidFill>
-                  <a:srgbClr val="000000"/>
-                </a:solidFill>
-                <a:highlight>
-                  <a:srgbClr val="FFFFFF"/>
-                </a:highlight>
-                <a:latin typeface="Consolas" panose="020B0609020204030204" pitchFamily="49" charset="0"/>
-              </a:rPr>
-              <a:t>(</a:t>
-            </a:r>
-            <a:r>
-              <a:rPr lang="en-US" sz="1600" dirty="0" err="1" smtClean="0">
+              <a:t>FileStream</a:t>
+            </a:r>
+            <a:r>
+              <a:rPr lang="en-US" dirty="0" smtClean="0">
+                <a:solidFill>
+                  <a:srgbClr val="7F7F7F"/>
+                </a:solidFill>
+                <a:highlight>
+                  <a:srgbClr val="FFFFFF"/>
+                </a:highlight>
+                <a:latin typeface="Century Gothic" panose="020B0502020202020204" pitchFamily="34" charset="0"/>
+              </a:rPr>
+              <a:t>, </a:t>
+            </a:r>
+            <a:r>
+              <a:rPr lang="en-US" dirty="0" err="1" smtClean="0">
                 <a:solidFill>
                   <a:srgbClr val="2B91AF"/>
                 </a:solidFill>
@@ -8447,35 +8335,108 @@
                 </a:highlight>
                 <a:latin typeface="Consolas" panose="020B0609020204030204" pitchFamily="49" charset="0"/>
               </a:rPr>
-              <a:t>CameraType</a:t>
-            </a:r>
-            <a:r>
-              <a:rPr lang="en-US" sz="1600" dirty="0" err="1" smtClean="0">
-                <a:solidFill>
-                  <a:srgbClr val="000000"/>
-                </a:solidFill>
-                <a:highlight>
-                  <a:srgbClr val="FFFFFF"/>
-                </a:highlight>
-                <a:latin typeface="Consolas" panose="020B0609020204030204" pitchFamily="49" charset="0"/>
-              </a:rPr>
-              <a:t>.Primary</a:t>
-            </a:r>
-            <a:r>
-              <a:rPr lang="en-US" sz="1600" dirty="0" smtClean="0">
-                <a:solidFill>
-                  <a:srgbClr val="000000"/>
-                </a:solidFill>
-                <a:highlight>
-                  <a:srgbClr val="FFFFFF"/>
-                </a:highlight>
-                <a:latin typeface="Consolas" panose="020B0609020204030204" pitchFamily="49" charset="0"/>
-              </a:rPr>
-              <a:t>);</a:t>
-            </a:r>
-            <a:endParaRPr lang="en-US" sz="1600" dirty="0">
+              <a:t>MemoryStream</a:t>
+            </a:r>
+            <a:r>
+              <a:rPr lang="en-US" dirty="0">
+                <a:solidFill>
+                  <a:srgbClr val="7F7F7F"/>
+                </a:solidFill>
+                <a:highlight>
+                  <a:srgbClr val="FFFFFF"/>
+                </a:highlight>
+                <a:latin typeface="Century Gothic" panose="020B0502020202020204" pitchFamily="34" charset="0"/>
+              </a:rPr>
+              <a:t>, </a:t>
+            </a:r>
+            <a:r>
+              <a:rPr lang="en-US" dirty="0" err="1" smtClean="0">
+                <a:solidFill>
+                  <a:srgbClr val="2B91AF"/>
+                </a:solidFill>
+                <a:highlight>
+                  <a:srgbClr val="FFFFFF"/>
+                </a:highlight>
+                <a:latin typeface="Consolas" panose="020B0609020204030204" pitchFamily="49" charset="0"/>
+              </a:rPr>
+              <a:t>NetworkStream</a:t>
+            </a:r>
+            <a:r>
+              <a:rPr lang="en-US" dirty="0" smtClean="0">
+                <a:solidFill>
+                  <a:srgbClr val="7F7F7F"/>
+                </a:solidFill>
+                <a:highlight>
+                  <a:srgbClr val="FFFFFF"/>
+                </a:highlight>
+                <a:latin typeface="Century Gothic" panose="020B0502020202020204" pitchFamily="34" charset="0"/>
+              </a:rPr>
+              <a:t>, etc.</a:t>
+            </a:r>
+          </a:p>
+          <a:p>
+            <a:pPr lvl="1"/>
+            <a:r>
+              <a:rPr lang="en-US" dirty="0" smtClean="0"/>
+              <a:t>We can pipe the </a:t>
+            </a:r>
+            <a:r>
+              <a:rPr lang="en-US" dirty="0" smtClean="0">
+                <a:solidFill>
+                  <a:srgbClr val="2B91AF"/>
+                </a:solidFill>
+                <a:highlight>
+                  <a:srgbClr val="FFFFFF"/>
+                </a:highlight>
+                <a:latin typeface="Consolas" panose="020B0609020204030204" pitchFamily="49" charset="0"/>
+              </a:rPr>
+              <a:t>Stream</a:t>
+            </a:r>
+            <a:r>
+              <a:rPr lang="en-US" dirty="0" smtClean="0"/>
+              <a:t> into a </a:t>
+            </a:r>
+            <a:r>
+              <a:rPr lang="en-US" dirty="0" err="1" smtClean="0">
+                <a:solidFill>
+                  <a:srgbClr val="2B91AF"/>
+                </a:solidFill>
+                <a:highlight>
+                  <a:srgbClr val="FFFFFF"/>
+                </a:highlight>
+                <a:latin typeface="Consolas" panose="020B0609020204030204" pitchFamily="49" charset="0"/>
+              </a:rPr>
+              <a:t>BitmapImage</a:t>
+            </a:r>
+            <a:r>
+              <a:rPr lang="en-US" dirty="0" smtClean="0"/>
+              <a:t>, which we can feed to XAML</a:t>
+            </a:r>
+          </a:p>
+          <a:p>
+            <a:pPr lvl="1"/>
+            <a:r>
+              <a:rPr lang="en-US" dirty="0" smtClean="0"/>
+              <a:t>The XAML element we’ll be using is called, (surprise surprise) </a:t>
+            </a:r>
+            <a:r>
+              <a:rPr lang="en-US" dirty="0" smtClean="0">
+                <a:solidFill>
+                  <a:srgbClr val="A31515"/>
+                </a:solidFill>
+                <a:highlight>
+                  <a:srgbClr val="FFFFFF"/>
+                </a:highlight>
+                <a:latin typeface="Consolas" panose="020B0609020204030204" pitchFamily="49" charset="0"/>
+              </a:rPr>
+              <a:t>Image</a:t>
+            </a:r>
+          </a:p>
+          <a:p>
+            <a:pPr lvl="2"/>
+            <a:endParaRPr lang="en-US" dirty="0" smtClean="0">
               <a:solidFill>
-                <a:srgbClr val="000000"/>
+                <a:srgbClr val="A31515"/>
               </a:solidFill>
               <a:highlight>
                 <a:srgbClr val="FFFFFF"/>
@@ -8484,237 +8445,32 @@
             </a:endParaRPr>
           </a:p>
           <a:p>
-            <a:pPr lvl="1"/>
-            <a:endParaRPr lang="en-US" dirty="0" smtClean="0"/>
-          </a:p>
-          <a:p>
-            <a:r>
-              <a:rPr lang="en-US" dirty="0" smtClean="0"/>
-              <a:t>Subscribe to desired events</a:t>
-            </a:r>
-          </a:p>
-          <a:p>
-            <a:pPr lvl="1"/>
-            <a:r>
-              <a:rPr lang="en-US" dirty="0" smtClean="0"/>
-              <a:t>At least </a:t>
-            </a:r>
-            <a:r>
-              <a:rPr lang="en-US" dirty="0" smtClean="0">
-                <a:solidFill>
-                  <a:srgbClr val="000000"/>
-                </a:solidFill>
-                <a:highlight>
-                  <a:srgbClr val="FFFFFF"/>
-                </a:highlight>
-                <a:latin typeface="Consolas" panose="020B0609020204030204" pitchFamily="49" charset="0"/>
-              </a:rPr>
-              <a:t>Initialized</a:t>
-            </a:r>
-            <a:r>
-              <a:rPr lang="en-US" dirty="0" smtClean="0"/>
-              <a:t> and </a:t>
-            </a:r>
-            <a:r>
-              <a:rPr lang="en-US" dirty="0" err="1" smtClean="0">
-                <a:solidFill>
-                  <a:srgbClr val="000000"/>
-                </a:solidFill>
-                <a:highlight>
-                  <a:srgbClr val="FFFFFF"/>
-                </a:highlight>
-                <a:latin typeface="Consolas" panose="020B0609020204030204" pitchFamily="49" charset="0"/>
-              </a:rPr>
-              <a:t>CaptureImageAvailable</a:t>
-            </a:r>
-            <a:r>
-              <a:rPr lang="en-US" dirty="0" smtClean="0"/>
-              <a:t> recommended</a:t>
-            </a:r>
-          </a:p>
-          <a:p>
-            <a:pPr lvl="1"/>
-            <a:endParaRPr lang="en-US" dirty="0"/>
-          </a:p>
-          <a:p>
-            <a:r>
-              <a:rPr lang="en-US" dirty="0" smtClean="0"/>
-              <a:t>Create </a:t>
-            </a:r>
-            <a:r>
-              <a:rPr lang="en-US" dirty="0" err="1" smtClean="0">
-                <a:solidFill>
-                  <a:srgbClr val="2B91AF"/>
-                </a:solidFill>
-                <a:highlight>
-                  <a:srgbClr val="FFFFFF"/>
-                </a:highlight>
-                <a:latin typeface="Consolas" panose="020B0609020204030204" pitchFamily="49" charset="0"/>
-              </a:rPr>
-              <a:t>BitmapImage</a:t>
-            </a:r>
-            <a:r>
-              <a:rPr lang="en-US" dirty="0" smtClean="0"/>
-              <a:t> and </a:t>
-            </a:r>
-            <a:r>
-              <a:rPr lang="en-US" dirty="0" err="1">
-                <a:solidFill>
-                  <a:srgbClr val="2B91AF"/>
-                </a:solidFill>
-                <a:highlight>
-                  <a:srgbClr val="FFFFFF"/>
-                </a:highlight>
-                <a:latin typeface="Consolas" panose="020B0609020204030204" pitchFamily="49" charset="0"/>
-              </a:rPr>
-              <a:t>VideoBrush</a:t>
-            </a:r>
-            <a:endParaRPr lang="en-US" dirty="0" smtClean="0"/>
-          </a:p>
-          <a:p>
-            <a:pPr lvl="1"/>
-            <a:r>
-              <a:rPr lang="en-US" dirty="0" smtClean="0">
-                <a:highlight>
-                  <a:srgbClr val="FFFFFF"/>
-                </a:highlight>
-              </a:rPr>
-              <a:t>Hook </a:t>
-            </a:r>
-            <a:r>
-              <a:rPr lang="en-US" dirty="0" err="1">
-                <a:solidFill>
-                  <a:srgbClr val="2B91AF"/>
-                </a:solidFill>
-                <a:highlight>
-                  <a:srgbClr val="FFFFFF"/>
-                </a:highlight>
-                <a:latin typeface="Consolas" panose="020B0609020204030204" pitchFamily="49" charset="0"/>
-              </a:rPr>
-              <a:t>VideoBrush</a:t>
-            </a:r>
-            <a:r>
-              <a:rPr lang="en-US" dirty="0" smtClean="0">
-                <a:highlight>
-                  <a:srgbClr val="FFFFFF"/>
-                </a:highlight>
-              </a:rPr>
-              <a:t> up to the camera to initialize it (We MUST do this)</a:t>
-            </a:r>
-          </a:p>
-          <a:p>
-            <a:pPr lvl="1"/>
-            <a:r>
-              <a:rPr lang="en-US" dirty="0" smtClean="0">
-                <a:highlight>
-                  <a:srgbClr val="FFFFFF"/>
-                </a:highlight>
-              </a:rPr>
-              <a:t>Hook </a:t>
-            </a:r>
-            <a:r>
-              <a:rPr lang="en-US" dirty="0" err="1" smtClean="0">
-                <a:solidFill>
-                  <a:srgbClr val="2B91AF"/>
-                </a:solidFill>
-                <a:highlight>
-                  <a:srgbClr val="FFFFFF"/>
-                </a:highlight>
-                <a:latin typeface="Consolas" panose="020B0609020204030204" pitchFamily="49" charset="0"/>
-              </a:rPr>
-              <a:t>BitmapImage</a:t>
-            </a:r>
-            <a:r>
-              <a:rPr lang="en-US" dirty="0" smtClean="0">
-                <a:highlight>
-                  <a:srgbClr val="FFFFFF"/>
-                </a:highlight>
-              </a:rPr>
-              <a:t> up to the </a:t>
-            </a:r>
-            <a:r>
-              <a:rPr lang="en-US" dirty="0" smtClean="0">
-                <a:solidFill>
-                  <a:srgbClr val="A31515"/>
-                </a:solidFill>
-                <a:highlight>
-                  <a:srgbClr val="FFFFFF"/>
-                </a:highlight>
-                <a:latin typeface="Consolas" panose="020B0609020204030204" pitchFamily="49" charset="0"/>
-              </a:rPr>
-              <a:t>Image</a:t>
-            </a:r>
-            <a:r>
-              <a:rPr lang="en-US" dirty="0" smtClean="0">
-                <a:highlight>
-                  <a:srgbClr val="FFFFFF"/>
-                </a:highlight>
-              </a:rPr>
-              <a:t> XAML element so we can update it</a:t>
-            </a:r>
-          </a:p>
-          <a:p>
-            <a:pPr lvl="1"/>
+            <a:r>
+              <a:rPr lang="en-US" dirty="0" smtClean="0"/>
+              <a:t>This all must happen after Initialization, of course</a:t>
+            </a:r>
             <a:endParaRPr lang="en-US" dirty="0" smtClean="0">
+              <a:solidFill>
+                <a:srgbClr val="A31515"/>
+              </a:solidFill>
               <a:highlight>
                 <a:srgbClr val="FFFFFF"/>
               </a:highlight>
+              <a:latin typeface="Consolas" panose="020B0609020204030204" pitchFamily="49" charset="0"/>
             </a:endParaRPr>
           </a:p>
           <a:p>
-            <a:pPr marL="0" indent="0">
-              <a:buNone/>
-            </a:pPr>
-            <a:r>
-              <a:rPr lang="en-US" sz="1600" dirty="0" smtClean="0">
-                <a:solidFill>
-                  <a:srgbClr val="000000"/>
-                </a:solidFill>
-                <a:highlight>
-                  <a:srgbClr val="FFFFFF"/>
-                </a:highlight>
-                <a:latin typeface="Consolas" panose="020B0609020204030204" pitchFamily="49" charset="0"/>
-              </a:rPr>
-              <a:t>   bitmap </a:t>
-            </a:r>
-            <a:r>
-              <a:rPr lang="en-US" sz="1600" dirty="0">
-                <a:solidFill>
-                  <a:srgbClr val="000000"/>
-                </a:solidFill>
-                <a:highlight>
-                  <a:srgbClr val="FFFFFF"/>
-                </a:highlight>
-                <a:latin typeface="Consolas" panose="020B0609020204030204" pitchFamily="49" charset="0"/>
-              </a:rPr>
-              <a:t>= </a:t>
-            </a:r>
-            <a:r>
-              <a:rPr lang="en-US" sz="1600" dirty="0">
-                <a:solidFill>
-                  <a:srgbClr val="0000FF"/>
-                </a:solidFill>
-                <a:highlight>
-                  <a:srgbClr val="FFFFFF"/>
-                </a:highlight>
-                <a:latin typeface="Consolas" panose="020B0609020204030204" pitchFamily="49" charset="0"/>
-              </a:rPr>
-              <a:t>new</a:t>
-            </a:r>
-            <a:r>
-              <a:rPr lang="en-US" sz="1600" dirty="0">
-                <a:solidFill>
-                  <a:srgbClr val="000000"/>
-                </a:solidFill>
-                <a:highlight>
-                  <a:srgbClr val="FFFFFF"/>
-                </a:highlight>
-                <a:latin typeface="Consolas" panose="020B0609020204030204" pitchFamily="49" charset="0"/>
-              </a:rPr>
-              <a:t> </a:t>
-            </a:r>
-            <a:r>
-              <a:rPr lang="en-US" sz="1600" dirty="0" err="1">
+            <a:pPr lvl="1"/>
+            <a:r>
+              <a:rPr lang="en-US" dirty="0" smtClean="0">
+                <a:highlight>
+                  <a:srgbClr val="FFFFFF"/>
+                </a:highlight>
+              </a:rPr>
+              <a:t>To initialize properly, we must use a </a:t>
+            </a:r>
+            <a:r>
+              <a:rPr lang="en-US" dirty="0" err="1">
                 <a:solidFill>
                   <a:srgbClr val="2B91AF"/>
                 </a:solidFill>
@@ -8723,222 +8479,24 @@
                 </a:highlight>
                 <a:latin typeface="Consolas" panose="020B0609020204030204" pitchFamily="49" charset="0"/>
               </a:rPr>
-              <a:t>BitmapImage</a:t>
-            </a:r>
-            <a:r>
-              <a:rPr lang="en-US" sz="1600" dirty="0">
-                <a:solidFill>
-                  <a:srgbClr val="000000"/>
-                </a:solidFill>
-                <a:highlight>
-                  <a:srgbClr val="FFFFFF"/>
-                </a:highlight>
-                <a:latin typeface="Consolas" panose="020B0609020204030204" pitchFamily="49" charset="0"/>
-              </a:rPr>
-              <a:t>();</a:t>
-            </a:r>
-          </a:p>
-          <a:p>
-            <a:pPr marL="0" indent="0">
-              <a:buNone/>
-            </a:pPr>
-            <a:r>
-              <a:rPr lang="en-US" sz="1600" dirty="0" smtClean="0">
-                <a:solidFill>
-                  <a:srgbClr val="000000"/>
-                </a:solidFill>
-                <a:highlight>
-                  <a:srgbClr val="FFFFFF"/>
-                </a:highlight>
-                <a:latin typeface="Consolas" panose="020B0609020204030204" pitchFamily="49" charset="0"/>
-              </a:rPr>
-              <a:t>   brush </a:t>
-            </a:r>
-            <a:r>
-              <a:rPr lang="en-US" sz="1600" dirty="0">
-                <a:solidFill>
-                  <a:srgbClr val="000000"/>
-                </a:solidFill>
-                <a:highlight>
-                  <a:srgbClr val="FFFFFF"/>
-                </a:highlight>
-                <a:latin typeface="Consolas" panose="020B0609020204030204" pitchFamily="49" charset="0"/>
-              </a:rPr>
-              <a:t>= </a:t>
-            </a:r>
-            <a:r>
-              <a:rPr lang="en-US" sz="1600" dirty="0">
-                <a:solidFill>
-                  <a:srgbClr val="0000FF"/>
-                </a:solidFill>
-                <a:highlight>
-                  <a:srgbClr val="FFFFFF"/>
-                </a:highlight>
-                <a:latin typeface="Consolas" panose="020B0609020204030204" pitchFamily="49" charset="0"/>
-              </a:rPr>
-              <a:t>new</a:t>
-            </a:r>
-            <a:r>
-              <a:rPr lang="en-US" sz="1600" dirty="0">
-                <a:solidFill>
-                  <a:srgbClr val="000000"/>
-                </a:solidFill>
-                <a:highlight>
-                  <a:srgbClr val="FFFFFF"/>
-                </a:highlight>
-                <a:latin typeface="Consolas" panose="020B0609020204030204" pitchFamily="49" charset="0"/>
-              </a:rPr>
-              <a:t> </a:t>
-            </a:r>
-            <a:r>
-              <a:rPr lang="en-US" sz="1600" dirty="0" err="1">
-                <a:solidFill>
-                  <a:srgbClr val="2B91AF"/>
-                </a:solidFill>
-                <a:highlight>
-                  <a:srgbClr val="FFFFFF"/>
-                </a:highlight>
-                <a:latin typeface="Consolas" panose="020B0609020204030204" pitchFamily="49" charset="0"/>
-              </a:rPr>
               <a:t>VideoBrush</a:t>
             </a:r>
-            <a:r>
-              <a:rPr lang="en-US" sz="1600" dirty="0">
-                <a:solidFill>
-                  <a:srgbClr val="000000"/>
-                </a:solidFill>
-                <a:highlight>
-                  <a:srgbClr val="FFFFFF"/>
-                </a:highlight>
-                <a:latin typeface="Consolas" panose="020B0609020204030204" pitchFamily="49" charset="0"/>
-              </a:rPr>
-              <a:t>();</a:t>
-            </a:r>
-          </a:p>
-          <a:p>
-            <a:pPr marL="0" indent="0">
-              <a:buNone/>
-            </a:pPr>
-            <a:r>
-              <a:rPr lang="en-US" sz="1600" dirty="0" smtClean="0">
-                <a:solidFill>
-                  <a:srgbClr val="000000"/>
-                </a:solidFill>
-                <a:highlight>
-                  <a:srgbClr val="FFFFFF"/>
-                </a:highlight>
-                <a:latin typeface="Consolas" panose="020B0609020204030204" pitchFamily="49" charset="0"/>
-              </a:rPr>
-              <a:t>   </a:t>
-            </a:r>
-            <a:r>
-              <a:rPr lang="en-US" sz="1600" dirty="0" err="1" smtClean="0">
-                <a:solidFill>
-                  <a:srgbClr val="000000"/>
-                </a:solidFill>
-                <a:highlight>
-                  <a:srgbClr val="FFFFFF"/>
-                </a:highlight>
-                <a:latin typeface="Consolas" panose="020B0609020204030204" pitchFamily="49" charset="0"/>
-              </a:rPr>
-              <a:t>brush.SetSource</a:t>
-            </a:r>
-            <a:r>
-              <a:rPr lang="en-US" sz="1600" dirty="0" smtClean="0">
-                <a:solidFill>
-                  <a:srgbClr val="000000"/>
-                </a:solidFill>
-                <a:highlight>
-                  <a:srgbClr val="FFFFFF"/>
-                </a:highlight>
-                <a:latin typeface="Consolas" panose="020B0609020204030204" pitchFamily="49" charset="0"/>
-              </a:rPr>
-              <a:t>(cam</a:t>
-            </a:r>
-            <a:r>
-              <a:rPr lang="en-US" sz="1600" dirty="0">
-                <a:solidFill>
-                  <a:srgbClr val="000000"/>
-                </a:solidFill>
-                <a:highlight>
-                  <a:srgbClr val="FFFFFF"/>
-                </a:highlight>
-                <a:latin typeface="Consolas" panose="020B0609020204030204" pitchFamily="49" charset="0"/>
-              </a:rPr>
-              <a:t>);</a:t>
-            </a:r>
-          </a:p>
-          <a:p>
-            <a:pPr marL="0" indent="0">
-              <a:buNone/>
-            </a:pPr>
-            <a:r>
-              <a:rPr lang="en-US" sz="1600" dirty="0" smtClean="0">
-                <a:solidFill>
-                  <a:srgbClr val="000000"/>
-                </a:solidFill>
-                <a:highlight>
-                  <a:srgbClr val="FFFFFF"/>
-                </a:highlight>
-                <a:latin typeface="Consolas" panose="020B0609020204030204" pitchFamily="49" charset="0"/>
-              </a:rPr>
-              <a:t>   </a:t>
-            </a:r>
-            <a:r>
-              <a:rPr lang="en-US" sz="1600" dirty="0" err="1" smtClean="0">
-                <a:solidFill>
-                  <a:srgbClr val="000000"/>
-                </a:solidFill>
-                <a:highlight>
-                  <a:srgbClr val="FFFFFF"/>
-                </a:highlight>
-                <a:latin typeface="Consolas" panose="020B0609020204030204" pitchFamily="49" charset="0"/>
-              </a:rPr>
-              <a:t>xamlImage.Source</a:t>
-            </a:r>
-            <a:r>
-              <a:rPr lang="en-US" sz="1600" dirty="0" smtClean="0">
-                <a:solidFill>
-                  <a:srgbClr val="000000"/>
-                </a:solidFill>
-                <a:highlight>
-                  <a:srgbClr val="FFFFFF"/>
-                </a:highlight>
-                <a:latin typeface="Consolas" panose="020B0609020204030204" pitchFamily="49" charset="0"/>
-              </a:rPr>
-              <a:t> </a:t>
-            </a:r>
-            <a:r>
-              <a:rPr lang="en-US" sz="1600" dirty="0">
-                <a:solidFill>
-                  <a:srgbClr val="000000"/>
-                </a:solidFill>
-                <a:highlight>
-                  <a:srgbClr val="FFFFFF"/>
-                </a:highlight>
-                <a:latin typeface="Consolas" panose="020B0609020204030204" pitchFamily="49" charset="0"/>
-              </a:rPr>
-              <a:t>= bitmap</a:t>
-            </a:r>
-            <a:r>
-              <a:rPr lang="en-US" sz="1600" dirty="0" smtClean="0">
-                <a:solidFill>
-                  <a:srgbClr val="000000"/>
-                </a:solidFill>
-                <a:highlight>
-                  <a:srgbClr val="FFFFFF"/>
-                </a:highlight>
-                <a:latin typeface="Consolas" panose="020B0609020204030204" pitchFamily="49" charset="0"/>
-              </a:rPr>
-              <a:t>;</a:t>
-            </a:r>
+            <a:endParaRPr lang="en-US" dirty="0">
+              <a:solidFill>
+                <a:srgbClr val="A31515"/>
+              </a:solidFill>
+              <a:highlight>
+                <a:srgbClr val="FFFFFF"/>
+              </a:highlight>
+              <a:latin typeface="Consolas" panose="020B0609020204030204" pitchFamily="49" charset="0"/>
+            </a:endParaRPr>
           </a:p>
         </p:txBody>
       </p:sp>
     </p:spTree>
     <p:extLst>
       <p:ext uri="{BB962C8B-B14F-4D97-AF65-F5344CB8AC3E}">
-        <p14:creationId xmlns:p14="http://schemas.microsoft.com/office/powerpoint/2010/main" val="1552965858"/>
+        <p14:creationId xmlns:p14="http://schemas.microsoft.com/office/powerpoint/2010/main" val="2377646549"/>
       </p:ext>
     </p:extLst>
   </p:cSld>
@@ -8982,7 +8540,7 @@
           <a:p>
             <a:r>
               <a:rPr lang="en-US" dirty="0" smtClean="0"/>
-              <a:t>Image Capture</a:t>
+              <a:t>Camera Initialization</a:t>
             </a:r>
             <a:endParaRPr lang="en-US" dirty="0"/>
           </a:p>
@@ -9000,48 +8558,36 @@
         </p:nvSpPr>
         <p:spPr/>
         <p:txBody>
-          <a:bodyPr/>
+          <a:bodyPr>
+            <a:normAutofit lnSpcReduction="10000"/>
+          </a:bodyPr>
           <a:lstStyle/>
           <a:p>
             <a:r>
-              <a:rPr lang="en-US" dirty="0" smtClean="0"/>
-              <a:t>When our </a:t>
-            </a:r>
-            <a:r>
-              <a:rPr lang="en-US" dirty="0" err="1" smtClean="0">
-                <a:solidFill>
-                  <a:srgbClr val="000000"/>
-                </a:solidFill>
-                <a:highlight>
-                  <a:srgbClr val="FFFFFF"/>
-                </a:highlight>
-                <a:latin typeface="Consolas" panose="020B0609020204030204" pitchFamily="49" charset="0"/>
-              </a:rPr>
-              <a:t>CaptureImageAvailable</a:t>
-            </a:r>
-            <a:r>
-              <a:rPr lang="en-US" dirty="0" smtClean="0"/>
-              <a:t> event is called</a:t>
-            </a:r>
-          </a:p>
-          <a:p>
-            <a:pPr lvl="1"/>
-            <a:r>
-              <a:rPr lang="en-US" dirty="0" smtClean="0"/>
-              <a:t>Just update our Bitmaps “source”</a:t>
-            </a:r>
-          </a:p>
-          <a:p>
-            <a:pPr lvl="1"/>
-            <a:endParaRPr lang="en-US" dirty="0" smtClean="0">
-              <a:solidFill>
-                <a:srgbClr val="000000"/>
-              </a:solidFill>
-              <a:highlight>
-                <a:srgbClr val="FFFFFF"/>
-              </a:highlight>
-              <a:latin typeface="Consolas" panose="020B0609020204030204" pitchFamily="49" charset="0"/>
-            </a:endParaRPr>
+              <a:rPr lang="en-US" dirty="0"/>
+              <a:t>Create a </a:t>
+            </a:r>
+            <a:r>
+              <a:rPr lang="en-US" dirty="0" err="1">
+                <a:solidFill>
+                  <a:srgbClr val="2B91AF"/>
+                </a:solidFill>
+                <a:highlight>
+                  <a:srgbClr val="FFFFFF"/>
+                </a:highlight>
+                <a:latin typeface="Consolas" panose="020B0609020204030204" pitchFamily="49" charset="0"/>
+              </a:rPr>
+              <a:t>PhotoCamera</a:t>
+            </a:r>
+            <a:r>
+              <a:rPr lang="en-US" dirty="0">
+                <a:highlight>
+                  <a:srgbClr val="FFFFFF"/>
+                </a:highlight>
+              </a:rPr>
+              <a:t> that uses the back camera</a:t>
+            </a:r>
+            <a:endParaRPr lang="en-US" dirty="0"/>
           </a:p>
           <a:p>
             <a:pPr marL="0" indent="0">
@@ -9057,11 +8603,59 @@
                 </a:highlight>
                 <a:latin typeface="Consolas" panose="020B0609020204030204" pitchFamily="49" charset="0"/>
               </a:rPr>
-              <a:t>    </a:t>
+              <a:t>   cam </a:t>
+            </a:r>
+            <a:r>
+              <a:rPr lang="en-US" sz="1600" dirty="0">
+                <a:solidFill>
+                  <a:srgbClr val="000000"/>
+                </a:solidFill>
+                <a:highlight>
+                  <a:srgbClr val="FFFFFF"/>
+                </a:highlight>
+                <a:latin typeface="Consolas" panose="020B0609020204030204" pitchFamily="49" charset="0"/>
+              </a:rPr>
+              <a:t>= </a:t>
+            </a:r>
+            <a:r>
+              <a:rPr lang="en-US" sz="1600" dirty="0">
+                <a:solidFill>
+                  <a:srgbClr val="0000FF"/>
+                </a:solidFill>
+                <a:highlight>
+                  <a:srgbClr val="FFFFFF"/>
+                </a:highlight>
+                <a:latin typeface="Consolas" panose="020B0609020204030204" pitchFamily="49" charset="0"/>
+              </a:rPr>
+              <a:t>new</a:t>
+            </a:r>
+            <a:r>
+              <a:rPr lang="en-US" sz="1600" dirty="0">
+                <a:solidFill>
+                  <a:srgbClr val="000000"/>
+                </a:solidFill>
+                <a:highlight>
+                  <a:srgbClr val="FFFFFF"/>
+                </a:highlight>
+                <a:latin typeface="Consolas" panose="020B0609020204030204" pitchFamily="49" charset="0"/>
+              </a:rPr>
+              <a:t> </a:t>
             </a:r>
             <a:r>
               <a:rPr lang="en-US" sz="1600" dirty="0" err="1" smtClean="0">
                 <a:solidFill>
+                  <a:srgbClr val="2B91AF"/>
+                </a:solidFill>
+                <a:highlight>
+                  <a:srgbClr val="FFFFFF"/>
+                </a:highlight>
+                <a:latin typeface="Consolas" panose="020B0609020204030204" pitchFamily="49" charset="0"/>
+              </a:rPr>
+              <a:t>PhotoCamera</a:t>
+            </a:r>
+            <a:r>
+              <a:rPr lang="en-US" sz="1600" dirty="0" smtClean="0">
+                <a:solidFill>
                   <a:srgbClr val="000000"/>
                 </a:solidFill>
                 <a:highlight>
@@ -9069,7 +8663,31 @@
                 </a:highlight>
                 <a:latin typeface="Consolas" panose="020B0609020204030204" pitchFamily="49" charset="0"/>
               </a:rPr>
-              <a:t>bitmap.SetSource</a:t>
+              <a:t>(</a:t>
+            </a:r>
+            <a:r>
+              <a:rPr lang="en-US" sz="1600" dirty="0" err="1" smtClean="0">
+                <a:solidFill>
+                  <a:srgbClr val="2B91AF"/>
+                </a:solidFill>
+                <a:highlight>
+                  <a:srgbClr val="FFFFFF"/>
+                </a:highlight>
+                <a:latin typeface="Consolas" panose="020B0609020204030204" pitchFamily="49" charset="0"/>
+              </a:rPr>
+              <a:t>CameraType</a:t>
+            </a:r>
+            <a:r>
+              <a:rPr lang="en-US" sz="1600" dirty="0" err="1" smtClean="0">
+                <a:solidFill>
+                  <a:srgbClr val="000000"/>
+                </a:solidFill>
+                <a:highlight>
+                  <a:srgbClr val="FFFFFF"/>
+                </a:highlight>
+                <a:latin typeface="Consolas" panose="020B0609020204030204" pitchFamily="49" charset="0"/>
+              </a:rPr>
+              <a:t>.Primary</a:t>
             </a:r>
             <a:r>
               <a:rPr lang="en-US" sz="1600" dirty="0" smtClean="0">
@@ -9081,37 +8699,8 @@
                 </a:highlight>
                 <a:latin typeface="Consolas" panose="020B0609020204030204" pitchFamily="49" charset="0"/>
               </a:rPr>
-              <a:t>(</a:t>
-            </a:r>
-            <a:r>
-              <a:rPr lang="en-US" sz="1600" dirty="0" err="1" smtClean="0">
-                <a:solidFill>
-                  <a:srgbClr val="000000"/>
-                </a:solidFill>
-                <a:highlight>
-                  <a:srgbClr val="FFFFFF"/>
-                </a:highlight>
-                <a:latin typeface="Consolas" panose="020B0609020204030204" pitchFamily="49" charset="0"/>
-              </a:rPr>
-              <a:t>e.ImageStream</a:t>
-            </a:r>
-            <a:r>
-              <a:rPr lang="en-US" sz="1600" dirty="0" smtClean="0">
-                <a:solidFill>
-                  <a:srgbClr val="000000"/>
-                </a:solidFill>
-                <a:highlight>
-                  <a:srgbClr val="FFFFFF"/>
-                </a:highlight>
-                <a:latin typeface="Consolas" panose="020B0609020204030204" pitchFamily="49" charset="0"/>
-              </a:rPr>
               <a:t>);</a:t>
             </a:r>
-          </a:p>
-          <a:p>
-            <a:pPr marL="0" indent="0">
-              <a:buNone/>
-            </a:pPr>
             <a:endParaRPr lang="en-US" sz="1600" dirty="0">
               <a:solidFill>
                 <a:srgbClr val="000000"/>
@@ -9123,50 +8712,190 @@
             </a:endParaRPr>
           </a:p>
           <a:p>
-            <a:r>
-              <a:rPr lang="en-US" dirty="0" smtClean="0"/>
-              <a:t>This can crash, can anyone tell me why</a:t>
+            <a:pPr lvl="1"/>
+            <a:endParaRPr lang="en-US" dirty="0" smtClean="0"/>
+          </a:p>
+          <a:p>
+            <a:r>
+              <a:rPr lang="en-US" dirty="0" smtClean="0"/>
+              <a:t>Subscribe to desired events</a:t>
+            </a:r>
+          </a:p>
+          <a:p>
+            <a:pPr lvl="1"/>
+            <a:r>
+              <a:rPr lang="en-US" dirty="0" smtClean="0"/>
+              <a:t>At least </a:t>
             </a:r>
             <a:r>
               <a:rPr lang="en-US" dirty="0" smtClean="0">
-                <a:latin typeface="Gadugi" panose="020B0502040204020203" pitchFamily="34" charset="0"/>
-              </a:rPr>
-              <a:t>?</a:t>
-            </a:r>
+                <a:solidFill>
+                  <a:srgbClr val="000000"/>
+                </a:solidFill>
+                <a:highlight>
+                  <a:srgbClr val="FFFFFF"/>
+                </a:highlight>
+                <a:latin typeface="Consolas" panose="020B0609020204030204" pitchFamily="49" charset="0"/>
+              </a:rPr>
+              <a:t>Initialized</a:t>
+            </a:r>
+            <a:r>
+              <a:rPr lang="en-US" dirty="0" smtClean="0"/>
+              <a:t> and </a:t>
+            </a:r>
+            <a:r>
+              <a:rPr lang="en-US" dirty="0" err="1" smtClean="0">
+                <a:solidFill>
+                  <a:srgbClr val="000000"/>
+                </a:solidFill>
+                <a:highlight>
+                  <a:srgbClr val="FFFFFF"/>
+                </a:highlight>
+                <a:latin typeface="Consolas" panose="020B0609020204030204" pitchFamily="49" charset="0"/>
+              </a:rPr>
+              <a:t>CaptureImageAvailable</a:t>
+            </a:r>
+            <a:r>
+              <a:rPr lang="en-US" dirty="0" smtClean="0"/>
+              <a:t> recommended</a:t>
+            </a:r>
+          </a:p>
+          <a:p>
+            <a:pPr lvl="1"/>
             <a:endParaRPr lang="en-US" dirty="0"/>
           </a:p>
           <a:p>
+            <a:r>
+              <a:rPr lang="en-US" dirty="0" smtClean="0"/>
+              <a:t>Create </a:t>
+            </a:r>
+            <a:r>
+              <a:rPr lang="en-US" dirty="0" err="1" smtClean="0">
+                <a:solidFill>
+                  <a:srgbClr val="2B91AF"/>
+                </a:solidFill>
+                <a:highlight>
+                  <a:srgbClr val="FFFFFF"/>
+                </a:highlight>
+                <a:latin typeface="Consolas" panose="020B0609020204030204" pitchFamily="49" charset="0"/>
+              </a:rPr>
+              <a:t>BitmapImage</a:t>
+            </a:r>
+            <a:r>
+              <a:rPr lang="en-US" dirty="0" smtClean="0"/>
+              <a:t> and </a:t>
+            </a:r>
+            <a:r>
+              <a:rPr lang="en-US" dirty="0" err="1">
+                <a:solidFill>
+                  <a:srgbClr val="2B91AF"/>
+                </a:solidFill>
+                <a:highlight>
+                  <a:srgbClr val="FFFFFF"/>
+                </a:highlight>
+                <a:latin typeface="Consolas" panose="020B0609020204030204" pitchFamily="49" charset="0"/>
+              </a:rPr>
+              <a:t>VideoBrush</a:t>
+            </a:r>
             <a:endParaRPr lang="en-US" dirty="0" smtClean="0"/>
           </a:p>
           <a:p>
-            <a:r>
-              <a:rPr lang="en-US" dirty="0" smtClean="0"/>
-              <a:t>That’s all there is to Image Capture for now</a:t>
-            </a:r>
-          </a:p>
-          <a:p>
-            <a:pPr lvl="1"/>
-            <a:r>
-              <a:rPr lang="en-US" dirty="0" smtClean="0"/>
-              <a:t>Last thing to do is save this image to the Photo Library</a:t>
-            </a:r>
-          </a:p>
-          <a:p>
-            <a:pPr lvl="1"/>
-            <a:r>
-              <a:rPr lang="en-US" dirty="0" smtClean="0"/>
-              <a:t>That is something you will have to look up by yourself</a:t>
-            </a:r>
-          </a:p>
-          <a:p>
-            <a:pPr lvl="2"/>
-            <a:r>
-              <a:rPr lang="en-US" dirty="0" smtClean="0"/>
-              <a:t>Hint: </a:t>
+            <a:pPr lvl="1"/>
+            <a:r>
+              <a:rPr lang="en-US" dirty="0" smtClean="0">
+                <a:highlight>
+                  <a:srgbClr val="FFFFFF"/>
+                </a:highlight>
+              </a:rPr>
+              <a:t>Hook </a:t>
+            </a:r>
+            <a:r>
+              <a:rPr lang="en-US" dirty="0" err="1">
+                <a:solidFill>
+                  <a:srgbClr val="2B91AF"/>
+                </a:solidFill>
+                <a:highlight>
+                  <a:srgbClr val="FFFFFF"/>
+                </a:highlight>
+                <a:latin typeface="Consolas" panose="020B0609020204030204" pitchFamily="49" charset="0"/>
+              </a:rPr>
+              <a:t>VideoBrush</a:t>
+            </a:r>
+            <a:r>
+              <a:rPr lang="en-US" dirty="0" smtClean="0">
+                <a:highlight>
+                  <a:srgbClr val="FFFFFF"/>
+                </a:highlight>
+              </a:rPr>
+              <a:t> up to the camera to initialize it (We MUST do this)</a:t>
+            </a:r>
+          </a:p>
+          <a:p>
+            <a:pPr lvl="1"/>
+            <a:r>
+              <a:rPr lang="en-US" dirty="0" smtClean="0">
+                <a:highlight>
+                  <a:srgbClr val="FFFFFF"/>
+                </a:highlight>
+              </a:rPr>
+              <a:t>Hook </a:t>
             </a:r>
             <a:r>
               <a:rPr lang="en-US" dirty="0" err="1" smtClean="0">
                 <a:solidFill>
+                  <a:srgbClr val="2B91AF"/>
+                </a:solidFill>
+                <a:highlight>
+                  <a:srgbClr val="FFFFFF"/>
+                </a:highlight>
+                <a:latin typeface="Consolas" panose="020B0609020204030204" pitchFamily="49" charset="0"/>
+              </a:rPr>
+              <a:t>BitmapImage</a:t>
+            </a:r>
+            <a:r>
+              <a:rPr lang="en-US" dirty="0" smtClean="0">
+                <a:highlight>
+                  <a:srgbClr val="FFFFFF"/>
+                </a:highlight>
+              </a:rPr>
+              <a:t> up to the </a:t>
+            </a:r>
+            <a:r>
+              <a:rPr lang="en-US" dirty="0" smtClean="0">
+                <a:solidFill>
+                  <a:srgbClr val="A31515"/>
+                </a:solidFill>
+                <a:highlight>
+                  <a:srgbClr val="FFFFFF"/>
+                </a:highlight>
+                <a:latin typeface="Consolas" panose="020B0609020204030204" pitchFamily="49" charset="0"/>
+              </a:rPr>
+              <a:t>Image</a:t>
+            </a:r>
+            <a:r>
+              <a:rPr lang="en-US" dirty="0" smtClean="0">
+                <a:highlight>
+                  <a:srgbClr val="FFFFFF"/>
+                </a:highlight>
+              </a:rPr>
+              <a:t> XAML element so we can update it</a:t>
+            </a:r>
+          </a:p>
+          <a:p>
+            <a:pPr lvl="1"/>
+            <a:endParaRPr lang="en-US" dirty="0" smtClean="0">
+              <a:highlight>
+                <a:srgbClr val="FFFFFF"/>
+              </a:highlight>
+            </a:endParaRPr>
+          </a:p>
+          <a:p>
+            <a:pPr marL="0" indent="0">
+              <a:buNone/>
+            </a:pPr>
+            <a:r>
+              <a:rPr lang="en-US" sz="1600" dirty="0" smtClean="0">
+                <a:solidFill>
                   <a:srgbClr val="000000"/>
                 </a:solidFill>
                 <a:highlight>
@@ -9174,11 +8903,262 @@
                 </a:highlight>
                 <a:latin typeface="Consolas" panose="020B0609020204030204" pitchFamily="49" charset="0"/>
               </a:rPr>
-              <a:t>Microsoft.Xna.Framework.Media.MediaLibrary</a:t>
-            </a:r>
-            <a:r>
-              <a:rPr lang="en-US" dirty="0" smtClean="0"/>
-              <a:t> is your friend</a:t>
+              <a:t>   bitmap </a:t>
+            </a:r>
+            <a:r>
+              <a:rPr lang="en-US" sz="1600" dirty="0">
+                <a:solidFill>
+                  <a:srgbClr val="000000"/>
+                </a:solidFill>
+                <a:highlight>
+                  <a:srgbClr val="FFFFFF"/>
+                </a:highlight>
+                <a:latin typeface="Consolas" panose="020B0609020204030204" pitchFamily="49" charset="0"/>
+              </a:rPr>
+              <a:t>= </a:t>
+            </a:r>
+            <a:r>
+              <a:rPr lang="en-US" sz="1600" dirty="0">
+                <a:solidFill>
+                  <a:srgbClr val="0000FF"/>
+                </a:solidFill>
+                <a:highlight>
+                  <a:srgbClr val="FFFFFF"/>
+                </a:highlight>
+                <a:latin typeface="Consolas" panose="020B0609020204030204" pitchFamily="49" charset="0"/>
+              </a:rPr>
+              <a:t>new</a:t>
+            </a:r>
+            <a:r>
+              <a:rPr lang="en-US" sz="1600" dirty="0">
+                <a:solidFill>
+                  <a:srgbClr val="000000"/>
+                </a:solidFill>
+                <a:highlight>
+                  <a:srgbClr val="FFFFFF"/>
+                </a:highlight>
+                <a:latin typeface="Consolas" panose="020B0609020204030204" pitchFamily="49" charset="0"/>
+              </a:rPr>
+              <a:t> </a:t>
+            </a:r>
+            <a:r>
+              <a:rPr lang="en-US" sz="1600" dirty="0" err="1">
+                <a:solidFill>
+                  <a:srgbClr val="2B91AF"/>
+                </a:solidFill>
+                <a:highlight>
+                  <a:srgbClr val="FFFFFF"/>
+                </a:highlight>
+                <a:latin typeface="Consolas" panose="020B0609020204030204" pitchFamily="49" charset="0"/>
+              </a:rPr>
+              <a:t>BitmapImage</a:t>
+            </a:r>
+            <a:r>
+              <a:rPr lang="en-US" sz="1600" dirty="0">
+                <a:solidFill>
+                  <a:srgbClr val="000000"/>
+                </a:solidFill>
+                <a:highlight>
+                  <a:srgbClr val="FFFFFF"/>
+                </a:highlight>
+                <a:latin typeface="Consolas" panose="020B0609020204030204" pitchFamily="49" charset="0"/>
+              </a:rPr>
+              <a:t>();</a:t>
+            </a:r>
+          </a:p>
+          <a:p>
+            <a:pPr marL="0" indent="0">
+              <a:buNone/>
+            </a:pPr>
+            <a:r>
+              <a:rPr lang="en-US" sz="1600" dirty="0" smtClean="0">
+                <a:solidFill>
+                  <a:srgbClr val="000000"/>
+                </a:solidFill>
+                <a:highlight>
+                  <a:srgbClr val="FFFFFF"/>
+                </a:highlight>
+                <a:latin typeface="Consolas" panose="020B0609020204030204" pitchFamily="49" charset="0"/>
+              </a:rPr>
+              <a:t>   brush </a:t>
+            </a:r>
+            <a:r>
+              <a:rPr lang="en-US" sz="1600" dirty="0">
+                <a:solidFill>
+                  <a:srgbClr val="000000"/>
+                </a:solidFill>
+                <a:highlight>
+                  <a:srgbClr val="FFFFFF"/>
+                </a:highlight>
+                <a:latin typeface="Consolas" panose="020B0609020204030204" pitchFamily="49" charset="0"/>
+              </a:rPr>
+              <a:t>= </a:t>
+            </a:r>
+            <a:r>
+              <a:rPr lang="en-US" sz="1600" dirty="0">
+                <a:solidFill>
+                  <a:srgbClr val="0000FF"/>
+                </a:solidFill>
+                <a:highlight>
+                  <a:srgbClr val="FFFFFF"/>
+                </a:highlight>
+                <a:latin typeface="Consolas" panose="020B0609020204030204" pitchFamily="49" charset="0"/>
+              </a:rPr>
+              <a:t>new</a:t>
+            </a:r>
+            <a:r>
+              <a:rPr lang="en-US" sz="1600" dirty="0">
+                <a:solidFill>
+                  <a:srgbClr val="000000"/>
+                </a:solidFill>
+                <a:highlight>
+                  <a:srgbClr val="FFFFFF"/>
+                </a:highlight>
+                <a:latin typeface="Consolas" panose="020B0609020204030204" pitchFamily="49" charset="0"/>
+              </a:rPr>
+              <a:t> </a:t>
+            </a:r>
+            <a:r>
+              <a:rPr lang="en-US" sz="1600" dirty="0" err="1">
+                <a:solidFill>
+                  <a:srgbClr val="2B91AF"/>
+                </a:solidFill>
+                <a:highlight>
+                  <a:srgbClr val="FFFFFF"/>
+                </a:highlight>
+                <a:latin typeface="Consolas" panose="020B0609020204030204" pitchFamily="49" charset="0"/>
+              </a:rPr>
+              <a:t>VideoBrush</a:t>
+            </a:r>
+            <a:r>
+              <a:rPr lang="en-US" sz="1600" dirty="0">
+                <a:solidFill>
+                  <a:srgbClr val="000000"/>
+                </a:solidFill>
+                <a:highlight>
+                  <a:srgbClr val="FFFFFF"/>
+                </a:highlight>
+                <a:latin typeface="Consolas" panose="020B0609020204030204" pitchFamily="49" charset="0"/>
+              </a:rPr>
+              <a:t>();</a:t>
+            </a:r>
+          </a:p>
+          <a:p>
+            <a:pPr marL="0" indent="0">
+              <a:buNone/>
+            </a:pPr>
+            <a:r>
+              <a:rPr lang="en-US" sz="1600" dirty="0" smtClean="0">
+                <a:solidFill>
+                  <a:srgbClr val="000000"/>
+                </a:solidFill>
+                <a:highlight>
+                  <a:srgbClr val="FFFFFF"/>
+                </a:highlight>
+                <a:latin typeface="Consolas" panose="020B0609020204030204" pitchFamily="49" charset="0"/>
+              </a:rPr>
+              <a:t>   </a:t>
+            </a:r>
+            <a:r>
+              <a:rPr lang="en-US" sz="1600" dirty="0" err="1" smtClean="0">
+                <a:solidFill>
+                  <a:srgbClr val="000000"/>
+                </a:solidFill>
+                <a:highlight>
+                  <a:srgbClr val="FFFFFF"/>
+                </a:highlight>
+                <a:latin typeface="Consolas" panose="020B0609020204030204" pitchFamily="49" charset="0"/>
+              </a:rPr>
+              <a:t>brush.SetSource</a:t>
+            </a:r>
+            <a:r>
+              <a:rPr lang="en-US" sz="1600" dirty="0" smtClean="0">
+                <a:solidFill>
+                  <a:srgbClr val="000000"/>
+                </a:solidFill>
+                <a:highlight>
+                  <a:srgbClr val="FFFFFF"/>
+                </a:highlight>
+                <a:latin typeface="Consolas" panose="020B0609020204030204" pitchFamily="49" charset="0"/>
+              </a:rPr>
+              <a:t>(cam</a:t>
+            </a:r>
+            <a:r>
+              <a:rPr lang="en-US" sz="1600" dirty="0">
+                <a:solidFill>
+                  <a:srgbClr val="000000"/>
+                </a:solidFill>
+                <a:highlight>
+                  <a:srgbClr val="FFFFFF"/>
+                </a:highlight>
+                <a:latin typeface="Consolas" panose="020B0609020204030204" pitchFamily="49" charset="0"/>
+              </a:rPr>
+              <a:t>);</a:t>
+            </a:r>
+          </a:p>
+          <a:p>
+            <a:pPr marL="0" indent="0">
+              <a:buNone/>
+            </a:pPr>
+            <a:r>
+              <a:rPr lang="en-US" sz="1600" dirty="0" smtClean="0">
+                <a:solidFill>
+                  <a:srgbClr val="000000"/>
+                </a:solidFill>
+                <a:highlight>
+                  <a:srgbClr val="FFFFFF"/>
+                </a:highlight>
+                <a:latin typeface="Consolas" panose="020B0609020204030204" pitchFamily="49" charset="0"/>
+              </a:rPr>
+              <a:t>   </a:t>
+            </a:r>
+            <a:r>
+              <a:rPr lang="en-US" sz="1600" dirty="0" err="1" smtClean="0">
+                <a:solidFill>
+                  <a:srgbClr val="000000"/>
+                </a:solidFill>
+                <a:highlight>
+                  <a:srgbClr val="FFFFFF"/>
+                </a:highlight>
+                <a:latin typeface="Consolas" panose="020B0609020204030204" pitchFamily="49" charset="0"/>
+              </a:rPr>
+              <a:t>xamlImage.Source</a:t>
+            </a:r>
+            <a:r>
+              <a:rPr lang="en-US" sz="1600" dirty="0" smtClean="0">
+                <a:solidFill>
+                  <a:srgbClr val="000000"/>
+                </a:solidFill>
+                <a:highlight>
+                  <a:srgbClr val="FFFFFF"/>
+                </a:highlight>
+                <a:latin typeface="Consolas" panose="020B0609020204030204" pitchFamily="49" charset="0"/>
+              </a:rPr>
+              <a:t> </a:t>
+            </a:r>
+            <a:r>
+              <a:rPr lang="en-US" sz="1600" dirty="0">
+                <a:solidFill>
+                  <a:srgbClr val="000000"/>
+                </a:solidFill>
+                <a:highlight>
+                  <a:srgbClr val="FFFFFF"/>
+                </a:highlight>
+                <a:latin typeface="Consolas" panose="020B0609020204030204" pitchFamily="49" charset="0"/>
+              </a:rPr>
+              <a:t>= bitmap</a:t>
+            </a:r>
+            <a:r>
+              <a:rPr lang="en-US" sz="1600" dirty="0" smtClean="0">
+                <a:solidFill>
+                  <a:srgbClr val="000000"/>
+                </a:solidFill>
+                <a:highlight>
+                  <a:srgbClr val="FFFFFF"/>
+                </a:highlight>
+                <a:latin typeface="Consolas" panose="020B0609020204030204" pitchFamily="49" charset="0"/>
+              </a:rPr>
+              <a:t>;</a:t>
             </a:r>
           </a:p>
         </p:txBody>
@@ -9186,7 +9166,7 @@
     </p:spTree>
     <p:extLst>
       <p:ext uri="{BB962C8B-B14F-4D97-AF65-F5344CB8AC3E}">
-        <p14:creationId xmlns:p14="http://schemas.microsoft.com/office/powerpoint/2010/main" val="995051684"/>
+        <p14:creationId xmlns:p14="http://schemas.microsoft.com/office/powerpoint/2010/main" val="1552965858"/>
       </p:ext>
     </p:extLst>
   </p:cSld>
@@ -9230,7 +9210,7 @@
           <a:p>
             <a:r>
               <a:rPr lang="en-US" dirty="0" smtClean="0"/>
-              <a:t>Homework 4</a:t>
+              <a:t>Image Capture</a:t>
             </a:r>
             <a:endParaRPr lang="en-US" dirty="0"/>
           </a:p>
@@ -9246,154 +9226,195 @@
             <p:ph idx="1"/>
           </p:nvPr>
         </p:nvSpPr>
-        <p:spPr>
-          <a:xfrm>
-            <a:off x="457200" y="1600200"/>
-            <a:ext cx="8229600" cy="4800600"/>
-          </a:xfrm>
-        </p:spPr>
-        <p:txBody>
-          <a:bodyPr>
-            <a:normAutofit/>
-          </a:bodyPr>
+        <p:spPr/>
+        <p:txBody>
+          <a:bodyPr/>
           <a:lstStyle/>
           <a:p>
             <a:r>
               <a:rPr lang="en-US" dirty="0" smtClean="0"/>
-              <a:t>A two-</a:t>
-            </a:r>
-            <a:r>
-              <a:rPr lang="en-US" dirty="0" err="1" smtClean="0"/>
-              <a:t>parter</a:t>
-            </a:r>
-            <a:r>
-              <a:rPr lang="en-US" dirty="0" smtClean="0"/>
-              <a:t>!</a:t>
-            </a:r>
-          </a:p>
-          <a:p>
-            <a:pPr lvl="1"/>
-            <a:r>
-              <a:rPr lang="en-US" dirty="0" smtClean="0"/>
-              <a:t>Part 1: Create an audio filtering app</a:t>
+              <a:t>When our </a:t>
+            </a:r>
+            <a:r>
+              <a:rPr lang="en-US" dirty="0" err="1" smtClean="0">
+                <a:solidFill>
+                  <a:srgbClr val="000000"/>
+                </a:solidFill>
+                <a:highlight>
+                  <a:srgbClr val="FFFFFF"/>
+                </a:highlight>
+                <a:latin typeface="Consolas" panose="020B0609020204030204" pitchFamily="49" charset="0"/>
+              </a:rPr>
+              <a:t>CaptureImageAvailable</a:t>
+            </a:r>
+            <a:r>
+              <a:rPr lang="en-US" dirty="0" smtClean="0"/>
+              <a:t> event is called</a:t>
+            </a:r>
+          </a:p>
+          <a:p>
+            <a:pPr lvl="1"/>
+            <a:r>
+              <a:rPr lang="en-US" dirty="0" smtClean="0"/>
+              <a:t>Just update our Bitmaps “source”</a:t>
+            </a:r>
+          </a:p>
+          <a:p>
+            <a:pPr lvl="1"/>
+            <a:endParaRPr lang="en-US" dirty="0" smtClean="0">
+              <a:solidFill>
+                <a:srgbClr val="000000"/>
+              </a:solidFill>
+              <a:highlight>
+                <a:srgbClr val="FFFFFF"/>
+              </a:highlight>
+              <a:latin typeface="Consolas" panose="020B0609020204030204" pitchFamily="49" charset="0"/>
+            </a:endParaRPr>
+          </a:p>
+          <a:p>
+            <a:pPr marL="0" indent="0">
+              <a:buNone/>
+            </a:pPr>
+            <a:r>
+              <a:rPr lang="en-US" sz="1600" dirty="0" smtClean="0">
+                <a:solidFill>
+                  <a:srgbClr val="000000"/>
+                </a:solidFill>
+                <a:highlight>
+                  <a:srgbClr val="FFFFFF"/>
+                </a:highlight>
+                <a:latin typeface="Consolas" panose="020B0609020204030204" pitchFamily="49" charset="0"/>
+              </a:rPr>
+              <a:t>    </a:t>
+            </a:r>
+            <a:r>
+              <a:rPr lang="en-US" sz="1600" dirty="0" err="1" smtClean="0">
+                <a:solidFill>
+                  <a:srgbClr val="000000"/>
+                </a:solidFill>
+                <a:highlight>
+                  <a:srgbClr val="FFFFFF"/>
+                </a:highlight>
+                <a:latin typeface="Consolas" panose="020B0609020204030204" pitchFamily="49" charset="0"/>
+              </a:rPr>
+              <a:t>bitmap.SetSource</a:t>
+            </a:r>
+            <a:r>
+              <a:rPr lang="en-US" sz="1600" dirty="0" smtClean="0">
+                <a:solidFill>
+                  <a:srgbClr val="000000"/>
+                </a:solidFill>
+                <a:highlight>
+                  <a:srgbClr val="FFFFFF"/>
+                </a:highlight>
+                <a:latin typeface="Consolas" panose="020B0609020204030204" pitchFamily="49" charset="0"/>
+              </a:rPr>
+              <a:t>(</a:t>
+            </a:r>
+            <a:r>
+              <a:rPr lang="en-US" sz="1600" dirty="0" err="1" smtClean="0">
+                <a:solidFill>
+                  <a:srgbClr val="000000"/>
+                </a:solidFill>
+                <a:highlight>
+                  <a:srgbClr val="FFFFFF"/>
+                </a:highlight>
+                <a:latin typeface="Consolas" panose="020B0609020204030204" pitchFamily="49" charset="0"/>
+              </a:rPr>
+              <a:t>e.ImageStream</a:t>
+            </a:r>
+            <a:r>
+              <a:rPr lang="en-US" sz="1600" dirty="0" smtClean="0">
+                <a:solidFill>
+                  <a:srgbClr val="000000"/>
+                </a:solidFill>
+                <a:highlight>
+                  <a:srgbClr val="FFFFFF"/>
+                </a:highlight>
+                <a:latin typeface="Consolas" panose="020B0609020204030204" pitchFamily="49" charset="0"/>
+              </a:rPr>
+              <a:t>);</a:t>
+            </a:r>
+          </a:p>
+          <a:p>
+            <a:pPr marL="0" indent="0">
+              <a:buNone/>
+            </a:pPr>
+            <a:endParaRPr lang="en-US" sz="1600" dirty="0">
+              <a:solidFill>
+                <a:srgbClr val="000000"/>
+              </a:solidFill>
+              <a:highlight>
+                <a:srgbClr val="FFFFFF"/>
+              </a:highlight>
+              <a:latin typeface="Consolas" panose="020B0609020204030204" pitchFamily="49" charset="0"/>
+            </a:endParaRPr>
+          </a:p>
+          <a:p>
+            <a:r>
+              <a:rPr lang="en-US" dirty="0" smtClean="0"/>
+              <a:t>This can crash, can anyone tell me why</a:t>
+            </a:r>
+            <a:r>
+              <a:rPr lang="en-US" dirty="0" smtClean="0">
+                <a:latin typeface="Gadugi" panose="020B0502040204020203" pitchFamily="34" charset="0"/>
+              </a:rPr>
+              <a:t>?</a:t>
+            </a:r>
+            <a:endParaRPr lang="en-US" dirty="0"/>
+          </a:p>
+          <a:p>
+            <a:endParaRPr lang="en-US" dirty="0" smtClean="0"/>
+          </a:p>
+          <a:p>
+            <a:r>
+              <a:rPr lang="en-US" dirty="0" smtClean="0"/>
+              <a:t>That’s all there is to Image Capture for now</a:t>
+            </a:r>
+          </a:p>
+          <a:p>
+            <a:pPr lvl="1"/>
+            <a:r>
+              <a:rPr lang="en-US" dirty="0" smtClean="0"/>
+              <a:t>Last thing to do is save this image to the Photo Library</a:t>
+            </a:r>
+          </a:p>
+          <a:p>
+            <a:pPr lvl="1"/>
+            <a:r>
+              <a:rPr lang="en-US" dirty="0" smtClean="0"/>
+              <a:t>That is something you will have to look up by yourself</a:t>
             </a:r>
           </a:p>
           <a:p>
             <a:pPr lvl="2"/>
             <a:r>
               <a:rPr lang="en-US" dirty="0" smtClean="0"/>
-              <a:t>I will provide a </a:t>
-            </a:r>
-            <a:r>
-              <a:rPr lang="en-US" dirty="0" err="1" smtClean="0"/>
-              <a:t>FilterDesign</a:t>
-            </a:r>
-            <a:r>
-              <a:rPr lang="en-US" dirty="0" smtClean="0"/>
-              <a:t> object to create Windowed FIR filters</a:t>
-            </a:r>
-          </a:p>
-          <a:p>
-            <a:pPr lvl="2"/>
-            <a:r>
-              <a:rPr lang="en-US" dirty="0" smtClean="0"/>
-              <a:t>Use the </a:t>
-            </a:r>
-            <a:r>
-              <a:rPr lang="en-US" dirty="0" smtClean="0">
-                <a:solidFill>
-                  <a:srgbClr val="A31515"/>
-                </a:solidFill>
-                <a:highlight>
-                  <a:srgbClr val="FFFFFF"/>
-                </a:highlight>
-                <a:latin typeface="Consolas" panose="020B0609020204030204" pitchFamily="49" charset="0"/>
-              </a:rPr>
-              <a:t>Slider</a:t>
-            </a:r>
-            <a:r>
-              <a:rPr lang="en-US" dirty="0" smtClean="0"/>
-              <a:t> control to set the center frequency and bandwidth</a:t>
-            </a:r>
-          </a:p>
-          <a:p>
-            <a:pPr lvl="2"/>
-            <a:r>
-              <a:rPr lang="en-US" dirty="0" smtClean="0"/>
-              <a:t>Take input audio, filter it, spit it out</a:t>
-            </a:r>
-          </a:p>
-          <a:p>
-            <a:pPr lvl="3"/>
-            <a:r>
-              <a:rPr lang="en-US" dirty="0" smtClean="0"/>
-              <a:t>Yes, you will be writing the filtering routines</a:t>
-            </a:r>
-          </a:p>
-          <a:p>
-            <a:pPr lvl="3"/>
-            <a:r>
-              <a:rPr lang="en-US" dirty="0" smtClean="0"/>
-              <a:t>Straight-up linear convolution, save circular for later</a:t>
-            </a:r>
-          </a:p>
-          <a:p>
-            <a:pPr lvl="2"/>
-            <a:r>
-              <a:rPr lang="en-US" dirty="0" smtClean="0"/>
-              <a:t>Note that logarithmic mapping will likely make your sliders more useful</a:t>
-            </a:r>
-          </a:p>
-          <a:p>
-            <a:pPr lvl="2"/>
-            <a:endParaRPr lang="en-US" dirty="0"/>
-          </a:p>
-          <a:p>
-            <a:pPr lvl="1"/>
-            <a:r>
-              <a:rPr lang="en-US" dirty="0" smtClean="0"/>
-              <a:t>Part 2: Camera basics</a:t>
-            </a:r>
-          </a:p>
-          <a:p>
-            <a:pPr lvl="2"/>
-            <a:r>
-              <a:rPr lang="en-US" dirty="0" smtClean="0"/>
-              <a:t>Take images in from the Camera</a:t>
-            </a:r>
-          </a:p>
-          <a:p>
-            <a:pPr lvl="2"/>
-            <a:r>
-              <a:rPr lang="en-US" dirty="0" smtClean="0"/>
-              <a:t>Display them to the user</a:t>
-            </a:r>
-          </a:p>
-          <a:p>
-            <a:pPr lvl="2"/>
-            <a:r>
-              <a:rPr lang="en-US" dirty="0" smtClean="0"/>
-              <a:t>Save them to the media library</a:t>
-            </a:r>
-          </a:p>
-          <a:p>
-            <a:pPr lvl="2"/>
-            <a:endParaRPr lang="en-US" dirty="0"/>
-          </a:p>
-          <a:p>
-            <a:pPr lvl="1"/>
-            <a:r>
-              <a:rPr lang="en-US" dirty="0" smtClean="0"/>
-              <a:t>This is an excellent opportunity to learn how to have multiple apps in the same solution, please do this so your homework submission is one .zip file</a:t>
-            </a:r>
-            <a:endParaRPr lang="en-US" dirty="0"/>
+              <a:t>Hint: </a:t>
+            </a:r>
+            <a:r>
+              <a:rPr lang="en-US" dirty="0" err="1" smtClean="0">
+                <a:solidFill>
+                  <a:srgbClr val="000000"/>
+                </a:solidFill>
+                <a:highlight>
+                  <a:srgbClr val="FFFFFF"/>
+                </a:highlight>
+                <a:latin typeface="Consolas" panose="020B0609020204030204" pitchFamily="49" charset="0"/>
+              </a:rPr>
+              <a:t>Microsoft.Xna.Framework.Media.MediaLibrary</a:t>
+            </a:r>
+            <a:r>
+              <a:rPr lang="en-US" dirty="0" smtClean="0"/>
+              <a:t> is your friend</a:t>
+            </a:r>
           </a:p>
         </p:txBody>
       </p:sp>
     </p:spTree>
     <p:extLst>
       <p:ext uri="{BB962C8B-B14F-4D97-AF65-F5344CB8AC3E}">
-        <p14:creationId xmlns:p14="http://schemas.microsoft.com/office/powerpoint/2010/main" val="2042650064"/>
+        <p14:creationId xmlns:p14="http://schemas.microsoft.com/office/powerpoint/2010/main" val="995051684"/>
       </p:ext>
     </p:extLst>
   </p:cSld>
@@ -10657,7 +10678,7 @@
           <a:graphicData uri="http://schemas.openxmlformats.org/presentationml/2006/ole">
             <mc:AlternateContent xmlns:mc="http://schemas.openxmlformats.org/markup-compatibility/2006">
               <mc:Choice xmlns:v="urn:schemas-microsoft-com:vml" Requires="v">
-                <p:oleObj spid="_x0000_s1028" name="Equation" r:id="rId3" imgW="1257300" imgH="457200" progId="Equation.3">
+                <p:oleObj spid="_x0000_s1031" name="Equation" r:id="rId3" imgW="1257300" imgH="457200" progId="Equation.3">
                   <p:embed/>
                 </p:oleObj>
               </mc:Choice>
@@ -10843,20 +10864,20 @@
           <p:nvPr>
             <p:extLst>
               <p:ext uri="{D42A27DB-BD31-4B8C-83A1-F6EECF244321}">
-                <p14:modId xmlns:p14="http://schemas.microsoft.com/office/powerpoint/2010/main" val="2537468915"/>
+                <p14:modId xmlns:p14="http://schemas.microsoft.com/office/powerpoint/2010/main" val="2040264114"/>
               </p:ext>
             </p:extLst>
           </p:nvPr>
         </p:nvGraphicFramePr>
         <p:xfrm>
-          <a:off x="1371600" y="3429000"/>
-          <a:ext cx="3688080" cy="628650"/>
+          <a:off x="1371600" y="3352800"/>
+          <a:ext cx="3352800" cy="571500"/>
         </p:xfrm>
         <a:graphic>
           <a:graphicData uri="http://schemas.openxmlformats.org/presentationml/2006/ole">
             <mc:AlternateContent xmlns:mc="http://schemas.openxmlformats.org/markup-compatibility/2006">
               <mc:Choice xmlns:v="urn:schemas-microsoft-com:vml" Requires="v">
-                <p:oleObj spid="_x0000_s2051" name="Equation" r:id="rId3" imgW="1117600" imgH="190500" progId="Equation.3">
+                <p:oleObj spid="_x0000_s2054" name="Equation" r:id="rId3" imgW="1117600" imgH="190500" progId="Equation.3">
                   <p:embed/>
                 </p:oleObj>
               </mc:Choice>
@@ -10877,8 +10898,8 @@
                     </p:blipFill>
                     <p:spPr>
                       <a:xfrm>
-                        <a:off x="1371600" y="3429000"/>
-                        <a:ext cx="3688080" cy="628650"/>
+                        <a:off x="1371600" y="3352800"/>
+                        <a:ext cx="3352800" cy="571500"/>
                       </a:xfrm>
                       <a:prstGeom prst="rect">
                         <a:avLst/>
@@ -10944,8 +10965,8 @@
           </a:p>
         </p:txBody>
       </p:sp>
-      <mc:AlternateContent xmlns:mc="http://schemas.openxmlformats.org/markup-compatibility/2006" xmlns:a14="http://schemas.microsoft.com/office/drawing/2010/main">
-        <mc:Choice Requires="a14">
+      <mc:AlternateContent xmlns:mc="http://schemas.openxmlformats.org/markup-compatibility/2006">
+        <mc:Choice xmlns:a14="http://schemas.microsoft.com/office/drawing/2010/main" Requires="a14">
           <p:sp>
             <p:nvSpPr>
               <p:cNvPr id="3" name="Content Placeholder 2"/>
@@ -10958,7 +10979,7 @@
             </p:nvSpPr>
             <p:spPr>
               <a:xfrm>
-                <a:off x="457200" y="1600200"/>
+                <a:off x="228600" y="1905000"/>
                 <a:ext cx="8305800" cy="4525963"/>
               </a:xfrm>
             </p:spPr>
@@ -10980,7 +11001,7 @@
                   <a:buNone/>
                 </a:pPr>
                 <a14:m>
-                  <m:oMathPara xmlns:m="http://schemas.openxmlformats.org/officeDocument/2006/math" xmlns="">
+                  <m:oMathPara xmlns="" xmlns:m="http://schemas.openxmlformats.org/officeDocument/2006/math">
                     <m:oMathParaPr>
                       <m:jc m:val="centerGroup"/>
                     </m:oMathParaPr>
@@ -11164,7 +11185,7 @@
                   <a:t>To calculate other values, just insert different values of </a:t>
                 </a:r>
                 <a14:m>
-                  <m:oMath xmlns:m="http://schemas.openxmlformats.org/officeDocument/2006/math" xmlns="">
+                  <m:oMath xmlns="" xmlns:m="http://schemas.openxmlformats.org/officeDocument/2006/math">
                     <m:r>
                       <a:rPr lang="en-US" i="1">
                         <a:latin typeface="Cambria Math" panose="02040503050406030204" pitchFamily="18" charset="0"/>
@@ -11183,7 +11204,7 @@
                   <a:t>Although </a:t>
                 </a:r>
                 <a14:m>
-                  <m:oMath xmlns:m="http://schemas.openxmlformats.org/officeDocument/2006/math" xmlns="">
+                  <m:oMath xmlns="" xmlns:m="http://schemas.openxmlformats.org/officeDocument/2006/math">
                     <m:r>
                       <a:rPr lang="en-US" i="1">
                         <a:latin typeface="Cambria Math" panose="02040503050406030204" pitchFamily="18" charset="0"/>
@@ -11219,7 +11240,7 @@
                   <a:t> has been reversed inside the dot product, you can reverse either </a:t>
                 </a:r>
                 <a14:m>
-                  <m:oMath xmlns:m="http://schemas.openxmlformats.org/officeDocument/2006/math" xmlns="">
+                  <m:oMath xmlns="" xmlns:m="http://schemas.openxmlformats.org/officeDocument/2006/math">
                     <m:r>
                       <a:rPr lang="en-US" i="1">
                         <a:latin typeface="Cambria Math" panose="02040503050406030204" pitchFamily="18" charset="0"/>
@@ -11255,7 +11276,7 @@
                   <a:t> or </a:t>
                 </a:r>
                 <a14:m>
-                  <m:oMath xmlns:m="http://schemas.openxmlformats.org/officeDocument/2006/math" xmlns="">
+                  <m:oMath xmlns="" xmlns:m="http://schemas.openxmlformats.org/officeDocument/2006/math">
                     <m:r>
                       <a:rPr lang="en-US" b="0" i="1" smtClean="0">
                         <a:latin typeface="Cambria Math" panose="02040503050406030204" pitchFamily="18" charset="0"/>
@@ -11298,7 +11319,7 @@
             </p:txBody>
           </p:sp>
         </mc:Choice>
-        <mc:Fallback xmlns="">
+        <mc:Fallback>
           <p:sp>
             <p:nvSpPr>
               <p:cNvPr id="3" name="Content Placeholder 2"/>
@@ -11311,13 +11332,13 @@
             </p:nvSpPr>
             <p:spPr>
               <a:xfrm>
-                <a:off x="457200" y="1600200"/>
+                <a:off x="228600" y="1905000"/>
                 <a:ext cx="8305800" cy="4525963"/>
               </a:xfrm>
-              <a:blipFill rotWithShape="0">
+              <a:blipFill rotWithShape="1">
                 <a:blip r:embed="rId2"/>
                 <a:stretch>
-                  <a:fillRect l="-954" t="-1078" r="-147"/>
+                  <a:fillRect/>
                 </a:stretch>
               </a:blipFill>
             </p:spPr>
